--- a/演示文稿1.pptx
+++ b/演示文稿1.pptx
@@ -19,6 +19,11 @@
     <p:sldId id="264" r:id="rId13"/>
     <p:sldId id="265" r:id="rId14"/>
     <p:sldId id="261" r:id="rId15"/>
+    <p:sldId id="270" r:id="rId16"/>
+    <p:sldId id="272" r:id="rId17"/>
+    <p:sldId id="273" r:id="rId18"/>
+    <p:sldId id="274" r:id="rId19"/>
+    <p:sldId id="275" r:id="rId20"/>
   </p:sldIdLst>
   <p:sldSz cx="12192000" cy="6858000"/>
   <p:notesSz cx="6858000" cy="9144000"/>
@@ -272,7 +277,7 @@
           <a:p>
             <a:fld id="{E12904CF-EA1A-D543-A382-80913BC16D6F}" type="datetimeFigureOut">
               <a:rPr kumimoji="1" lang="zh-CN" altLang="en-US" smtClean="0"/>
-              <a:t>2025/2/27</a:t>
+              <a:t>2025/3/4</a:t>
             </a:fld>
             <a:endParaRPr kumimoji="1" lang="zh-CN" altLang="en-US"/>
           </a:p>
@@ -470,7 +475,7 @@
           <a:p>
             <a:fld id="{E12904CF-EA1A-D543-A382-80913BC16D6F}" type="datetimeFigureOut">
               <a:rPr kumimoji="1" lang="zh-CN" altLang="en-US" smtClean="0"/>
-              <a:t>2025/2/27</a:t>
+              <a:t>2025/3/4</a:t>
             </a:fld>
             <a:endParaRPr kumimoji="1" lang="zh-CN" altLang="en-US"/>
           </a:p>
@@ -678,7 +683,7 @@
           <a:p>
             <a:fld id="{E12904CF-EA1A-D543-A382-80913BC16D6F}" type="datetimeFigureOut">
               <a:rPr kumimoji="1" lang="zh-CN" altLang="en-US" smtClean="0"/>
-              <a:t>2025/2/27</a:t>
+              <a:t>2025/3/4</a:t>
             </a:fld>
             <a:endParaRPr kumimoji="1" lang="zh-CN" altLang="en-US"/>
           </a:p>
@@ -876,7 +881,7 @@
           <a:p>
             <a:fld id="{E12904CF-EA1A-D543-A382-80913BC16D6F}" type="datetimeFigureOut">
               <a:rPr kumimoji="1" lang="zh-CN" altLang="en-US" smtClean="0"/>
-              <a:t>2025/2/27</a:t>
+              <a:t>2025/3/4</a:t>
             </a:fld>
             <a:endParaRPr kumimoji="1" lang="zh-CN" altLang="en-US"/>
           </a:p>
@@ -1151,7 +1156,7 @@
           <a:p>
             <a:fld id="{E12904CF-EA1A-D543-A382-80913BC16D6F}" type="datetimeFigureOut">
               <a:rPr kumimoji="1" lang="zh-CN" altLang="en-US" smtClean="0"/>
-              <a:t>2025/2/27</a:t>
+              <a:t>2025/3/4</a:t>
             </a:fld>
             <a:endParaRPr kumimoji="1" lang="zh-CN" altLang="en-US"/>
           </a:p>
@@ -1416,7 +1421,7 @@
           <a:p>
             <a:fld id="{E12904CF-EA1A-D543-A382-80913BC16D6F}" type="datetimeFigureOut">
               <a:rPr kumimoji="1" lang="zh-CN" altLang="en-US" smtClean="0"/>
-              <a:t>2025/2/27</a:t>
+              <a:t>2025/3/4</a:t>
             </a:fld>
             <a:endParaRPr kumimoji="1" lang="zh-CN" altLang="en-US"/>
           </a:p>
@@ -1828,7 +1833,7 @@
           <a:p>
             <a:fld id="{E12904CF-EA1A-D543-A382-80913BC16D6F}" type="datetimeFigureOut">
               <a:rPr kumimoji="1" lang="zh-CN" altLang="en-US" smtClean="0"/>
-              <a:t>2025/2/27</a:t>
+              <a:t>2025/3/4</a:t>
             </a:fld>
             <a:endParaRPr kumimoji="1" lang="zh-CN" altLang="en-US"/>
           </a:p>
@@ -1969,7 +1974,7 @@
           <a:p>
             <a:fld id="{E12904CF-EA1A-D543-A382-80913BC16D6F}" type="datetimeFigureOut">
               <a:rPr kumimoji="1" lang="zh-CN" altLang="en-US" smtClean="0"/>
-              <a:t>2025/2/27</a:t>
+              <a:t>2025/3/4</a:t>
             </a:fld>
             <a:endParaRPr kumimoji="1" lang="zh-CN" altLang="en-US"/>
           </a:p>
@@ -2082,7 +2087,7 @@
           <a:p>
             <a:fld id="{E12904CF-EA1A-D543-A382-80913BC16D6F}" type="datetimeFigureOut">
               <a:rPr kumimoji="1" lang="zh-CN" altLang="en-US" smtClean="0"/>
-              <a:t>2025/2/27</a:t>
+              <a:t>2025/3/4</a:t>
             </a:fld>
             <a:endParaRPr kumimoji="1" lang="zh-CN" altLang="en-US"/>
           </a:p>
@@ -2393,7 +2398,7 @@
           <a:p>
             <a:fld id="{E12904CF-EA1A-D543-A382-80913BC16D6F}" type="datetimeFigureOut">
               <a:rPr kumimoji="1" lang="zh-CN" altLang="en-US" smtClean="0"/>
-              <a:t>2025/2/27</a:t>
+              <a:t>2025/3/4</a:t>
             </a:fld>
             <a:endParaRPr kumimoji="1" lang="zh-CN" altLang="en-US"/>
           </a:p>
@@ -2681,7 +2686,7 @@
           <a:p>
             <a:fld id="{E12904CF-EA1A-D543-A382-80913BC16D6F}" type="datetimeFigureOut">
               <a:rPr kumimoji="1" lang="zh-CN" altLang="en-US" smtClean="0"/>
-              <a:t>2025/2/27</a:t>
+              <a:t>2025/3/4</a:t>
             </a:fld>
             <a:endParaRPr kumimoji="1" lang="zh-CN" altLang="en-US"/>
           </a:p>
@@ -2922,7 +2927,7 @@
           <a:p>
             <a:fld id="{E12904CF-EA1A-D543-A382-80913BC16D6F}" type="datetimeFigureOut">
               <a:rPr kumimoji="1" lang="zh-CN" altLang="en-US" smtClean="0"/>
-              <a:t>2025/2/27</a:t>
+              <a:t>2025/3/4</a:t>
             </a:fld>
             <a:endParaRPr kumimoji="1" lang="zh-CN" altLang="en-US"/>
           </a:p>
@@ -8776,6 +8781,7364 @@
     <p:extLst>
       <p:ext uri="{BB962C8B-B14F-4D97-AF65-F5344CB8AC3E}">
         <p14:creationId xmlns:p14="http://schemas.microsoft.com/office/powerpoint/2010/main" val="1824782394"/>
+      </p:ext>
+    </p:extLst>
+  </p:cSld>
+  <p:clrMapOvr>
+    <a:masterClrMapping/>
+  </p:clrMapOvr>
+</p:sld>
+</file>
+
+<file path=ppt/slides/slide15.xml><?xml version="1.0" encoding="utf-8"?>
+<p:sld xmlns:a="http://schemas.openxmlformats.org/drawingml/2006/main" xmlns:r="http://schemas.openxmlformats.org/officeDocument/2006/relationships" xmlns:p="http://schemas.openxmlformats.org/presentationml/2006/main">
+  <p:cSld>
+    <p:spTree>
+      <p:nvGrpSpPr>
+        <p:cNvPr id="1" name="">
+          <a:extLst>
+            <a:ext uri="{FF2B5EF4-FFF2-40B4-BE49-F238E27FC236}">
+              <a16:creationId xmlns:a16="http://schemas.microsoft.com/office/drawing/2014/main" id="{37823948-4F78-DDCD-9391-C54D511279E5}"/>
+            </a:ext>
+          </a:extLst>
+        </p:cNvPr>
+        <p:cNvGrpSpPr/>
+        <p:nvPr/>
+      </p:nvGrpSpPr>
+      <p:grpSpPr>
+        <a:xfrm>
+          <a:off x="0" y="0"/>
+          <a:ext cx="0" cy="0"/>
+          <a:chOff x="0" y="0"/>
+          <a:chExt cx="0" cy="0"/>
+        </a:xfrm>
+      </p:grpSpPr>
+      <p:sp>
+        <p:nvSpPr>
+          <p:cNvPr id="29" name="椭圆 28">
+            <a:extLst>
+              <a:ext uri="{FF2B5EF4-FFF2-40B4-BE49-F238E27FC236}">
+                <a16:creationId xmlns:a16="http://schemas.microsoft.com/office/drawing/2014/main" id="{9F987732-D0E7-0D60-28B4-9A382554AE46}"/>
+              </a:ext>
+            </a:extLst>
+          </p:cNvPr>
+          <p:cNvSpPr/>
+          <p:nvPr/>
+        </p:nvSpPr>
+        <p:spPr>
+          <a:xfrm>
+            <a:off x="5265205" y="1598129"/>
+            <a:ext cx="74338" cy="73241"/>
+          </a:xfrm>
+          <a:prstGeom prst="ellipse">
+            <a:avLst/>
+          </a:prstGeom>
+          <a:solidFill>
+            <a:srgbClr val="FF0000"/>
+          </a:solidFill>
+          <a:ln>
+            <a:solidFill>
+              <a:schemeClr val="accent1"/>
+            </a:solidFill>
+          </a:ln>
+        </p:spPr>
+        <p:style>
+          <a:lnRef idx="2">
+            <a:schemeClr val="accent1">
+              <a:shade val="15000"/>
+            </a:schemeClr>
+          </a:lnRef>
+          <a:fillRef idx="1">
+            <a:schemeClr val="accent1"/>
+          </a:fillRef>
+          <a:effectRef idx="0">
+            <a:schemeClr val="accent1"/>
+          </a:effectRef>
+          <a:fontRef idx="minor">
+            <a:schemeClr val="lt1"/>
+          </a:fontRef>
+        </p:style>
+        <p:txBody>
+          <a:bodyPr rtlCol="0" anchor="ctr"/>
+          <a:lstStyle/>
+          <a:p>
+            <a:pPr algn="ctr"/>
+            <a:endParaRPr kumimoji="1" lang="zh-CN" altLang="en-US"/>
+          </a:p>
+        </p:txBody>
+      </p:sp>
+      <p:sp>
+        <p:nvSpPr>
+          <p:cNvPr id="31" name="椭圆 30">
+            <a:extLst>
+              <a:ext uri="{FF2B5EF4-FFF2-40B4-BE49-F238E27FC236}">
+                <a16:creationId xmlns:a16="http://schemas.microsoft.com/office/drawing/2014/main" id="{74B88F7B-2C09-BED1-7B0D-8F51FF8DBFE2}"/>
+              </a:ext>
+            </a:extLst>
+          </p:cNvPr>
+          <p:cNvSpPr/>
+          <p:nvPr/>
+        </p:nvSpPr>
+        <p:spPr>
+          <a:xfrm>
+            <a:off x="4842174" y="3755005"/>
+            <a:ext cx="74338" cy="73241"/>
+          </a:xfrm>
+          <a:prstGeom prst="ellipse">
+            <a:avLst/>
+          </a:prstGeom>
+          <a:solidFill>
+            <a:srgbClr val="FF0000"/>
+          </a:solidFill>
+          <a:ln>
+            <a:solidFill>
+              <a:schemeClr val="accent1"/>
+            </a:solidFill>
+          </a:ln>
+        </p:spPr>
+        <p:style>
+          <a:lnRef idx="2">
+            <a:schemeClr val="accent1">
+              <a:shade val="15000"/>
+            </a:schemeClr>
+          </a:lnRef>
+          <a:fillRef idx="1">
+            <a:schemeClr val="accent1"/>
+          </a:fillRef>
+          <a:effectRef idx="0">
+            <a:schemeClr val="accent1"/>
+          </a:effectRef>
+          <a:fontRef idx="minor">
+            <a:schemeClr val="lt1"/>
+          </a:fontRef>
+        </p:style>
+        <p:txBody>
+          <a:bodyPr rtlCol="0" anchor="ctr"/>
+          <a:lstStyle/>
+          <a:p>
+            <a:pPr algn="ctr"/>
+            <a:endParaRPr kumimoji="1" lang="zh-CN" altLang="en-US"/>
+          </a:p>
+        </p:txBody>
+      </p:sp>
+      <p:sp>
+        <p:nvSpPr>
+          <p:cNvPr id="34" name="椭圆 33">
+            <a:extLst>
+              <a:ext uri="{FF2B5EF4-FFF2-40B4-BE49-F238E27FC236}">
+                <a16:creationId xmlns:a16="http://schemas.microsoft.com/office/drawing/2014/main" id="{5F202280-D16C-98E8-F830-DB3087798159}"/>
+              </a:ext>
+            </a:extLst>
+          </p:cNvPr>
+          <p:cNvSpPr/>
+          <p:nvPr/>
+        </p:nvSpPr>
+        <p:spPr>
+          <a:xfrm>
+            <a:off x="5768257" y="3379059"/>
+            <a:ext cx="74338" cy="73241"/>
+          </a:xfrm>
+          <a:prstGeom prst="ellipse">
+            <a:avLst/>
+          </a:prstGeom>
+          <a:solidFill>
+            <a:srgbClr val="FF0000"/>
+          </a:solidFill>
+          <a:ln>
+            <a:solidFill>
+              <a:schemeClr val="accent1"/>
+            </a:solidFill>
+          </a:ln>
+        </p:spPr>
+        <p:style>
+          <a:lnRef idx="2">
+            <a:schemeClr val="accent1">
+              <a:shade val="15000"/>
+            </a:schemeClr>
+          </a:lnRef>
+          <a:fillRef idx="1">
+            <a:schemeClr val="accent1"/>
+          </a:fillRef>
+          <a:effectRef idx="0">
+            <a:schemeClr val="accent1"/>
+          </a:effectRef>
+          <a:fontRef idx="minor">
+            <a:schemeClr val="lt1"/>
+          </a:fontRef>
+        </p:style>
+        <p:txBody>
+          <a:bodyPr rtlCol="0" anchor="ctr"/>
+          <a:lstStyle/>
+          <a:p>
+            <a:pPr algn="ctr"/>
+            <a:endParaRPr kumimoji="1" lang="zh-CN" altLang="en-US"/>
+          </a:p>
+        </p:txBody>
+      </p:sp>
+      <p:sp>
+        <p:nvSpPr>
+          <p:cNvPr id="35" name="椭圆 34">
+            <a:extLst>
+              <a:ext uri="{FF2B5EF4-FFF2-40B4-BE49-F238E27FC236}">
+                <a16:creationId xmlns:a16="http://schemas.microsoft.com/office/drawing/2014/main" id="{2EDD75D4-471B-702E-CBEC-3D3163DE2317}"/>
+              </a:ext>
+            </a:extLst>
+          </p:cNvPr>
+          <p:cNvSpPr/>
+          <p:nvPr/>
+        </p:nvSpPr>
+        <p:spPr>
+          <a:xfrm>
+            <a:off x="4069591" y="3232424"/>
+            <a:ext cx="74338" cy="73241"/>
+          </a:xfrm>
+          <a:prstGeom prst="ellipse">
+            <a:avLst/>
+          </a:prstGeom>
+          <a:solidFill>
+            <a:srgbClr val="FF0000"/>
+          </a:solidFill>
+          <a:ln>
+            <a:solidFill>
+              <a:schemeClr val="accent1"/>
+            </a:solidFill>
+          </a:ln>
+        </p:spPr>
+        <p:style>
+          <a:lnRef idx="2">
+            <a:schemeClr val="accent1">
+              <a:shade val="15000"/>
+            </a:schemeClr>
+          </a:lnRef>
+          <a:fillRef idx="1">
+            <a:schemeClr val="accent1"/>
+          </a:fillRef>
+          <a:effectRef idx="0">
+            <a:schemeClr val="accent1"/>
+          </a:effectRef>
+          <a:fontRef idx="minor">
+            <a:schemeClr val="lt1"/>
+          </a:fontRef>
+        </p:style>
+        <p:txBody>
+          <a:bodyPr rtlCol="0" anchor="ctr"/>
+          <a:lstStyle/>
+          <a:p>
+            <a:pPr algn="ctr"/>
+            <a:endParaRPr kumimoji="1" lang="zh-CN" altLang="en-US"/>
+          </a:p>
+        </p:txBody>
+      </p:sp>
+      <p:sp>
+        <p:nvSpPr>
+          <p:cNvPr id="21" name="椭圆 20">
+            <a:extLst>
+              <a:ext uri="{FF2B5EF4-FFF2-40B4-BE49-F238E27FC236}">
+                <a16:creationId xmlns:a16="http://schemas.microsoft.com/office/drawing/2014/main" id="{D13286C6-C4C6-C704-BBBF-E95C15657706}"/>
+              </a:ext>
+            </a:extLst>
+          </p:cNvPr>
+          <p:cNvSpPr/>
+          <p:nvPr/>
+        </p:nvSpPr>
+        <p:spPr>
+          <a:xfrm>
+            <a:off x="4243844" y="1599903"/>
+            <a:ext cx="74338" cy="73241"/>
+          </a:xfrm>
+          <a:prstGeom prst="ellipse">
+            <a:avLst/>
+          </a:prstGeom>
+          <a:solidFill>
+            <a:srgbClr val="FF0000"/>
+          </a:solidFill>
+          <a:ln>
+            <a:solidFill>
+              <a:schemeClr val="accent1"/>
+            </a:solidFill>
+          </a:ln>
+        </p:spPr>
+        <p:style>
+          <a:lnRef idx="2">
+            <a:schemeClr val="accent1">
+              <a:shade val="15000"/>
+            </a:schemeClr>
+          </a:lnRef>
+          <a:fillRef idx="1">
+            <a:schemeClr val="accent1"/>
+          </a:fillRef>
+          <a:effectRef idx="0">
+            <a:schemeClr val="accent1"/>
+          </a:effectRef>
+          <a:fontRef idx="minor">
+            <a:schemeClr val="lt1"/>
+          </a:fontRef>
+        </p:style>
+        <p:txBody>
+          <a:bodyPr rtlCol="0" anchor="ctr"/>
+          <a:lstStyle/>
+          <a:p>
+            <a:pPr algn="ctr"/>
+            <a:endParaRPr kumimoji="1" lang="zh-CN" altLang="en-US"/>
+          </a:p>
+        </p:txBody>
+      </p:sp>
+      <p:sp>
+        <p:nvSpPr>
+          <p:cNvPr id="10" name="椭圆 9">
+            <a:extLst>
+              <a:ext uri="{FF2B5EF4-FFF2-40B4-BE49-F238E27FC236}">
+                <a16:creationId xmlns:a16="http://schemas.microsoft.com/office/drawing/2014/main" id="{18232419-2364-5F74-BAAC-5C4144CA3E3B}"/>
+              </a:ext>
+            </a:extLst>
+          </p:cNvPr>
+          <p:cNvSpPr/>
+          <p:nvPr/>
+        </p:nvSpPr>
+        <p:spPr>
+          <a:xfrm>
+            <a:off x="3720314" y="2191962"/>
+            <a:ext cx="74338" cy="73241"/>
+          </a:xfrm>
+          <a:prstGeom prst="ellipse">
+            <a:avLst/>
+          </a:prstGeom>
+          <a:solidFill>
+            <a:srgbClr val="FF0000"/>
+          </a:solidFill>
+          <a:ln>
+            <a:solidFill>
+              <a:schemeClr val="accent1"/>
+            </a:solidFill>
+          </a:ln>
+        </p:spPr>
+        <p:style>
+          <a:lnRef idx="2">
+            <a:schemeClr val="accent1">
+              <a:shade val="15000"/>
+            </a:schemeClr>
+          </a:lnRef>
+          <a:fillRef idx="1">
+            <a:schemeClr val="accent1"/>
+          </a:fillRef>
+          <a:effectRef idx="0">
+            <a:schemeClr val="accent1"/>
+          </a:effectRef>
+          <a:fontRef idx="minor">
+            <a:schemeClr val="lt1"/>
+          </a:fontRef>
+        </p:style>
+        <p:txBody>
+          <a:bodyPr rtlCol="0" anchor="ctr"/>
+          <a:lstStyle/>
+          <a:p>
+            <a:pPr algn="ctr"/>
+            <a:endParaRPr kumimoji="1" lang="zh-CN" altLang="en-US"/>
+          </a:p>
+        </p:txBody>
+      </p:sp>
+      <p:sp>
+        <p:nvSpPr>
+          <p:cNvPr id="15" name="椭圆 14">
+            <a:extLst>
+              <a:ext uri="{FF2B5EF4-FFF2-40B4-BE49-F238E27FC236}">
+                <a16:creationId xmlns:a16="http://schemas.microsoft.com/office/drawing/2014/main" id="{2ABB1017-EE0A-C2E0-C5CC-08AFC6F0D2D0}"/>
+              </a:ext>
+            </a:extLst>
+          </p:cNvPr>
+          <p:cNvSpPr/>
+          <p:nvPr/>
+        </p:nvSpPr>
+        <p:spPr>
+          <a:xfrm>
+            <a:off x="5908210" y="2607812"/>
+            <a:ext cx="74338" cy="73241"/>
+          </a:xfrm>
+          <a:prstGeom prst="ellipse">
+            <a:avLst/>
+          </a:prstGeom>
+          <a:solidFill>
+            <a:srgbClr val="FF0000"/>
+          </a:solidFill>
+          <a:ln>
+            <a:solidFill>
+              <a:schemeClr val="accent1"/>
+            </a:solidFill>
+          </a:ln>
+        </p:spPr>
+        <p:style>
+          <a:lnRef idx="2">
+            <a:schemeClr val="accent1">
+              <a:shade val="15000"/>
+            </a:schemeClr>
+          </a:lnRef>
+          <a:fillRef idx="1">
+            <a:schemeClr val="accent1"/>
+          </a:fillRef>
+          <a:effectRef idx="0">
+            <a:schemeClr val="accent1"/>
+          </a:effectRef>
+          <a:fontRef idx="minor">
+            <a:schemeClr val="lt1"/>
+          </a:fontRef>
+        </p:style>
+        <p:txBody>
+          <a:bodyPr rtlCol="0" anchor="ctr"/>
+          <a:lstStyle/>
+          <a:p>
+            <a:pPr algn="ctr"/>
+            <a:endParaRPr kumimoji="1" lang="zh-CN" altLang="en-US"/>
+          </a:p>
+        </p:txBody>
+      </p:sp>
+      <p:sp>
+        <p:nvSpPr>
+          <p:cNvPr id="18" name="椭圆 17">
+            <a:extLst>
+              <a:ext uri="{FF2B5EF4-FFF2-40B4-BE49-F238E27FC236}">
+                <a16:creationId xmlns:a16="http://schemas.microsoft.com/office/drawing/2014/main" id="{C38D99BF-FD19-961C-A091-781F6B80F098}"/>
+              </a:ext>
+            </a:extLst>
+          </p:cNvPr>
+          <p:cNvSpPr/>
+          <p:nvPr/>
+        </p:nvSpPr>
+        <p:spPr>
+          <a:xfrm>
+            <a:off x="4807121" y="3305665"/>
+            <a:ext cx="74338" cy="73241"/>
+          </a:xfrm>
+          <a:prstGeom prst="ellipse">
+            <a:avLst/>
+          </a:prstGeom>
+          <a:solidFill>
+            <a:srgbClr val="FF0000"/>
+          </a:solidFill>
+          <a:ln>
+            <a:solidFill>
+              <a:schemeClr val="accent1"/>
+            </a:solidFill>
+          </a:ln>
+        </p:spPr>
+        <p:style>
+          <a:lnRef idx="2">
+            <a:schemeClr val="accent1">
+              <a:shade val="15000"/>
+            </a:schemeClr>
+          </a:lnRef>
+          <a:fillRef idx="1">
+            <a:schemeClr val="accent1"/>
+          </a:fillRef>
+          <a:effectRef idx="0">
+            <a:schemeClr val="accent1"/>
+          </a:effectRef>
+          <a:fontRef idx="minor">
+            <a:schemeClr val="lt1"/>
+          </a:fontRef>
+        </p:style>
+        <p:txBody>
+          <a:bodyPr rtlCol="0" anchor="ctr"/>
+          <a:lstStyle/>
+          <a:p>
+            <a:pPr algn="ctr"/>
+            <a:endParaRPr kumimoji="1" lang="zh-CN" altLang="en-US"/>
+          </a:p>
+        </p:txBody>
+      </p:sp>
+      <p:sp>
+        <p:nvSpPr>
+          <p:cNvPr id="19" name="椭圆 18">
+            <a:extLst>
+              <a:ext uri="{FF2B5EF4-FFF2-40B4-BE49-F238E27FC236}">
+                <a16:creationId xmlns:a16="http://schemas.microsoft.com/office/drawing/2014/main" id="{A634A526-3E45-0A94-8663-64C9F160F4FB}"/>
+              </a:ext>
+            </a:extLst>
+          </p:cNvPr>
+          <p:cNvSpPr/>
+          <p:nvPr/>
+        </p:nvSpPr>
+        <p:spPr>
+          <a:xfrm>
+            <a:off x="5352684" y="3159183"/>
+            <a:ext cx="74338" cy="73241"/>
+          </a:xfrm>
+          <a:prstGeom prst="ellipse">
+            <a:avLst/>
+          </a:prstGeom>
+          <a:solidFill>
+            <a:srgbClr val="FF0000"/>
+          </a:solidFill>
+          <a:ln>
+            <a:solidFill>
+              <a:schemeClr val="accent1"/>
+            </a:solidFill>
+          </a:ln>
+        </p:spPr>
+        <p:style>
+          <a:lnRef idx="2">
+            <a:schemeClr val="accent1">
+              <a:shade val="15000"/>
+            </a:schemeClr>
+          </a:lnRef>
+          <a:fillRef idx="1">
+            <a:schemeClr val="accent1"/>
+          </a:fillRef>
+          <a:effectRef idx="0">
+            <a:schemeClr val="accent1"/>
+          </a:effectRef>
+          <a:fontRef idx="minor">
+            <a:schemeClr val="lt1"/>
+          </a:fontRef>
+        </p:style>
+        <p:txBody>
+          <a:bodyPr rtlCol="0" anchor="ctr"/>
+          <a:lstStyle/>
+          <a:p>
+            <a:pPr algn="ctr"/>
+            <a:endParaRPr kumimoji="1" lang="zh-CN" altLang="en-US"/>
+          </a:p>
+        </p:txBody>
+      </p:sp>
+      <p:sp>
+        <p:nvSpPr>
+          <p:cNvPr id="20" name="椭圆 19">
+            <a:extLst>
+              <a:ext uri="{FF2B5EF4-FFF2-40B4-BE49-F238E27FC236}">
+                <a16:creationId xmlns:a16="http://schemas.microsoft.com/office/drawing/2014/main" id="{3458B142-EE93-5AAF-6B37-7E6D899EDF88}"/>
+              </a:ext>
+            </a:extLst>
+          </p:cNvPr>
+          <p:cNvSpPr/>
+          <p:nvPr/>
+        </p:nvSpPr>
+        <p:spPr>
+          <a:xfrm>
+            <a:off x="4518718" y="2621433"/>
+            <a:ext cx="74338" cy="73241"/>
+          </a:xfrm>
+          <a:prstGeom prst="ellipse">
+            <a:avLst/>
+          </a:prstGeom>
+          <a:solidFill>
+            <a:srgbClr val="FF0000"/>
+          </a:solidFill>
+          <a:ln>
+            <a:solidFill>
+              <a:schemeClr val="accent1"/>
+            </a:solidFill>
+          </a:ln>
+        </p:spPr>
+        <p:style>
+          <a:lnRef idx="2">
+            <a:schemeClr val="accent1">
+              <a:shade val="15000"/>
+            </a:schemeClr>
+          </a:lnRef>
+          <a:fillRef idx="1">
+            <a:schemeClr val="accent1"/>
+          </a:fillRef>
+          <a:effectRef idx="0">
+            <a:schemeClr val="accent1"/>
+          </a:effectRef>
+          <a:fontRef idx="minor">
+            <a:schemeClr val="lt1"/>
+          </a:fontRef>
+        </p:style>
+        <p:txBody>
+          <a:bodyPr rtlCol="0" anchor="ctr"/>
+          <a:lstStyle/>
+          <a:p>
+            <a:pPr algn="ctr"/>
+            <a:endParaRPr kumimoji="1" lang="zh-CN" altLang="en-US"/>
+          </a:p>
+        </p:txBody>
+      </p:sp>
+      <p:sp>
+        <p:nvSpPr>
+          <p:cNvPr id="22" name="椭圆 21">
+            <a:extLst>
+              <a:ext uri="{FF2B5EF4-FFF2-40B4-BE49-F238E27FC236}">
+                <a16:creationId xmlns:a16="http://schemas.microsoft.com/office/drawing/2014/main" id="{8A5499E8-282E-1C47-1FE2-ACED71E493A8}"/>
+              </a:ext>
+            </a:extLst>
+          </p:cNvPr>
+          <p:cNvSpPr/>
+          <p:nvPr/>
+        </p:nvSpPr>
+        <p:spPr>
+          <a:xfrm>
+            <a:off x="4978313" y="2283268"/>
+            <a:ext cx="74338" cy="73241"/>
+          </a:xfrm>
+          <a:prstGeom prst="ellipse">
+            <a:avLst/>
+          </a:prstGeom>
+          <a:solidFill>
+            <a:srgbClr val="FF0000"/>
+          </a:solidFill>
+          <a:ln>
+            <a:solidFill>
+              <a:schemeClr val="accent1"/>
+            </a:solidFill>
+          </a:ln>
+        </p:spPr>
+        <p:style>
+          <a:lnRef idx="2">
+            <a:schemeClr val="accent1">
+              <a:shade val="15000"/>
+            </a:schemeClr>
+          </a:lnRef>
+          <a:fillRef idx="1">
+            <a:schemeClr val="accent1"/>
+          </a:fillRef>
+          <a:effectRef idx="0">
+            <a:schemeClr val="accent1"/>
+          </a:effectRef>
+          <a:fontRef idx="minor">
+            <a:schemeClr val="lt1"/>
+          </a:fontRef>
+        </p:style>
+        <p:txBody>
+          <a:bodyPr rtlCol="0" anchor="ctr"/>
+          <a:lstStyle/>
+          <a:p>
+            <a:pPr algn="ctr"/>
+            <a:endParaRPr kumimoji="1" lang="zh-CN" altLang="en-US"/>
+          </a:p>
+        </p:txBody>
+      </p:sp>
+      <p:sp>
+        <p:nvSpPr>
+          <p:cNvPr id="23" name="椭圆 22">
+            <a:extLst>
+              <a:ext uri="{FF2B5EF4-FFF2-40B4-BE49-F238E27FC236}">
+                <a16:creationId xmlns:a16="http://schemas.microsoft.com/office/drawing/2014/main" id="{D21C925B-7848-D83E-EEC1-5460DEE2AA9C}"/>
+              </a:ext>
+            </a:extLst>
+          </p:cNvPr>
+          <p:cNvSpPr/>
+          <p:nvPr/>
+        </p:nvSpPr>
+        <p:spPr>
+          <a:xfrm>
+            <a:off x="4478351" y="2155341"/>
+            <a:ext cx="74338" cy="73241"/>
+          </a:xfrm>
+          <a:prstGeom prst="ellipse">
+            <a:avLst/>
+          </a:prstGeom>
+          <a:solidFill>
+            <a:srgbClr val="FF0000"/>
+          </a:solidFill>
+          <a:ln>
+            <a:solidFill>
+              <a:schemeClr val="accent1"/>
+            </a:solidFill>
+          </a:ln>
+        </p:spPr>
+        <p:style>
+          <a:lnRef idx="2">
+            <a:schemeClr val="accent1">
+              <a:shade val="15000"/>
+            </a:schemeClr>
+          </a:lnRef>
+          <a:fillRef idx="1">
+            <a:schemeClr val="accent1"/>
+          </a:fillRef>
+          <a:effectRef idx="0">
+            <a:schemeClr val="accent1"/>
+          </a:effectRef>
+          <a:fontRef idx="minor">
+            <a:schemeClr val="lt1"/>
+          </a:fontRef>
+        </p:style>
+        <p:txBody>
+          <a:bodyPr rtlCol="0" anchor="ctr"/>
+          <a:lstStyle/>
+          <a:p>
+            <a:pPr algn="ctr"/>
+            <a:endParaRPr kumimoji="1" lang="zh-CN" altLang="en-US"/>
+          </a:p>
+        </p:txBody>
+      </p:sp>
+      <p:cxnSp>
+        <p:nvCxnSpPr>
+          <p:cNvPr id="25" name="直线连接符 24">
+            <a:extLst>
+              <a:ext uri="{FF2B5EF4-FFF2-40B4-BE49-F238E27FC236}">
+                <a16:creationId xmlns:a16="http://schemas.microsoft.com/office/drawing/2014/main" id="{2ADAE71B-6D8A-A159-C57E-5E6B5BA3F301}"/>
+              </a:ext>
+            </a:extLst>
+          </p:cNvPr>
+          <p:cNvCxnSpPr>
+            <a:stCxn id="10" idx="4"/>
+            <a:endCxn id="35" idx="1"/>
+          </p:cNvCxnSpPr>
+          <p:nvPr/>
+        </p:nvCxnSpPr>
+        <p:spPr>
+          <a:xfrm>
+            <a:off x="3757483" y="2265203"/>
+            <a:ext cx="322995" cy="977947"/>
+          </a:xfrm>
+          <a:prstGeom prst="line">
+            <a:avLst/>
+          </a:prstGeom>
+        </p:spPr>
+        <p:style>
+          <a:lnRef idx="2">
+            <a:schemeClr val="dk1"/>
+          </a:lnRef>
+          <a:fillRef idx="0">
+            <a:schemeClr val="dk1"/>
+          </a:fillRef>
+          <a:effectRef idx="1">
+            <a:schemeClr val="dk1"/>
+          </a:effectRef>
+          <a:fontRef idx="minor">
+            <a:schemeClr val="tx1"/>
+          </a:fontRef>
+        </p:style>
+      </p:cxnSp>
+      <p:cxnSp>
+        <p:nvCxnSpPr>
+          <p:cNvPr id="26" name="直线连接符 25">
+            <a:extLst>
+              <a:ext uri="{FF2B5EF4-FFF2-40B4-BE49-F238E27FC236}">
+                <a16:creationId xmlns:a16="http://schemas.microsoft.com/office/drawing/2014/main" id="{2EF8390C-240B-078E-6A71-684F6D6A7B47}"/>
+              </a:ext>
+            </a:extLst>
+          </p:cNvPr>
+          <p:cNvCxnSpPr>
+            <a:cxnSpLocks/>
+            <a:stCxn id="21" idx="3"/>
+            <a:endCxn id="10" idx="0"/>
+          </p:cNvCxnSpPr>
+          <p:nvPr/>
+        </p:nvCxnSpPr>
+        <p:spPr>
+          <a:xfrm flipH="1">
+            <a:off x="3757483" y="1662418"/>
+            <a:ext cx="497248" cy="529544"/>
+          </a:xfrm>
+          <a:prstGeom prst="line">
+            <a:avLst/>
+          </a:prstGeom>
+        </p:spPr>
+        <p:style>
+          <a:lnRef idx="2">
+            <a:schemeClr val="dk1"/>
+          </a:lnRef>
+          <a:fillRef idx="0">
+            <a:schemeClr val="dk1"/>
+          </a:fillRef>
+          <a:effectRef idx="1">
+            <a:schemeClr val="dk1"/>
+          </a:effectRef>
+          <a:fontRef idx="minor">
+            <a:schemeClr val="tx1"/>
+          </a:fontRef>
+        </p:style>
+      </p:cxnSp>
+      <p:cxnSp>
+        <p:nvCxnSpPr>
+          <p:cNvPr id="30" name="直线连接符 29">
+            <a:extLst>
+              <a:ext uri="{FF2B5EF4-FFF2-40B4-BE49-F238E27FC236}">
+                <a16:creationId xmlns:a16="http://schemas.microsoft.com/office/drawing/2014/main" id="{DFD376BB-F5A3-4E2D-C09D-2ED01105161D}"/>
+              </a:ext>
+            </a:extLst>
+          </p:cNvPr>
+          <p:cNvCxnSpPr>
+            <a:cxnSpLocks/>
+            <a:stCxn id="31" idx="2"/>
+            <a:endCxn id="35" idx="5"/>
+          </p:cNvCxnSpPr>
+          <p:nvPr/>
+        </p:nvCxnSpPr>
+        <p:spPr>
+          <a:xfrm flipH="1" flipV="1">
+            <a:off x="4133042" y="3294939"/>
+            <a:ext cx="709132" cy="496687"/>
+          </a:xfrm>
+          <a:prstGeom prst="line">
+            <a:avLst/>
+          </a:prstGeom>
+        </p:spPr>
+        <p:style>
+          <a:lnRef idx="2">
+            <a:schemeClr val="dk1"/>
+          </a:lnRef>
+          <a:fillRef idx="0">
+            <a:schemeClr val="dk1"/>
+          </a:fillRef>
+          <a:effectRef idx="1">
+            <a:schemeClr val="dk1"/>
+          </a:effectRef>
+          <a:fontRef idx="minor">
+            <a:schemeClr val="tx1"/>
+          </a:fontRef>
+        </p:style>
+      </p:cxnSp>
+      <p:cxnSp>
+        <p:nvCxnSpPr>
+          <p:cNvPr id="40" name="直线连接符 39">
+            <a:extLst>
+              <a:ext uri="{FF2B5EF4-FFF2-40B4-BE49-F238E27FC236}">
+                <a16:creationId xmlns:a16="http://schemas.microsoft.com/office/drawing/2014/main" id="{9F7396C2-3F81-670E-6281-E1C8CB8D5A13}"/>
+              </a:ext>
+            </a:extLst>
+          </p:cNvPr>
+          <p:cNvCxnSpPr>
+            <a:cxnSpLocks/>
+            <a:stCxn id="34" idx="3"/>
+            <a:endCxn id="31" idx="6"/>
+          </p:cNvCxnSpPr>
+          <p:nvPr/>
+        </p:nvCxnSpPr>
+        <p:spPr>
+          <a:xfrm flipH="1">
+            <a:off x="4916512" y="3441574"/>
+            <a:ext cx="862632" cy="350052"/>
+          </a:xfrm>
+          <a:prstGeom prst="line">
+            <a:avLst/>
+          </a:prstGeom>
+        </p:spPr>
+        <p:style>
+          <a:lnRef idx="2">
+            <a:schemeClr val="dk1"/>
+          </a:lnRef>
+          <a:fillRef idx="0">
+            <a:schemeClr val="dk1"/>
+          </a:fillRef>
+          <a:effectRef idx="1">
+            <a:schemeClr val="dk1"/>
+          </a:effectRef>
+          <a:fontRef idx="minor">
+            <a:schemeClr val="tx1"/>
+          </a:fontRef>
+        </p:style>
+      </p:cxnSp>
+      <p:cxnSp>
+        <p:nvCxnSpPr>
+          <p:cNvPr id="46" name="直线连接符 45">
+            <a:extLst>
+              <a:ext uri="{FF2B5EF4-FFF2-40B4-BE49-F238E27FC236}">
+                <a16:creationId xmlns:a16="http://schemas.microsoft.com/office/drawing/2014/main" id="{34968909-EEE4-766E-EA10-943CAAA7AD9F}"/>
+              </a:ext>
+            </a:extLst>
+          </p:cNvPr>
+          <p:cNvCxnSpPr>
+            <a:cxnSpLocks/>
+            <a:stCxn id="15" idx="4"/>
+            <a:endCxn id="34" idx="0"/>
+          </p:cNvCxnSpPr>
+          <p:nvPr/>
+        </p:nvCxnSpPr>
+        <p:spPr>
+          <a:xfrm flipH="1">
+            <a:off x="5805426" y="2681053"/>
+            <a:ext cx="139953" cy="698006"/>
+          </a:xfrm>
+          <a:prstGeom prst="line">
+            <a:avLst/>
+          </a:prstGeom>
+        </p:spPr>
+        <p:style>
+          <a:lnRef idx="2">
+            <a:schemeClr val="dk1"/>
+          </a:lnRef>
+          <a:fillRef idx="0">
+            <a:schemeClr val="dk1"/>
+          </a:fillRef>
+          <a:effectRef idx="1">
+            <a:schemeClr val="dk1"/>
+          </a:effectRef>
+          <a:fontRef idx="minor">
+            <a:schemeClr val="tx1"/>
+          </a:fontRef>
+        </p:style>
+      </p:cxnSp>
+      <p:cxnSp>
+        <p:nvCxnSpPr>
+          <p:cNvPr id="50" name="直线连接符 49">
+            <a:extLst>
+              <a:ext uri="{FF2B5EF4-FFF2-40B4-BE49-F238E27FC236}">
+                <a16:creationId xmlns:a16="http://schemas.microsoft.com/office/drawing/2014/main" id="{F496C6F7-B325-78D1-67BB-67026028A8B8}"/>
+              </a:ext>
+            </a:extLst>
+          </p:cNvPr>
+          <p:cNvCxnSpPr>
+            <a:cxnSpLocks/>
+            <a:stCxn id="29" idx="1"/>
+            <a:endCxn id="21" idx="6"/>
+          </p:cNvCxnSpPr>
+          <p:nvPr/>
+        </p:nvCxnSpPr>
+        <p:spPr>
+          <a:xfrm flipH="1">
+            <a:off x="4318182" y="1608855"/>
+            <a:ext cx="957910" cy="27669"/>
+          </a:xfrm>
+          <a:prstGeom prst="line">
+            <a:avLst/>
+          </a:prstGeom>
+        </p:spPr>
+        <p:style>
+          <a:lnRef idx="2">
+            <a:schemeClr val="dk1"/>
+          </a:lnRef>
+          <a:fillRef idx="0">
+            <a:schemeClr val="dk1"/>
+          </a:fillRef>
+          <a:effectRef idx="1">
+            <a:schemeClr val="dk1"/>
+          </a:effectRef>
+          <a:fontRef idx="minor">
+            <a:schemeClr val="tx1"/>
+          </a:fontRef>
+        </p:style>
+      </p:cxnSp>
+      <p:cxnSp>
+        <p:nvCxnSpPr>
+          <p:cNvPr id="54" name="直线连接符 53">
+            <a:extLst>
+              <a:ext uri="{FF2B5EF4-FFF2-40B4-BE49-F238E27FC236}">
+                <a16:creationId xmlns:a16="http://schemas.microsoft.com/office/drawing/2014/main" id="{8A553BA3-02DA-0677-AC1B-3FCFF7519D92}"/>
+              </a:ext>
+            </a:extLst>
+          </p:cNvPr>
+          <p:cNvCxnSpPr>
+            <a:cxnSpLocks/>
+            <a:stCxn id="29" idx="5"/>
+            <a:endCxn id="15" idx="0"/>
+          </p:cNvCxnSpPr>
+          <p:nvPr/>
+        </p:nvCxnSpPr>
+        <p:spPr>
+          <a:xfrm>
+            <a:off x="5328656" y="1660644"/>
+            <a:ext cx="616723" cy="947168"/>
+          </a:xfrm>
+          <a:prstGeom prst="line">
+            <a:avLst/>
+          </a:prstGeom>
+        </p:spPr>
+        <p:style>
+          <a:lnRef idx="2">
+            <a:schemeClr val="dk1"/>
+          </a:lnRef>
+          <a:fillRef idx="0">
+            <a:schemeClr val="dk1"/>
+          </a:fillRef>
+          <a:effectRef idx="1">
+            <a:schemeClr val="dk1"/>
+          </a:effectRef>
+          <a:fontRef idx="minor">
+            <a:schemeClr val="tx1"/>
+          </a:fontRef>
+        </p:style>
+      </p:cxnSp>
+      <p:cxnSp>
+        <p:nvCxnSpPr>
+          <p:cNvPr id="57" name="直线连接符 56">
+            <a:extLst>
+              <a:ext uri="{FF2B5EF4-FFF2-40B4-BE49-F238E27FC236}">
+                <a16:creationId xmlns:a16="http://schemas.microsoft.com/office/drawing/2014/main" id="{703804A9-903C-1CA1-4509-44D864E4420E}"/>
+              </a:ext>
+            </a:extLst>
+          </p:cNvPr>
+          <p:cNvCxnSpPr>
+            <a:cxnSpLocks/>
+            <a:stCxn id="19" idx="6"/>
+            <a:endCxn id="34" idx="1"/>
+          </p:cNvCxnSpPr>
+          <p:nvPr/>
+        </p:nvCxnSpPr>
+        <p:spPr>
+          <a:xfrm>
+            <a:off x="5427022" y="3195804"/>
+            <a:ext cx="352122" cy="193981"/>
+          </a:xfrm>
+          <a:prstGeom prst="line">
+            <a:avLst/>
+          </a:prstGeom>
+        </p:spPr>
+        <p:style>
+          <a:lnRef idx="2">
+            <a:schemeClr val="dk1"/>
+          </a:lnRef>
+          <a:fillRef idx="0">
+            <a:schemeClr val="dk1"/>
+          </a:fillRef>
+          <a:effectRef idx="1">
+            <a:schemeClr val="dk1"/>
+          </a:effectRef>
+          <a:fontRef idx="minor">
+            <a:schemeClr val="tx1"/>
+          </a:fontRef>
+        </p:style>
+      </p:cxnSp>
+      <p:cxnSp>
+        <p:nvCxnSpPr>
+          <p:cNvPr id="62" name="直线连接符 61">
+            <a:extLst>
+              <a:ext uri="{FF2B5EF4-FFF2-40B4-BE49-F238E27FC236}">
+                <a16:creationId xmlns:a16="http://schemas.microsoft.com/office/drawing/2014/main" id="{FF0BE47A-82BF-B53A-9936-AA66472DEB45}"/>
+              </a:ext>
+            </a:extLst>
+          </p:cNvPr>
+          <p:cNvCxnSpPr>
+            <a:cxnSpLocks/>
+            <a:stCxn id="18" idx="6"/>
+            <a:endCxn id="19" idx="2"/>
+          </p:cNvCxnSpPr>
+          <p:nvPr/>
+        </p:nvCxnSpPr>
+        <p:spPr>
+          <a:xfrm flipV="1">
+            <a:off x="4881459" y="3195804"/>
+            <a:ext cx="471225" cy="146482"/>
+          </a:xfrm>
+          <a:prstGeom prst="line">
+            <a:avLst/>
+          </a:prstGeom>
+        </p:spPr>
+        <p:style>
+          <a:lnRef idx="2">
+            <a:schemeClr val="dk1"/>
+          </a:lnRef>
+          <a:fillRef idx="0">
+            <a:schemeClr val="dk1"/>
+          </a:fillRef>
+          <a:effectRef idx="1">
+            <a:schemeClr val="dk1"/>
+          </a:effectRef>
+          <a:fontRef idx="minor">
+            <a:schemeClr val="tx1"/>
+          </a:fontRef>
+        </p:style>
+      </p:cxnSp>
+      <p:cxnSp>
+        <p:nvCxnSpPr>
+          <p:cNvPr id="65" name="直线连接符 64">
+            <a:extLst>
+              <a:ext uri="{FF2B5EF4-FFF2-40B4-BE49-F238E27FC236}">
+                <a16:creationId xmlns:a16="http://schemas.microsoft.com/office/drawing/2014/main" id="{588F0E70-A3DA-947D-E160-44BB86533CF2}"/>
+              </a:ext>
+            </a:extLst>
+          </p:cNvPr>
+          <p:cNvCxnSpPr>
+            <a:cxnSpLocks/>
+            <a:stCxn id="18" idx="4"/>
+            <a:endCxn id="31" idx="0"/>
+          </p:cNvCxnSpPr>
+          <p:nvPr/>
+        </p:nvCxnSpPr>
+        <p:spPr>
+          <a:xfrm>
+            <a:off x="4844290" y="3378906"/>
+            <a:ext cx="35053" cy="376099"/>
+          </a:xfrm>
+          <a:prstGeom prst="line">
+            <a:avLst/>
+          </a:prstGeom>
+        </p:spPr>
+        <p:style>
+          <a:lnRef idx="2">
+            <a:schemeClr val="dk1"/>
+          </a:lnRef>
+          <a:fillRef idx="0">
+            <a:schemeClr val="dk1"/>
+          </a:fillRef>
+          <a:effectRef idx="1">
+            <a:schemeClr val="dk1"/>
+          </a:effectRef>
+          <a:fontRef idx="minor">
+            <a:schemeClr val="tx1"/>
+          </a:fontRef>
+        </p:style>
+      </p:cxnSp>
+      <p:cxnSp>
+        <p:nvCxnSpPr>
+          <p:cNvPr id="68" name="直线连接符 67">
+            <a:extLst>
+              <a:ext uri="{FF2B5EF4-FFF2-40B4-BE49-F238E27FC236}">
+                <a16:creationId xmlns:a16="http://schemas.microsoft.com/office/drawing/2014/main" id="{BF8BE578-EF56-AEDF-33BD-9272B3FF4B0B}"/>
+              </a:ext>
+            </a:extLst>
+          </p:cNvPr>
+          <p:cNvCxnSpPr>
+            <a:cxnSpLocks/>
+            <a:stCxn id="35" idx="6"/>
+            <a:endCxn id="18" idx="2"/>
+          </p:cNvCxnSpPr>
+          <p:nvPr/>
+        </p:nvCxnSpPr>
+        <p:spPr>
+          <a:xfrm>
+            <a:off x="4143929" y="3269045"/>
+            <a:ext cx="663192" cy="73241"/>
+          </a:xfrm>
+          <a:prstGeom prst="line">
+            <a:avLst/>
+          </a:prstGeom>
+        </p:spPr>
+        <p:style>
+          <a:lnRef idx="2">
+            <a:schemeClr val="dk1"/>
+          </a:lnRef>
+          <a:fillRef idx="0">
+            <a:schemeClr val="dk1"/>
+          </a:fillRef>
+          <a:effectRef idx="1">
+            <a:schemeClr val="dk1"/>
+          </a:effectRef>
+          <a:fontRef idx="minor">
+            <a:schemeClr val="tx1"/>
+          </a:fontRef>
+        </p:style>
+      </p:cxnSp>
+      <p:cxnSp>
+        <p:nvCxnSpPr>
+          <p:cNvPr id="71" name="直线连接符 70">
+            <a:extLst>
+              <a:ext uri="{FF2B5EF4-FFF2-40B4-BE49-F238E27FC236}">
+                <a16:creationId xmlns:a16="http://schemas.microsoft.com/office/drawing/2014/main" id="{C3271067-CE58-1AFF-65E1-75A168A05CEF}"/>
+              </a:ext>
+            </a:extLst>
+          </p:cNvPr>
+          <p:cNvCxnSpPr>
+            <a:cxnSpLocks/>
+            <a:stCxn id="35" idx="7"/>
+            <a:endCxn id="19" idx="1"/>
+          </p:cNvCxnSpPr>
+          <p:nvPr/>
+        </p:nvCxnSpPr>
+        <p:spPr>
+          <a:xfrm flipV="1">
+            <a:off x="4133042" y="3169909"/>
+            <a:ext cx="1230529" cy="73241"/>
+          </a:xfrm>
+          <a:prstGeom prst="line">
+            <a:avLst/>
+          </a:prstGeom>
+        </p:spPr>
+        <p:style>
+          <a:lnRef idx="2">
+            <a:schemeClr val="dk1"/>
+          </a:lnRef>
+          <a:fillRef idx="0">
+            <a:schemeClr val="dk1"/>
+          </a:fillRef>
+          <a:effectRef idx="1">
+            <a:schemeClr val="dk1"/>
+          </a:effectRef>
+          <a:fontRef idx="minor">
+            <a:schemeClr val="tx1"/>
+          </a:fontRef>
+        </p:style>
+      </p:cxnSp>
+      <p:cxnSp>
+        <p:nvCxnSpPr>
+          <p:cNvPr id="74" name="直线连接符 73">
+            <a:extLst>
+              <a:ext uri="{FF2B5EF4-FFF2-40B4-BE49-F238E27FC236}">
+                <a16:creationId xmlns:a16="http://schemas.microsoft.com/office/drawing/2014/main" id="{7F1929DF-F351-9FE9-0BE3-36461F68188C}"/>
+              </a:ext>
+            </a:extLst>
+          </p:cNvPr>
+          <p:cNvCxnSpPr>
+            <a:cxnSpLocks/>
+            <a:stCxn id="20" idx="3"/>
+            <a:endCxn id="35" idx="0"/>
+          </p:cNvCxnSpPr>
+          <p:nvPr/>
+        </p:nvCxnSpPr>
+        <p:spPr>
+          <a:xfrm flipH="1">
+            <a:off x="4106760" y="2683948"/>
+            <a:ext cx="422845" cy="548476"/>
+          </a:xfrm>
+          <a:prstGeom prst="line">
+            <a:avLst/>
+          </a:prstGeom>
+        </p:spPr>
+        <p:style>
+          <a:lnRef idx="2">
+            <a:schemeClr val="dk1"/>
+          </a:lnRef>
+          <a:fillRef idx="0">
+            <a:schemeClr val="dk1"/>
+          </a:fillRef>
+          <a:effectRef idx="1">
+            <a:schemeClr val="dk1"/>
+          </a:effectRef>
+          <a:fontRef idx="minor">
+            <a:schemeClr val="tx1"/>
+          </a:fontRef>
+        </p:style>
+      </p:cxnSp>
+      <p:cxnSp>
+        <p:nvCxnSpPr>
+          <p:cNvPr id="78" name="直线连接符 77">
+            <a:extLst>
+              <a:ext uri="{FF2B5EF4-FFF2-40B4-BE49-F238E27FC236}">
+                <a16:creationId xmlns:a16="http://schemas.microsoft.com/office/drawing/2014/main" id="{9D7442F0-F74E-469E-11E2-0582B54276DD}"/>
+              </a:ext>
+            </a:extLst>
+          </p:cNvPr>
+          <p:cNvCxnSpPr>
+            <a:cxnSpLocks/>
+            <a:stCxn id="20" idx="6"/>
+            <a:endCxn id="19" idx="1"/>
+          </p:cNvCxnSpPr>
+          <p:nvPr/>
+        </p:nvCxnSpPr>
+        <p:spPr>
+          <a:xfrm>
+            <a:off x="4593056" y="2658054"/>
+            <a:ext cx="770515" cy="511855"/>
+          </a:xfrm>
+          <a:prstGeom prst="line">
+            <a:avLst/>
+          </a:prstGeom>
+        </p:spPr>
+        <p:style>
+          <a:lnRef idx="2">
+            <a:schemeClr val="dk1"/>
+          </a:lnRef>
+          <a:fillRef idx="0">
+            <a:schemeClr val="dk1"/>
+          </a:fillRef>
+          <a:effectRef idx="1">
+            <a:schemeClr val="dk1"/>
+          </a:effectRef>
+          <a:fontRef idx="minor">
+            <a:schemeClr val="tx1"/>
+          </a:fontRef>
+        </p:style>
+      </p:cxnSp>
+      <p:cxnSp>
+        <p:nvCxnSpPr>
+          <p:cNvPr id="81" name="直线连接符 80">
+            <a:extLst>
+              <a:ext uri="{FF2B5EF4-FFF2-40B4-BE49-F238E27FC236}">
+                <a16:creationId xmlns:a16="http://schemas.microsoft.com/office/drawing/2014/main" id="{680FB93C-72DE-0DB0-DA37-89DD9552452D}"/>
+              </a:ext>
+            </a:extLst>
+          </p:cNvPr>
+          <p:cNvCxnSpPr>
+            <a:cxnSpLocks/>
+            <a:stCxn id="21" idx="3"/>
+            <a:endCxn id="35" idx="0"/>
+          </p:cNvCxnSpPr>
+          <p:nvPr/>
+        </p:nvCxnSpPr>
+        <p:spPr>
+          <a:xfrm flipH="1">
+            <a:off x="4106760" y="1662418"/>
+            <a:ext cx="147971" cy="1570006"/>
+          </a:xfrm>
+          <a:prstGeom prst="line">
+            <a:avLst/>
+          </a:prstGeom>
+        </p:spPr>
+        <p:style>
+          <a:lnRef idx="2">
+            <a:schemeClr val="dk1"/>
+          </a:lnRef>
+          <a:fillRef idx="0">
+            <a:schemeClr val="dk1"/>
+          </a:fillRef>
+          <a:effectRef idx="1">
+            <a:schemeClr val="dk1"/>
+          </a:effectRef>
+          <a:fontRef idx="minor">
+            <a:schemeClr val="tx1"/>
+          </a:fontRef>
+        </p:style>
+      </p:cxnSp>
+      <p:cxnSp>
+        <p:nvCxnSpPr>
+          <p:cNvPr id="84" name="直线连接符 83">
+            <a:extLst>
+              <a:ext uri="{FF2B5EF4-FFF2-40B4-BE49-F238E27FC236}">
+                <a16:creationId xmlns:a16="http://schemas.microsoft.com/office/drawing/2014/main" id="{76F5DEA5-824D-F327-6B69-F303FEEDDE89}"/>
+              </a:ext>
+            </a:extLst>
+          </p:cNvPr>
+          <p:cNvCxnSpPr>
+            <a:cxnSpLocks/>
+            <a:stCxn id="21" idx="3"/>
+            <a:endCxn id="20" idx="1"/>
+          </p:cNvCxnSpPr>
+          <p:nvPr/>
+        </p:nvCxnSpPr>
+        <p:spPr>
+          <a:xfrm>
+            <a:off x="4254731" y="1662418"/>
+            <a:ext cx="274874" cy="969741"/>
+          </a:xfrm>
+          <a:prstGeom prst="line">
+            <a:avLst/>
+          </a:prstGeom>
+        </p:spPr>
+        <p:style>
+          <a:lnRef idx="2">
+            <a:schemeClr val="dk1"/>
+          </a:lnRef>
+          <a:fillRef idx="0">
+            <a:schemeClr val="dk1"/>
+          </a:fillRef>
+          <a:effectRef idx="1">
+            <a:schemeClr val="dk1"/>
+          </a:effectRef>
+          <a:fontRef idx="minor">
+            <a:schemeClr val="tx1"/>
+          </a:fontRef>
+        </p:style>
+      </p:cxnSp>
+      <p:cxnSp>
+        <p:nvCxnSpPr>
+          <p:cNvPr id="88" name="直线连接符 87">
+            <a:extLst>
+              <a:ext uri="{FF2B5EF4-FFF2-40B4-BE49-F238E27FC236}">
+                <a16:creationId xmlns:a16="http://schemas.microsoft.com/office/drawing/2014/main" id="{DA1F981B-79A3-1719-705E-0F6381B55A07}"/>
+              </a:ext>
+            </a:extLst>
+          </p:cNvPr>
+          <p:cNvCxnSpPr>
+            <a:cxnSpLocks/>
+            <a:stCxn id="23" idx="4"/>
+            <a:endCxn id="20" idx="0"/>
+          </p:cNvCxnSpPr>
+          <p:nvPr/>
+        </p:nvCxnSpPr>
+        <p:spPr>
+          <a:xfrm>
+            <a:off x="4515520" y="2228582"/>
+            <a:ext cx="40367" cy="392851"/>
+          </a:xfrm>
+          <a:prstGeom prst="line">
+            <a:avLst/>
+          </a:prstGeom>
+        </p:spPr>
+        <p:style>
+          <a:lnRef idx="2">
+            <a:schemeClr val="dk1"/>
+          </a:lnRef>
+          <a:fillRef idx="0">
+            <a:schemeClr val="dk1"/>
+          </a:fillRef>
+          <a:effectRef idx="1">
+            <a:schemeClr val="dk1"/>
+          </a:effectRef>
+          <a:fontRef idx="minor">
+            <a:schemeClr val="tx1"/>
+          </a:fontRef>
+        </p:style>
+      </p:cxnSp>
+      <p:cxnSp>
+        <p:nvCxnSpPr>
+          <p:cNvPr id="91" name="直线连接符 90">
+            <a:extLst>
+              <a:ext uri="{FF2B5EF4-FFF2-40B4-BE49-F238E27FC236}">
+                <a16:creationId xmlns:a16="http://schemas.microsoft.com/office/drawing/2014/main" id="{1BB0AED7-9F9C-12CF-0EA9-8FB6C65AC193}"/>
+              </a:ext>
+            </a:extLst>
+          </p:cNvPr>
+          <p:cNvCxnSpPr>
+            <a:cxnSpLocks/>
+            <a:stCxn id="21" idx="4"/>
+            <a:endCxn id="23" idx="1"/>
+          </p:cNvCxnSpPr>
+          <p:nvPr/>
+        </p:nvCxnSpPr>
+        <p:spPr>
+          <a:xfrm>
+            <a:off x="4281013" y="1673144"/>
+            <a:ext cx="208225" cy="492923"/>
+          </a:xfrm>
+          <a:prstGeom prst="line">
+            <a:avLst/>
+          </a:prstGeom>
+        </p:spPr>
+        <p:style>
+          <a:lnRef idx="2">
+            <a:schemeClr val="dk1"/>
+          </a:lnRef>
+          <a:fillRef idx="0">
+            <a:schemeClr val="dk1"/>
+          </a:fillRef>
+          <a:effectRef idx="1">
+            <a:schemeClr val="dk1"/>
+          </a:effectRef>
+          <a:fontRef idx="minor">
+            <a:schemeClr val="tx1"/>
+          </a:fontRef>
+        </p:style>
+      </p:cxnSp>
+      <p:cxnSp>
+        <p:nvCxnSpPr>
+          <p:cNvPr id="94" name="直线连接符 93">
+            <a:extLst>
+              <a:ext uri="{FF2B5EF4-FFF2-40B4-BE49-F238E27FC236}">
+                <a16:creationId xmlns:a16="http://schemas.microsoft.com/office/drawing/2014/main" id="{FB1E45A9-F130-50C5-5DB8-5F0C2D9B6A3A}"/>
+              </a:ext>
+            </a:extLst>
+          </p:cNvPr>
+          <p:cNvCxnSpPr>
+            <a:cxnSpLocks/>
+            <a:stCxn id="23" idx="5"/>
+            <a:endCxn id="19" idx="1"/>
+          </p:cNvCxnSpPr>
+          <p:nvPr/>
+        </p:nvCxnSpPr>
+        <p:spPr>
+          <a:xfrm>
+            <a:off x="4541802" y="2217856"/>
+            <a:ext cx="821769" cy="952053"/>
+          </a:xfrm>
+          <a:prstGeom prst="line">
+            <a:avLst/>
+          </a:prstGeom>
+        </p:spPr>
+        <p:style>
+          <a:lnRef idx="2">
+            <a:schemeClr val="dk1"/>
+          </a:lnRef>
+          <a:fillRef idx="0">
+            <a:schemeClr val="dk1"/>
+          </a:fillRef>
+          <a:effectRef idx="1">
+            <a:schemeClr val="dk1"/>
+          </a:effectRef>
+          <a:fontRef idx="minor">
+            <a:schemeClr val="tx1"/>
+          </a:fontRef>
+        </p:style>
+      </p:cxnSp>
+      <p:cxnSp>
+        <p:nvCxnSpPr>
+          <p:cNvPr id="100" name="直线连接符 99">
+            <a:extLst>
+              <a:ext uri="{FF2B5EF4-FFF2-40B4-BE49-F238E27FC236}">
+                <a16:creationId xmlns:a16="http://schemas.microsoft.com/office/drawing/2014/main" id="{94E4785D-6017-23E6-F25D-C34CAC449861}"/>
+              </a:ext>
+            </a:extLst>
+          </p:cNvPr>
+          <p:cNvCxnSpPr>
+            <a:cxnSpLocks/>
+            <a:stCxn id="29" idx="4"/>
+            <a:endCxn id="22" idx="0"/>
+          </p:cNvCxnSpPr>
+          <p:nvPr/>
+        </p:nvCxnSpPr>
+        <p:spPr>
+          <a:xfrm flipH="1">
+            <a:off x="5015482" y="1671370"/>
+            <a:ext cx="286892" cy="611898"/>
+          </a:xfrm>
+          <a:prstGeom prst="line">
+            <a:avLst/>
+          </a:prstGeom>
+        </p:spPr>
+        <p:style>
+          <a:lnRef idx="2">
+            <a:schemeClr val="dk1"/>
+          </a:lnRef>
+          <a:fillRef idx="0">
+            <a:schemeClr val="dk1"/>
+          </a:fillRef>
+          <a:effectRef idx="1">
+            <a:schemeClr val="dk1"/>
+          </a:effectRef>
+          <a:fontRef idx="minor">
+            <a:schemeClr val="tx1"/>
+          </a:fontRef>
+        </p:style>
+      </p:cxnSp>
+      <p:cxnSp>
+        <p:nvCxnSpPr>
+          <p:cNvPr id="103" name="直线连接符 102">
+            <a:extLst>
+              <a:ext uri="{FF2B5EF4-FFF2-40B4-BE49-F238E27FC236}">
+                <a16:creationId xmlns:a16="http://schemas.microsoft.com/office/drawing/2014/main" id="{D7351E7A-5729-9D12-E2F3-773770067698}"/>
+              </a:ext>
+            </a:extLst>
+          </p:cNvPr>
+          <p:cNvCxnSpPr>
+            <a:cxnSpLocks/>
+            <a:stCxn id="22" idx="5"/>
+            <a:endCxn id="19" idx="0"/>
+          </p:cNvCxnSpPr>
+          <p:nvPr/>
+        </p:nvCxnSpPr>
+        <p:spPr>
+          <a:xfrm>
+            <a:off x="5041764" y="2345783"/>
+            <a:ext cx="348089" cy="813400"/>
+          </a:xfrm>
+          <a:prstGeom prst="line">
+            <a:avLst/>
+          </a:prstGeom>
+        </p:spPr>
+        <p:style>
+          <a:lnRef idx="2">
+            <a:schemeClr val="dk1"/>
+          </a:lnRef>
+          <a:fillRef idx="0">
+            <a:schemeClr val="dk1"/>
+          </a:fillRef>
+          <a:effectRef idx="1">
+            <a:schemeClr val="dk1"/>
+          </a:effectRef>
+          <a:fontRef idx="minor">
+            <a:schemeClr val="tx1"/>
+          </a:fontRef>
+        </p:style>
+      </p:cxnSp>
+      <p:cxnSp>
+        <p:nvCxnSpPr>
+          <p:cNvPr id="106" name="直线连接符 105">
+            <a:extLst>
+              <a:ext uri="{FF2B5EF4-FFF2-40B4-BE49-F238E27FC236}">
+                <a16:creationId xmlns:a16="http://schemas.microsoft.com/office/drawing/2014/main" id="{CD5CE36D-9C39-4D35-192F-FA2DBDD4001A}"/>
+              </a:ext>
+            </a:extLst>
+          </p:cNvPr>
+          <p:cNvCxnSpPr>
+            <a:cxnSpLocks/>
+            <a:stCxn id="21" idx="5"/>
+            <a:endCxn id="22" idx="1"/>
+          </p:cNvCxnSpPr>
+          <p:nvPr/>
+        </p:nvCxnSpPr>
+        <p:spPr>
+          <a:xfrm>
+            <a:off x="4307295" y="1662418"/>
+            <a:ext cx="681905" cy="631576"/>
+          </a:xfrm>
+          <a:prstGeom prst="line">
+            <a:avLst/>
+          </a:prstGeom>
+        </p:spPr>
+        <p:style>
+          <a:lnRef idx="2">
+            <a:schemeClr val="dk1"/>
+          </a:lnRef>
+          <a:fillRef idx="0">
+            <a:schemeClr val="dk1"/>
+          </a:fillRef>
+          <a:effectRef idx="1">
+            <a:schemeClr val="dk1"/>
+          </a:effectRef>
+          <a:fontRef idx="minor">
+            <a:schemeClr val="tx1"/>
+          </a:fontRef>
+        </p:style>
+      </p:cxnSp>
+      <p:cxnSp>
+        <p:nvCxnSpPr>
+          <p:cNvPr id="118" name="直线连接符 117">
+            <a:extLst>
+              <a:ext uri="{FF2B5EF4-FFF2-40B4-BE49-F238E27FC236}">
+                <a16:creationId xmlns:a16="http://schemas.microsoft.com/office/drawing/2014/main" id="{BF65F495-3DA2-BEA5-6ABD-172A0CC50EAF}"/>
+              </a:ext>
+            </a:extLst>
+          </p:cNvPr>
+          <p:cNvCxnSpPr>
+            <a:cxnSpLocks/>
+            <a:stCxn id="21" idx="5"/>
+            <a:endCxn id="19" idx="1"/>
+          </p:cNvCxnSpPr>
+          <p:nvPr/>
+        </p:nvCxnSpPr>
+        <p:spPr>
+          <a:xfrm>
+            <a:off x="4307295" y="1662418"/>
+            <a:ext cx="1056276" cy="1507491"/>
+          </a:xfrm>
+          <a:prstGeom prst="line">
+            <a:avLst/>
+          </a:prstGeom>
+        </p:spPr>
+        <p:style>
+          <a:lnRef idx="2">
+            <a:schemeClr val="dk1"/>
+          </a:lnRef>
+          <a:fillRef idx="0">
+            <a:schemeClr val="dk1"/>
+          </a:fillRef>
+          <a:effectRef idx="1">
+            <a:schemeClr val="dk1"/>
+          </a:effectRef>
+          <a:fontRef idx="minor">
+            <a:schemeClr val="tx1"/>
+          </a:fontRef>
+        </p:style>
+      </p:cxnSp>
+      <p:cxnSp>
+        <p:nvCxnSpPr>
+          <p:cNvPr id="132" name="直线连接符 131">
+            <a:extLst>
+              <a:ext uri="{FF2B5EF4-FFF2-40B4-BE49-F238E27FC236}">
+                <a16:creationId xmlns:a16="http://schemas.microsoft.com/office/drawing/2014/main" id="{11FDE9B8-2F0D-C23F-4A52-EADDDD1A6E91}"/>
+              </a:ext>
+            </a:extLst>
+          </p:cNvPr>
+          <p:cNvCxnSpPr>
+            <a:cxnSpLocks/>
+            <a:stCxn id="29" idx="4"/>
+            <a:endCxn id="19" idx="0"/>
+          </p:cNvCxnSpPr>
+          <p:nvPr/>
+        </p:nvCxnSpPr>
+        <p:spPr>
+          <a:xfrm>
+            <a:off x="5302374" y="1671370"/>
+            <a:ext cx="87479" cy="1487813"/>
+          </a:xfrm>
+          <a:prstGeom prst="line">
+            <a:avLst/>
+          </a:prstGeom>
+        </p:spPr>
+        <p:style>
+          <a:lnRef idx="2">
+            <a:schemeClr val="dk1"/>
+          </a:lnRef>
+          <a:fillRef idx="0">
+            <a:schemeClr val="dk1"/>
+          </a:fillRef>
+          <a:effectRef idx="1">
+            <a:schemeClr val="dk1"/>
+          </a:effectRef>
+          <a:fontRef idx="minor">
+            <a:schemeClr val="tx1"/>
+          </a:fontRef>
+        </p:style>
+      </p:cxnSp>
+      <p:cxnSp>
+        <p:nvCxnSpPr>
+          <p:cNvPr id="140" name="直线连接符 139">
+            <a:extLst>
+              <a:ext uri="{FF2B5EF4-FFF2-40B4-BE49-F238E27FC236}">
+                <a16:creationId xmlns:a16="http://schemas.microsoft.com/office/drawing/2014/main" id="{BF3067BF-20EE-BE6E-797D-082D44B59CDE}"/>
+              </a:ext>
+            </a:extLst>
+          </p:cNvPr>
+          <p:cNvCxnSpPr>
+            <a:cxnSpLocks/>
+            <a:stCxn id="29" idx="5"/>
+            <a:endCxn id="34" idx="0"/>
+          </p:cNvCxnSpPr>
+          <p:nvPr/>
+        </p:nvCxnSpPr>
+        <p:spPr>
+          <a:xfrm>
+            <a:off x="5328656" y="1660644"/>
+            <a:ext cx="476770" cy="1718415"/>
+          </a:xfrm>
+          <a:prstGeom prst="line">
+            <a:avLst/>
+          </a:prstGeom>
+        </p:spPr>
+        <p:style>
+          <a:lnRef idx="2">
+            <a:schemeClr val="dk1"/>
+          </a:lnRef>
+          <a:fillRef idx="0">
+            <a:schemeClr val="dk1"/>
+          </a:fillRef>
+          <a:effectRef idx="1">
+            <a:schemeClr val="dk1"/>
+          </a:effectRef>
+          <a:fontRef idx="minor">
+            <a:schemeClr val="tx1"/>
+          </a:fontRef>
+        </p:style>
+      </p:cxnSp>
+    </p:spTree>
+    <p:extLst>
+      <p:ext uri="{BB962C8B-B14F-4D97-AF65-F5344CB8AC3E}">
+        <p14:creationId xmlns:p14="http://schemas.microsoft.com/office/powerpoint/2010/main" val="1398778084"/>
+      </p:ext>
+    </p:extLst>
+  </p:cSld>
+  <p:clrMapOvr>
+    <a:masterClrMapping/>
+  </p:clrMapOvr>
+</p:sld>
+</file>
+
+<file path=ppt/slides/slide16.xml><?xml version="1.0" encoding="utf-8"?>
+<p:sld xmlns:a="http://schemas.openxmlformats.org/drawingml/2006/main" xmlns:r="http://schemas.openxmlformats.org/officeDocument/2006/relationships" xmlns:p="http://schemas.openxmlformats.org/presentationml/2006/main">
+  <p:cSld>
+    <p:spTree>
+      <p:nvGrpSpPr>
+        <p:cNvPr id="1" name="">
+          <a:extLst>
+            <a:ext uri="{FF2B5EF4-FFF2-40B4-BE49-F238E27FC236}">
+              <a16:creationId xmlns:a16="http://schemas.microsoft.com/office/drawing/2014/main" id="{46030458-19D5-1A52-047B-A02D775AB041}"/>
+            </a:ext>
+          </a:extLst>
+        </p:cNvPr>
+        <p:cNvGrpSpPr/>
+        <p:nvPr/>
+      </p:nvGrpSpPr>
+      <p:grpSpPr>
+        <a:xfrm>
+          <a:off x="0" y="0"/>
+          <a:ext cx="0" cy="0"/>
+          <a:chOff x="0" y="0"/>
+          <a:chExt cx="0" cy="0"/>
+        </a:xfrm>
+      </p:grpSpPr>
+      <p:sp>
+        <p:nvSpPr>
+          <p:cNvPr id="29" name="椭圆 28">
+            <a:extLst>
+              <a:ext uri="{FF2B5EF4-FFF2-40B4-BE49-F238E27FC236}">
+                <a16:creationId xmlns:a16="http://schemas.microsoft.com/office/drawing/2014/main" id="{DDAABD7B-3370-1A4B-8FFE-C6FA3ED22275}"/>
+              </a:ext>
+            </a:extLst>
+          </p:cNvPr>
+          <p:cNvSpPr/>
+          <p:nvPr/>
+        </p:nvSpPr>
+        <p:spPr>
+          <a:xfrm>
+            <a:off x="5265205" y="1598129"/>
+            <a:ext cx="74338" cy="73241"/>
+          </a:xfrm>
+          <a:prstGeom prst="ellipse">
+            <a:avLst/>
+          </a:prstGeom>
+          <a:solidFill>
+            <a:srgbClr val="FF0000"/>
+          </a:solidFill>
+          <a:ln>
+            <a:solidFill>
+              <a:schemeClr val="accent1"/>
+            </a:solidFill>
+          </a:ln>
+        </p:spPr>
+        <p:style>
+          <a:lnRef idx="2">
+            <a:schemeClr val="accent1">
+              <a:shade val="15000"/>
+            </a:schemeClr>
+          </a:lnRef>
+          <a:fillRef idx="1">
+            <a:schemeClr val="accent1"/>
+          </a:fillRef>
+          <a:effectRef idx="0">
+            <a:schemeClr val="accent1"/>
+          </a:effectRef>
+          <a:fontRef idx="minor">
+            <a:schemeClr val="lt1"/>
+          </a:fontRef>
+        </p:style>
+        <p:txBody>
+          <a:bodyPr rtlCol="0" anchor="ctr"/>
+          <a:lstStyle/>
+          <a:p>
+            <a:pPr algn="ctr"/>
+            <a:endParaRPr kumimoji="1" lang="zh-CN" altLang="en-US"/>
+          </a:p>
+        </p:txBody>
+      </p:sp>
+      <p:sp>
+        <p:nvSpPr>
+          <p:cNvPr id="31" name="椭圆 30">
+            <a:extLst>
+              <a:ext uri="{FF2B5EF4-FFF2-40B4-BE49-F238E27FC236}">
+                <a16:creationId xmlns:a16="http://schemas.microsoft.com/office/drawing/2014/main" id="{C72AA8C4-6475-6BC4-43CE-4DFAD46ECB27}"/>
+              </a:ext>
+            </a:extLst>
+          </p:cNvPr>
+          <p:cNvSpPr/>
+          <p:nvPr/>
+        </p:nvSpPr>
+        <p:spPr>
+          <a:xfrm>
+            <a:off x="4842174" y="3755005"/>
+            <a:ext cx="74338" cy="73241"/>
+          </a:xfrm>
+          <a:prstGeom prst="ellipse">
+            <a:avLst/>
+          </a:prstGeom>
+          <a:solidFill>
+            <a:srgbClr val="FF0000"/>
+          </a:solidFill>
+          <a:ln>
+            <a:solidFill>
+              <a:schemeClr val="accent1"/>
+            </a:solidFill>
+          </a:ln>
+        </p:spPr>
+        <p:style>
+          <a:lnRef idx="2">
+            <a:schemeClr val="accent1">
+              <a:shade val="15000"/>
+            </a:schemeClr>
+          </a:lnRef>
+          <a:fillRef idx="1">
+            <a:schemeClr val="accent1"/>
+          </a:fillRef>
+          <a:effectRef idx="0">
+            <a:schemeClr val="accent1"/>
+          </a:effectRef>
+          <a:fontRef idx="minor">
+            <a:schemeClr val="lt1"/>
+          </a:fontRef>
+        </p:style>
+        <p:txBody>
+          <a:bodyPr rtlCol="0" anchor="ctr"/>
+          <a:lstStyle/>
+          <a:p>
+            <a:pPr algn="ctr"/>
+            <a:endParaRPr kumimoji="1" lang="zh-CN" altLang="en-US"/>
+          </a:p>
+        </p:txBody>
+      </p:sp>
+      <p:sp>
+        <p:nvSpPr>
+          <p:cNvPr id="34" name="椭圆 33">
+            <a:extLst>
+              <a:ext uri="{FF2B5EF4-FFF2-40B4-BE49-F238E27FC236}">
+                <a16:creationId xmlns:a16="http://schemas.microsoft.com/office/drawing/2014/main" id="{22C576F6-3D14-23D7-A181-32B63178F07B}"/>
+              </a:ext>
+            </a:extLst>
+          </p:cNvPr>
+          <p:cNvSpPr/>
+          <p:nvPr/>
+        </p:nvSpPr>
+        <p:spPr>
+          <a:xfrm>
+            <a:off x="5768257" y="3379059"/>
+            <a:ext cx="74338" cy="73241"/>
+          </a:xfrm>
+          <a:prstGeom prst="ellipse">
+            <a:avLst/>
+          </a:prstGeom>
+          <a:solidFill>
+            <a:srgbClr val="FF0000"/>
+          </a:solidFill>
+          <a:ln>
+            <a:solidFill>
+              <a:schemeClr val="accent1"/>
+            </a:solidFill>
+          </a:ln>
+        </p:spPr>
+        <p:style>
+          <a:lnRef idx="2">
+            <a:schemeClr val="accent1">
+              <a:shade val="15000"/>
+            </a:schemeClr>
+          </a:lnRef>
+          <a:fillRef idx="1">
+            <a:schemeClr val="accent1"/>
+          </a:fillRef>
+          <a:effectRef idx="0">
+            <a:schemeClr val="accent1"/>
+          </a:effectRef>
+          <a:fontRef idx="minor">
+            <a:schemeClr val="lt1"/>
+          </a:fontRef>
+        </p:style>
+        <p:txBody>
+          <a:bodyPr rtlCol="0" anchor="ctr"/>
+          <a:lstStyle/>
+          <a:p>
+            <a:pPr algn="ctr"/>
+            <a:endParaRPr kumimoji="1" lang="zh-CN" altLang="en-US"/>
+          </a:p>
+        </p:txBody>
+      </p:sp>
+      <p:sp>
+        <p:nvSpPr>
+          <p:cNvPr id="35" name="椭圆 34">
+            <a:extLst>
+              <a:ext uri="{FF2B5EF4-FFF2-40B4-BE49-F238E27FC236}">
+                <a16:creationId xmlns:a16="http://schemas.microsoft.com/office/drawing/2014/main" id="{59B01258-A182-5440-B639-5C16A123D1EC}"/>
+              </a:ext>
+            </a:extLst>
+          </p:cNvPr>
+          <p:cNvSpPr/>
+          <p:nvPr/>
+        </p:nvSpPr>
+        <p:spPr>
+          <a:xfrm>
+            <a:off x="4069591" y="3232424"/>
+            <a:ext cx="74338" cy="73241"/>
+          </a:xfrm>
+          <a:prstGeom prst="ellipse">
+            <a:avLst/>
+          </a:prstGeom>
+          <a:solidFill>
+            <a:srgbClr val="FF0000"/>
+          </a:solidFill>
+          <a:ln>
+            <a:solidFill>
+              <a:schemeClr val="accent1"/>
+            </a:solidFill>
+          </a:ln>
+        </p:spPr>
+        <p:style>
+          <a:lnRef idx="2">
+            <a:schemeClr val="accent1">
+              <a:shade val="15000"/>
+            </a:schemeClr>
+          </a:lnRef>
+          <a:fillRef idx="1">
+            <a:schemeClr val="accent1"/>
+          </a:fillRef>
+          <a:effectRef idx="0">
+            <a:schemeClr val="accent1"/>
+          </a:effectRef>
+          <a:fontRef idx="minor">
+            <a:schemeClr val="lt1"/>
+          </a:fontRef>
+        </p:style>
+        <p:txBody>
+          <a:bodyPr rtlCol="0" anchor="ctr"/>
+          <a:lstStyle/>
+          <a:p>
+            <a:pPr algn="ctr"/>
+            <a:endParaRPr kumimoji="1" lang="zh-CN" altLang="en-US"/>
+          </a:p>
+        </p:txBody>
+      </p:sp>
+      <p:sp>
+        <p:nvSpPr>
+          <p:cNvPr id="21" name="椭圆 20">
+            <a:extLst>
+              <a:ext uri="{FF2B5EF4-FFF2-40B4-BE49-F238E27FC236}">
+                <a16:creationId xmlns:a16="http://schemas.microsoft.com/office/drawing/2014/main" id="{811B86CB-0697-49BF-62C2-C969D3A55180}"/>
+              </a:ext>
+            </a:extLst>
+          </p:cNvPr>
+          <p:cNvSpPr/>
+          <p:nvPr/>
+        </p:nvSpPr>
+        <p:spPr>
+          <a:xfrm>
+            <a:off x="4243844" y="1599903"/>
+            <a:ext cx="74338" cy="73241"/>
+          </a:xfrm>
+          <a:prstGeom prst="ellipse">
+            <a:avLst/>
+          </a:prstGeom>
+          <a:solidFill>
+            <a:srgbClr val="FF0000"/>
+          </a:solidFill>
+          <a:ln>
+            <a:solidFill>
+              <a:schemeClr val="accent1"/>
+            </a:solidFill>
+          </a:ln>
+        </p:spPr>
+        <p:style>
+          <a:lnRef idx="2">
+            <a:schemeClr val="accent1">
+              <a:shade val="15000"/>
+            </a:schemeClr>
+          </a:lnRef>
+          <a:fillRef idx="1">
+            <a:schemeClr val="accent1"/>
+          </a:fillRef>
+          <a:effectRef idx="0">
+            <a:schemeClr val="accent1"/>
+          </a:effectRef>
+          <a:fontRef idx="minor">
+            <a:schemeClr val="lt1"/>
+          </a:fontRef>
+        </p:style>
+        <p:txBody>
+          <a:bodyPr rtlCol="0" anchor="ctr"/>
+          <a:lstStyle/>
+          <a:p>
+            <a:pPr algn="ctr"/>
+            <a:endParaRPr kumimoji="1" lang="zh-CN" altLang="en-US"/>
+          </a:p>
+        </p:txBody>
+      </p:sp>
+      <p:sp>
+        <p:nvSpPr>
+          <p:cNvPr id="10" name="椭圆 9">
+            <a:extLst>
+              <a:ext uri="{FF2B5EF4-FFF2-40B4-BE49-F238E27FC236}">
+                <a16:creationId xmlns:a16="http://schemas.microsoft.com/office/drawing/2014/main" id="{601143EE-2205-F16B-40EF-8674B4FE6401}"/>
+              </a:ext>
+            </a:extLst>
+          </p:cNvPr>
+          <p:cNvSpPr/>
+          <p:nvPr/>
+        </p:nvSpPr>
+        <p:spPr>
+          <a:xfrm>
+            <a:off x="3720314" y="2191962"/>
+            <a:ext cx="74338" cy="73241"/>
+          </a:xfrm>
+          <a:prstGeom prst="ellipse">
+            <a:avLst/>
+          </a:prstGeom>
+          <a:solidFill>
+            <a:srgbClr val="FF0000"/>
+          </a:solidFill>
+          <a:ln>
+            <a:solidFill>
+              <a:schemeClr val="accent1"/>
+            </a:solidFill>
+          </a:ln>
+        </p:spPr>
+        <p:style>
+          <a:lnRef idx="2">
+            <a:schemeClr val="accent1">
+              <a:shade val="15000"/>
+            </a:schemeClr>
+          </a:lnRef>
+          <a:fillRef idx="1">
+            <a:schemeClr val="accent1"/>
+          </a:fillRef>
+          <a:effectRef idx="0">
+            <a:schemeClr val="accent1"/>
+          </a:effectRef>
+          <a:fontRef idx="minor">
+            <a:schemeClr val="lt1"/>
+          </a:fontRef>
+        </p:style>
+        <p:txBody>
+          <a:bodyPr rtlCol="0" anchor="ctr"/>
+          <a:lstStyle/>
+          <a:p>
+            <a:pPr algn="ctr"/>
+            <a:endParaRPr kumimoji="1" lang="zh-CN" altLang="en-US"/>
+          </a:p>
+        </p:txBody>
+      </p:sp>
+      <p:sp>
+        <p:nvSpPr>
+          <p:cNvPr id="15" name="椭圆 14">
+            <a:extLst>
+              <a:ext uri="{FF2B5EF4-FFF2-40B4-BE49-F238E27FC236}">
+                <a16:creationId xmlns:a16="http://schemas.microsoft.com/office/drawing/2014/main" id="{558618C1-AEB2-66E6-A943-AE9934F41727}"/>
+              </a:ext>
+            </a:extLst>
+          </p:cNvPr>
+          <p:cNvSpPr/>
+          <p:nvPr/>
+        </p:nvSpPr>
+        <p:spPr>
+          <a:xfrm>
+            <a:off x="5908210" y="2607812"/>
+            <a:ext cx="74338" cy="73241"/>
+          </a:xfrm>
+          <a:prstGeom prst="ellipse">
+            <a:avLst/>
+          </a:prstGeom>
+          <a:solidFill>
+            <a:srgbClr val="FF0000"/>
+          </a:solidFill>
+          <a:ln>
+            <a:solidFill>
+              <a:schemeClr val="accent1"/>
+            </a:solidFill>
+          </a:ln>
+        </p:spPr>
+        <p:style>
+          <a:lnRef idx="2">
+            <a:schemeClr val="accent1">
+              <a:shade val="15000"/>
+            </a:schemeClr>
+          </a:lnRef>
+          <a:fillRef idx="1">
+            <a:schemeClr val="accent1"/>
+          </a:fillRef>
+          <a:effectRef idx="0">
+            <a:schemeClr val="accent1"/>
+          </a:effectRef>
+          <a:fontRef idx="minor">
+            <a:schemeClr val="lt1"/>
+          </a:fontRef>
+        </p:style>
+        <p:txBody>
+          <a:bodyPr rtlCol="0" anchor="ctr"/>
+          <a:lstStyle/>
+          <a:p>
+            <a:pPr algn="ctr"/>
+            <a:endParaRPr kumimoji="1" lang="zh-CN" altLang="en-US"/>
+          </a:p>
+        </p:txBody>
+      </p:sp>
+      <p:sp>
+        <p:nvSpPr>
+          <p:cNvPr id="18" name="椭圆 17">
+            <a:extLst>
+              <a:ext uri="{FF2B5EF4-FFF2-40B4-BE49-F238E27FC236}">
+                <a16:creationId xmlns:a16="http://schemas.microsoft.com/office/drawing/2014/main" id="{17A52A4F-4914-E0BD-54DA-9A9114A21145}"/>
+              </a:ext>
+            </a:extLst>
+          </p:cNvPr>
+          <p:cNvSpPr/>
+          <p:nvPr/>
+        </p:nvSpPr>
+        <p:spPr>
+          <a:xfrm>
+            <a:off x="4807121" y="3305665"/>
+            <a:ext cx="74338" cy="73241"/>
+          </a:xfrm>
+          <a:prstGeom prst="ellipse">
+            <a:avLst/>
+          </a:prstGeom>
+          <a:solidFill>
+            <a:srgbClr val="FF0000"/>
+          </a:solidFill>
+          <a:ln>
+            <a:solidFill>
+              <a:schemeClr val="accent1"/>
+            </a:solidFill>
+          </a:ln>
+        </p:spPr>
+        <p:style>
+          <a:lnRef idx="2">
+            <a:schemeClr val="accent1">
+              <a:shade val="15000"/>
+            </a:schemeClr>
+          </a:lnRef>
+          <a:fillRef idx="1">
+            <a:schemeClr val="accent1"/>
+          </a:fillRef>
+          <a:effectRef idx="0">
+            <a:schemeClr val="accent1"/>
+          </a:effectRef>
+          <a:fontRef idx="minor">
+            <a:schemeClr val="lt1"/>
+          </a:fontRef>
+        </p:style>
+        <p:txBody>
+          <a:bodyPr rtlCol="0" anchor="ctr"/>
+          <a:lstStyle/>
+          <a:p>
+            <a:pPr algn="ctr"/>
+            <a:endParaRPr kumimoji="1" lang="zh-CN" altLang="en-US"/>
+          </a:p>
+        </p:txBody>
+      </p:sp>
+      <p:sp>
+        <p:nvSpPr>
+          <p:cNvPr id="19" name="椭圆 18">
+            <a:extLst>
+              <a:ext uri="{FF2B5EF4-FFF2-40B4-BE49-F238E27FC236}">
+                <a16:creationId xmlns:a16="http://schemas.microsoft.com/office/drawing/2014/main" id="{35E9E89F-133C-6B1B-6F77-90F7FED0C503}"/>
+              </a:ext>
+            </a:extLst>
+          </p:cNvPr>
+          <p:cNvSpPr/>
+          <p:nvPr/>
+        </p:nvSpPr>
+        <p:spPr>
+          <a:xfrm>
+            <a:off x="5352684" y="3159183"/>
+            <a:ext cx="74338" cy="73241"/>
+          </a:xfrm>
+          <a:prstGeom prst="ellipse">
+            <a:avLst/>
+          </a:prstGeom>
+          <a:solidFill>
+            <a:srgbClr val="FF0000"/>
+          </a:solidFill>
+          <a:ln>
+            <a:solidFill>
+              <a:schemeClr val="accent1"/>
+            </a:solidFill>
+          </a:ln>
+        </p:spPr>
+        <p:style>
+          <a:lnRef idx="2">
+            <a:schemeClr val="accent1">
+              <a:shade val="15000"/>
+            </a:schemeClr>
+          </a:lnRef>
+          <a:fillRef idx="1">
+            <a:schemeClr val="accent1"/>
+          </a:fillRef>
+          <a:effectRef idx="0">
+            <a:schemeClr val="accent1"/>
+          </a:effectRef>
+          <a:fontRef idx="minor">
+            <a:schemeClr val="lt1"/>
+          </a:fontRef>
+        </p:style>
+        <p:txBody>
+          <a:bodyPr rtlCol="0" anchor="ctr"/>
+          <a:lstStyle/>
+          <a:p>
+            <a:pPr algn="ctr"/>
+            <a:endParaRPr kumimoji="1" lang="zh-CN" altLang="en-US"/>
+          </a:p>
+        </p:txBody>
+      </p:sp>
+      <p:sp>
+        <p:nvSpPr>
+          <p:cNvPr id="20" name="椭圆 19">
+            <a:extLst>
+              <a:ext uri="{FF2B5EF4-FFF2-40B4-BE49-F238E27FC236}">
+                <a16:creationId xmlns:a16="http://schemas.microsoft.com/office/drawing/2014/main" id="{7040F2A4-D1B6-0FF4-CA52-7798554C60CD}"/>
+              </a:ext>
+            </a:extLst>
+          </p:cNvPr>
+          <p:cNvSpPr/>
+          <p:nvPr/>
+        </p:nvSpPr>
+        <p:spPr>
+          <a:xfrm>
+            <a:off x="4518718" y="2621433"/>
+            <a:ext cx="74338" cy="73241"/>
+          </a:xfrm>
+          <a:prstGeom prst="ellipse">
+            <a:avLst/>
+          </a:prstGeom>
+          <a:solidFill>
+            <a:srgbClr val="FF0000"/>
+          </a:solidFill>
+          <a:ln>
+            <a:solidFill>
+              <a:schemeClr val="accent1"/>
+            </a:solidFill>
+          </a:ln>
+        </p:spPr>
+        <p:style>
+          <a:lnRef idx="2">
+            <a:schemeClr val="accent1">
+              <a:shade val="15000"/>
+            </a:schemeClr>
+          </a:lnRef>
+          <a:fillRef idx="1">
+            <a:schemeClr val="accent1"/>
+          </a:fillRef>
+          <a:effectRef idx="0">
+            <a:schemeClr val="accent1"/>
+          </a:effectRef>
+          <a:fontRef idx="minor">
+            <a:schemeClr val="lt1"/>
+          </a:fontRef>
+        </p:style>
+        <p:txBody>
+          <a:bodyPr rtlCol="0" anchor="ctr"/>
+          <a:lstStyle/>
+          <a:p>
+            <a:pPr algn="ctr"/>
+            <a:endParaRPr kumimoji="1" lang="zh-CN" altLang="en-US"/>
+          </a:p>
+        </p:txBody>
+      </p:sp>
+      <p:sp>
+        <p:nvSpPr>
+          <p:cNvPr id="22" name="椭圆 21">
+            <a:extLst>
+              <a:ext uri="{FF2B5EF4-FFF2-40B4-BE49-F238E27FC236}">
+                <a16:creationId xmlns:a16="http://schemas.microsoft.com/office/drawing/2014/main" id="{E83D5A63-08D9-56FA-7209-0E40B2E07C8A}"/>
+              </a:ext>
+            </a:extLst>
+          </p:cNvPr>
+          <p:cNvSpPr/>
+          <p:nvPr/>
+        </p:nvSpPr>
+        <p:spPr>
+          <a:xfrm>
+            <a:off x="4978313" y="2283268"/>
+            <a:ext cx="74338" cy="73241"/>
+          </a:xfrm>
+          <a:prstGeom prst="ellipse">
+            <a:avLst/>
+          </a:prstGeom>
+          <a:solidFill>
+            <a:srgbClr val="FF0000"/>
+          </a:solidFill>
+          <a:ln>
+            <a:solidFill>
+              <a:schemeClr val="accent1"/>
+            </a:solidFill>
+          </a:ln>
+        </p:spPr>
+        <p:style>
+          <a:lnRef idx="2">
+            <a:schemeClr val="accent1">
+              <a:shade val="15000"/>
+            </a:schemeClr>
+          </a:lnRef>
+          <a:fillRef idx="1">
+            <a:schemeClr val="accent1"/>
+          </a:fillRef>
+          <a:effectRef idx="0">
+            <a:schemeClr val="accent1"/>
+          </a:effectRef>
+          <a:fontRef idx="minor">
+            <a:schemeClr val="lt1"/>
+          </a:fontRef>
+        </p:style>
+        <p:txBody>
+          <a:bodyPr rtlCol="0" anchor="ctr"/>
+          <a:lstStyle/>
+          <a:p>
+            <a:pPr algn="ctr"/>
+            <a:endParaRPr kumimoji="1" lang="zh-CN" altLang="en-US"/>
+          </a:p>
+        </p:txBody>
+      </p:sp>
+      <p:sp>
+        <p:nvSpPr>
+          <p:cNvPr id="23" name="椭圆 22">
+            <a:extLst>
+              <a:ext uri="{FF2B5EF4-FFF2-40B4-BE49-F238E27FC236}">
+                <a16:creationId xmlns:a16="http://schemas.microsoft.com/office/drawing/2014/main" id="{E20720EB-F854-9D40-7089-F128234D90FA}"/>
+              </a:ext>
+            </a:extLst>
+          </p:cNvPr>
+          <p:cNvSpPr/>
+          <p:nvPr/>
+        </p:nvSpPr>
+        <p:spPr>
+          <a:xfrm>
+            <a:off x="4478351" y="2155341"/>
+            <a:ext cx="74338" cy="73241"/>
+          </a:xfrm>
+          <a:prstGeom prst="ellipse">
+            <a:avLst/>
+          </a:prstGeom>
+          <a:solidFill>
+            <a:srgbClr val="FF0000"/>
+          </a:solidFill>
+          <a:ln>
+            <a:solidFill>
+              <a:schemeClr val="accent1"/>
+            </a:solidFill>
+          </a:ln>
+        </p:spPr>
+        <p:style>
+          <a:lnRef idx="2">
+            <a:schemeClr val="accent1">
+              <a:shade val="15000"/>
+            </a:schemeClr>
+          </a:lnRef>
+          <a:fillRef idx="1">
+            <a:schemeClr val="accent1"/>
+          </a:fillRef>
+          <a:effectRef idx="0">
+            <a:schemeClr val="accent1"/>
+          </a:effectRef>
+          <a:fontRef idx="minor">
+            <a:schemeClr val="lt1"/>
+          </a:fontRef>
+        </p:style>
+        <p:txBody>
+          <a:bodyPr rtlCol="0" anchor="ctr"/>
+          <a:lstStyle/>
+          <a:p>
+            <a:pPr algn="ctr"/>
+            <a:endParaRPr kumimoji="1" lang="zh-CN" altLang="en-US"/>
+          </a:p>
+        </p:txBody>
+      </p:sp>
+      <p:cxnSp>
+        <p:nvCxnSpPr>
+          <p:cNvPr id="25" name="直线连接符 24">
+            <a:extLst>
+              <a:ext uri="{FF2B5EF4-FFF2-40B4-BE49-F238E27FC236}">
+                <a16:creationId xmlns:a16="http://schemas.microsoft.com/office/drawing/2014/main" id="{6EF63DB1-53D1-657D-D78C-0A597F1A2796}"/>
+              </a:ext>
+            </a:extLst>
+          </p:cNvPr>
+          <p:cNvCxnSpPr>
+            <a:stCxn id="10" idx="4"/>
+            <a:endCxn id="35" idx="1"/>
+          </p:cNvCxnSpPr>
+          <p:nvPr/>
+        </p:nvCxnSpPr>
+        <p:spPr>
+          <a:xfrm>
+            <a:off x="3757483" y="2265203"/>
+            <a:ext cx="322995" cy="977947"/>
+          </a:xfrm>
+          <a:prstGeom prst="line">
+            <a:avLst/>
+          </a:prstGeom>
+        </p:spPr>
+        <p:style>
+          <a:lnRef idx="2">
+            <a:schemeClr val="dk1"/>
+          </a:lnRef>
+          <a:fillRef idx="0">
+            <a:schemeClr val="dk1"/>
+          </a:fillRef>
+          <a:effectRef idx="1">
+            <a:schemeClr val="dk1"/>
+          </a:effectRef>
+          <a:fontRef idx="minor">
+            <a:schemeClr val="tx1"/>
+          </a:fontRef>
+        </p:style>
+      </p:cxnSp>
+      <p:cxnSp>
+        <p:nvCxnSpPr>
+          <p:cNvPr id="26" name="直线连接符 25">
+            <a:extLst>
+              <a:ext uri="{FF2B5EF4-FFF2-40B4-BE49-F238E27FC236}">
+                <a16:creationId xmlns:a16="http://schemas.microsoft.com/office/drawing/2014/main" id="{6220ADCE-91B2-8B7D-70BE-57036B26907C}"/>
+              </a:ext>
+            </a:extLst>
+          </p:cNvPr>
+          <p:cNvCxnSpPr>
+            <a:cxnSpLocks/>
+            <a:stCxn id="21" idx="3"/>
+            <a:endCxn id="10" idx="0"/>
+          </p:cNvCxnSpPr>
+          <p:nvPr/>
+        </p:nvCxnSpPr>
+        <p:spPr>
+          <a:xfrm flipH="1">
+            <a:off x="3757483" y="1662418"/>
+            <a:ext cx="497248" cy="529544"/>
+          </a:xfrm>
+          <a:prstGeom prst="line">
+            <a:avLst/>
+          </a:prstGeom>
+        </p:spPr>
+        <p:style>
+          <a:lnRef idx="2">
+            <a:schemeClr val="dk1"/>
+          </a:lnRef>
+          <a:fillRef idx="0">
+            <a:schemeClr val="dk1"/>
+          </a:fillRef>
+          <a:effectRef idx="1">
+            <a:schemeClr val="dk1"/>
+          </a:effectRef>
+          <a:fontRef idx="minor">
+            <a:schemeClr val="tx1"/>
+          </a:fontRef>
+        </p:style>
+      </p:cxnSp>
+      <p:cxnSp>
+        <p:nvCxnSpPr>
+          <p:cNvPr id="30" name="直线连接符 29">
+            <a:extLst>
+              <a:ext uri="{FF2B5EF4-FFF2-40B4-BE49-F238E27FC236}">
+                <a16:creationId xmlns:a16="http://schemas.microsoft.com/office/drawing/2014/main" id="{181E1AE4-3A66-D0CA-10E0-001B0EB0C5A8}"/>
+              </a:ext>
+            </a:extLst>
+          </p:cNvPr>
+          <p:cNvCxnSpPr>
+            <a:cxnSpLocks/>
+            <a:stCxn id="31" idx="2"/>
+            <a:endCxn id="35" idx="5"/>
+          </p:cNvCxnSpPr>
+          <p:nvPr/>
+        </p:nvCxnSpPr>
+        <p:spPr>
+          <a:xfrm flipH="1" flipV="1">
+            <a:off x="4133042" y="3294939"/>
+            <a:ext cx="709132" cy="496687"/>
+          </a:xfrm>
+          <a:prstGeom prst="line">
+            <a:avLst/>
+          </a:prstGeom>
+        </p:spPr>
+        <p:style>
+          <a:lnRef idx="2">
+            <a:schemeClr val="dk1"/>
+          </a:lnRef>
+          <a:fillRef idx="0">
+            <a:schemeClr val="dk1"/>
+          </a:fillRef>
+          <a:effectRef idx="1">
+            <a:schemeClr val="dk1"/>
+          </a:effectRef>
+          <a:fontRef idx="minor">
+            <a:schemeClr val="tx1"/>
+          </a:fontRef>
+        </p:style>
+      </p:cxnSp>
+      <p:cxnSp>
+        <p:nvCxnSpPr>
+          <p:cNvPr id="40" name="直线连接符 39">
+            <a:extLst>
+              <a:ext uri="{FF2B5EF4-FFF2-40B4-BE49-F238E27FC236}">
+                <a16:creationId xmlns:a16="http://schemas.microsoft.com/office/drawing/2014/main" id="{E6A930C4-5712-04DA-D4E7-DAE069761E08}"/>
+              </a:ext>
+            </a:extLst>
+          </p:cNvPr>
+          <p:cNvCxnSpPr>
+            <a:cxnSpLocks/>
+            <a:stCxn id="34" idx="3"/>
+            <a:endCxn id="31" idx="6"/>
+          </p:cNvCxnSpPr>
+          <p:nvPr/>
+        </p:nvCxnSpPr>
+        <p:spPr>
+          <a:xfrm flipH="1">
+            <a:off x="4916512" y="3441574"/>
+            <a:ext cx="862632" cy="350052"/>
+          </a:xfrm>
+          <a:prstGeom prst="line">
+            <a:avLst/>
+          </a:prstGeom>
+        </p:spPr>
+        <p:style>
+          <a:lnRef idx="2">
+            <a:schemeClr val="dk1"/>
+          </a:lnRef>
+          <a:fillRef idx="0">
+            <a:schemeClr val="dk1"/>
+          </a:fillRef>
+          <a:effectRef idx="1">
+            <a:schemeClr val="dk1"/>
+          </a:effectRef>
+          <a:fontRef idx="minor">
+            <a:schemeClr val="tx1"/>
+          </a:fontRef>
+        </p:style>
+      </p:cxnSp>
+      <p:cxnSp>
+        <p:nvCxnSpPr>
+          <p:cNvPr id="46" name="直线连接符 45">
+            <a:extLst>
+              <a:ext uri="{FF2B5EF4-FFF2-40B4-BE49-F238E27FC236}">
+                <a16:creationId xmlns:a16="http://schemas.microsoft.com/office/drawing/2014/main" id="{EA823108-9A66-597E-F7B2-0FDDEDC93CCC}"/>
+              </a:ext>
+            </a:extLst>
+          </p:cNvPr>
+          <p:cNvCxnSpPr>
+            <a:cxnSpLocks/>
+            <a:stCxn id="15" idx="4"/>
+            <a:endCxn id="34" idx="0"/>
+          </p:cNvCxnSpPr>
+          <p:nvPr/>
+        </p:nvCxnSpPr>
+        <p:spPr>
+          <a:xfrm flipH="1">
+            <a:off x="5805426" y="2681053"/>
+            <a:ext cx="139953" cy="698006"/>
+          </a:xfrm>
+          <a:prstGeom prst="line">
+            <a:avLst/>
+          </a:prstGeom>
+        </p:spPr>
+        <p:style>
+          <a:lnRef idx="2">
+            <a:schemeClr val="dk1"/>
+          </a:lnRef>
+          <a:fillRef idx="0">
+            <a:schemeClr val="dk1"/>
+          </a:fillRef>
+          <a:effectRef idx="1">
+            <a:schemeClr val="dk1"/>
+          </a:effectRef>
+          <a:fontRef idx="minor">
+            <a:schemeClr val="tx1"/>
+          </a:fontRef>
+        </p:style>
+      </p:cxnSp>
+      <p:cxnSp>
+        <p:nvCxnSpPr>
+          <p:cNvPr id="50" name="直线连接符 49">
+            <a:extLst>
+              <a:ext uri="{FF2B5EF4-FFF2-40B4-BE49-F238E27FC236}">
+                <a16:creationId xmlns:a16="http://schemas.microsoft.com/office/drawing/2014/main" id="{2D129CF5-F4A5-A574-F5FB-FDF991371AB4}"/>
+              </a:ext>
+            </a:extLst>
+          </p:cNvPr>
+          <p:cNvCxnSpPr>
+            <a:cxnSpLocks/>
+            <a:stCxn id="29" idx="1"/>
+            <a:endCxn id="21" idx="6"/>
+          </p:cNvCxnSpPr>
+          <p:nvPr/>
+        </p:nvCxnSpPr>
+        <p:spPr>
+          <a:xfrm flipH="1">
+            <a:off x="4318182" y="1608855"/>
+            <a:ext cx="957910" cy="27669"/>
+          </a:xfrm>
+          <a:prstGeom prst="line">
+            <a:avLst/>
+          </a:prstGeom>
+        </p:spPr>
+        <p:style>
+          <a:lnRef idx="2">
+            <a:schemeClr val="dk1"/>
+          </a:lnRef>
+          <a:fillRef idx="0">
+            <a:schemeClr val="dk1"/>
+          </a:fillRef>
+          <a:effectRef idx="1">
+            <a:schemeClr val="dk1"/>
+          </a:effectRef>
+          <a:fontRef idx="minor">
+            <a:schemeClr val="tx1"/>
+          </a:fontRef>
+        </p:style>
+      </p:cxnSp>
+      <p:cxnSp>
+        <p:nvCxnSpPr>
+          <p:cNvPr id="54" name="直线连接符 53">
+            <a:extLst>
+              <a:ext uri="{FF2B5EF4-FFF2-40B4-BE49-F238E27FC236}">
+                <a16:creationId xmlns:a16="http://schemas.microsoft.com/office/drawing/2014/main" id="{49E108AE-1CD2-23E6-1ED8-7CB45CFDB058}"/>
+              </a:ext>
+            </a:extLst>
+          </p:cNvPr>
+          <p:cNvCxnSpPr>
+            <a:cxnSpLocks/>
+            <a:stCxn id="29" idx="5"/>
+            <a:endCxn id="15" idx="0"/>
+          </p:cNvCxnSpPr>
+          <p:nvPr/>
+        </p:nvCxnSpPr>
+        <p:spPr>
+          <a:xfrm>
+            <a:off x="5328656" y="1660644"/>
+            <a:ext cx="616723" cy="947168"/>
+          </a:xfrm>
+          <a:prstGeom prst="line">
+            <a:avLst/>
+          </a:prstGeom>
+        </p:spPr>
+        <p:style>
+          <a:lnRef idx="2">
+            <a:schemeClr val="dk1"/>
+          </a:lnRef>
+          <a:fillRef idx="0">
+            <a:schemeClr val="dk1"/>
+          </a:fillRef>
+          <a:effectRef idx="1">
+            <a:schemeClr val="dk1"/>
+          </a:effectRef>
+          <a:fontRef idx="minor">
+            <a:schemeClr val="tx1"/>
+          </a:fontRef>
+        </p:style>
+      </p:cxnSp>
+      <p:cxnSp>
+        <p:nvCxnSpPr>
+          <p:cNvPr id="57" name="直线连接符 56">
+            <a:extLst>
+              <a:ext uri="{FF2B5EF4-FFF2-40B4-BE49-F238E27FC236}">
+                <a16:creationId xmlns:a16="http://schemas.microsoft.com/office/drawing/2014/main" id="{DB1E8093-CBD6-35BC-8D49-0C18B4EAC184}"/>
+              </a:ext>
+            </a:extLst>
+          </p:cNvPr>
+          <p:cNvCxnSpPr>
+            <a:cxnSpLocks/>
+            <a:stCxn id="19" idx="6"/>
+            <a:endCxn id="34" idx="1"/>
+          </p:cNvCxnSpPr>
+          <p:nvPr/>
+        </p:nvCxnSpPr>
+        <p:spPr>
+          <a:xfrm>
+            <a:off x="5427022" y="3195804"/>
+            <a:ext cx="352122" cy="193981"/>
+          </a:xfrm>
+          <a:prstGeom prst="line">
+            <a:avLst/>
+          </a:prstGeom>
+        </p:spPr>
+        <p:style>
+          <a:lnRef idx="2">
+            <a:schemeClr val="dk1"/>
+          </a:lnRef>
+          <a:fillRef idx="0">
+            <a:schemeClr val="dk1"/>
+          </a:fillRef>
+          <a:effectRef idx="1">
+            <a:schemeClr val="dk1"/>
+          </a:effectRef>
+          <a:fontRef idx="minor">
+            <a:schemeClr val="tx1"/>
+          </a:fontRef>
+        </p:style>
+      </p:cxnSp>
+      <p:cxnSp>
+        <p:nvCxnSpPr>
+          <p:cNvPr id="62" name="直线连接符 61">
+            <a:extLst>
+              <a:ext uri="{FF2B5EF4-FFF2-40B4-BE49-F238E27FC236}">
+                <a16:creationId xmlns:a16="http://schemas.microsoft.com/office/drawing/2014/main" id="{7D1EC29D-2D07-371A-1283-EA13A16E0D40}"/>
+              </a:ext>
+            </a:extLst>
+          </p:cNvPr>
+          <p:cNvCxnSpPr>
+            <a:cxnSpLocks/>
+            <a:stCxn id="18" idx="6"/>
+            <a:endCxn id="19" idx="2"/>
+          </p:cNvCxnSpPr>
+          <p:nvPr/>
+        </p:nvCxnSpPr>
+        <p:spPr>
+          <a:xfrm flipV="1">
+            <a:off x="4881459" y="3195804"/>
+            <a:ext cx="471225" cy="146482"/>
+          </a:xfrm>
+          <a:prstGeom prst="line">
+            <a:avLst/>
+          </a:prstGeom>
+        </p:spPr>
+        <p:style>
+          <a:lnRef idx="2">
+            <a:schemeClr val="dk1"/>
+          </a:lnRef>
+          <a:fillRef idx="0">
+            <a:schemeClr val="dk1"/>
+          </a:fillRef>
+          <a:effectRef idx="1">
+            <a:schemeClr val="dk1"/>
+          </a:effectRef>
+          <a:fontRef idx="minor">
+            <a:schemeClr val="tx1"/>
+          </a:fontRef>
+        </p:style>
+      </p:cxnSp>
+      <p:cxnSp>
+        <p:nvCxnSpPr>
+          <p:cNvPr id="65" name="直线连接符 64">
+            <a:extLst>
+              <a:ext uri="{FF2B5EF4-FFF2-40B4-BE49-F238E27FC236}">
+                <a16:creationId xmlns:a16="http://schemas.microsoft.com/office/drawing/2014/main" id="{4D7F3A80-5652-52DC-42EB-5095BE5A5290}"/>
+              </a:ext>
+            </a:extLst>
+          </p:cNvPr>
+          <p:cNvCxnSpPr>
+            <a:cxnSpLocks/>
+            <a:stCxn id="18" idx="4"/>
+            <a:endCxn id="31" idx="0"/>
+          </p:cNvCxnSpPr>
+          <p:nvPr/>
+        </p:nvCxnSpPr>
+        <p:spPr>
+          <a:xfrm>
+            <a:off x="4844290" y="3378906"/>
+            <a:ext cx="35053" cy="376099"/>
+          </a:xfrm>
+          <a:prstGeom prst="line">
+            <a:avLst/>
+          </a:prstGeom>
+        </p:spPr>
+        <p:style>
+          <a:lnRef idx="2">
+            <a:schemeClr val="dk1"/>
+          </a:lnRef>
+          <a:fillRef idx="0">
+            <a:schemeClr val="dk1"/>
+          </a:fillRef>
+          <a:effectRef idx="1">
+            <a:schemeClr val="dk1"/>
+          </a:effectRef>
+          <a:fontRef idx="minor">
+            <a:schemeClr val="tx1"/>
+          </a:fontRef>
+        </p:style>
+      </p:cxnSp>
+      <p:cxnSp>
+        <p:nvCxnSpPr>
+          <p:cNvPr id="68" name="直线连接符 67">
+            <a:extLst>
+              <a:ext uri="{FF2B5EF4-FFF2-40B4-BE49-F238E27FC236}">
+                <a16:creationId xmlns:a16="http://schemas.microsoft.com/office/drawing/2014/main" id="{7D7DE5CF-3B5E-DEBE-EF74-30B0CC0A5DFB}"/>
+              </a:ext>
+            </a:extLst>
+          </p:cNvPr>
+          <p:cNvCxnSpPr>
+            <a:cxnSpLocks/>
+            <a:stCxn id="35" idx="6"/>
+            <a:endCxn id="18" idx="2"/>
+          </p:cNvCxnSpPr>
+          <p:nvPr/>
+        </p:nvCxnSpPr>
+        <p:spPr>
+          <a:xfrm>
+            <a:off x="4143929" y="3269045"/>
+            <a:ext cx="663192" cy="73241"/>
+          </a:xfrm>
+          <a:prstGeom prst="line">
+            <a:avLst/>
+          </a:prstGeom>
+        </p:spPr>
+        <p:style>
+          <a:lnRef idx="2">
+            <a:schemeClr val="dk1"/>
+          </a:lnRef>
+          <a:fillRef idx="0">
+            <a:schemeClr val="dk1"/>
+          </a:fillRef>
+          <a:effectRef idx="1">
+            <a:schemeClr val="dk1"/>
+          </a:effectRef>
+          <a:fontRef idx="minor">
+            <a:schemeClr val="tx1"/>
+          </a:fontRef>
+        </p:style>
+      </p:cxnSp>
+      <p:cxnSp>
+        <p:nvCxnSpPr>
+          <p:cNvPr id="71" name="直线连接符 70">
+            <a:extLst>
+              <a:ext uri="{FF2B5EF4-FFF2-40B4-BE49-F238E27FC236}">
+                <a16:creationId xmlns:a16="http://schemas.microsoft.com/office/drawing/2014/main" id="{6D78518B-5FB4-ACF6-1F79-265DBDA64108}"/>
+              </a:ext>
+            </a:extLst>
+          </p:cNvPr>
+          <p:cNvCxnSpPr>
+            <a:cxnSpLocks/>
+            <a:stCxn id="31" idx="7"/>
+            <a:endCxn id="19" idx="3"/>
+          </p:cNvCxnSpPr>
+          <p:nvPr/>
+        </p:nvCxnSpPr>
+        <p:spPr>
+          <a:xfrm flipV="1">
+            <a:off x="4905625" y="3221698"/>
+            <a:ext cx="457946" cy="544033"/>
+          </a:xfrm>
+          <a:prstGeom prst="line">
+            <a:avLst/>
+          </a:prstGeom>
+        </p:spPr>
+        <p:style>
+          <a:lnRef idx="2">
+            <a:schemeClr val="dk1"/>
+          </a:lnRef>
+          <a:fillRef idx="0">
+            <a:schemeClr val="dk1"/>
+          </a:fillRef>
+          <a:effectRef idx="1">
+            <a:schemeClr val="dk1"/>
+          </a:effectRef>
+          <a:fontRef idx="minor">
+            <a:schemeClr val="tx1"/>
+          </a:fontRef>
+        </p:style>
+      </p:cxnSp>
+      <p:cxnSp>
+        <p:nvCxnSpPr>
+          <p:cNvPr id="74" name="直线连接符 73">
+            <a:extLst>
+              <a:ext uri="{FF2B5EF4-FFF2-40B4-BE49-F238E27FC236}">
+                <a16:creationId xmlns:a16="http://schemas.microsoft.com/office/drawing/2014/main" id="{E03A11F4-8466-E774-F80A-AB75677536B9}"/>
+              </a:ext>
+            </a:extLst>
+          </p:cNvPr>
+          <p:cNvCxnSpPr>
+            <a:cxnSpLocks/>
+            <a:stCxn id="20" idx="3"/>
+            <a:endCxn id="35" idx="0"/>
+          </p:cNvCxnSpPr>
+          <p:nvPr/>
+        </p:nvCxnSpPr>
+        <p:spPr>
+          <a:xfrm flipH="1">
+            <a:off x="4106760" y="2683948"/>
+            <a:ext cx="422845" cy="548476"/>
+          </a:xfrm>
+          <a:prstGeom prst="line">
+            <a:avLst/>
+          </a:prstGeom>
+        </p:spPr>
+        <p:style>
+          <a:lnRef idx="2">
+            <a:schemeClr val="dk1"/>
+          </a:lnRef>
+          <a:fillRef idx="0">
+            <a:schemeClr val="dk1"/>
+          </a:fillRef>
+          <a:effectRef idx="1">
+            <a:schemeClr val="dk1"/>
+          </a:effectRef>
+          <a:fontRef idx="minor">
+            <a:schemeClr val="tx1"/>
+          </a:fontRef>
+        </p:style>
+      </p:cxnSp>
+      <p:cxnSp>
+        <p:nvCxnSpPr>
+          <p:cNvPr id="78" name="直线连接符 77">
+            <a:extLst>
+              <a:ext uri="{FF2B5EF4-FFF2-40B4-BE49-F238E27FC236}">
+                <a16:creationId xmlns:a16="http://schemas.microsoft.com/office/drawing/2014/main" id="{9EA3F3A9-894A-7A15-A289-CCE298DE0E32}"/>
+              </a:ext>
+            </a:extLst>
+          </p:cNvPr>
+          <p:cNvCxnSpPr>
+            <a:cxnSpLocks/>
+            <a:stCxn id="20" idx="5"/>
+            <a:endCxn id="19" idx="1"/>
+          </p:cNvCxnSpPr>
+          <p:nvPr/>
+        </p:nvCxnSpPr>
+        <p:spPr>
+          <a:xfrm>
+            <a:off x="4582169" y="2683948"/>
+            <a:ext cx="781402" cy="485961"/>
+          </a:xfrm>
+          <a:prstGeom prst="line">
+            <a:avLst/>
+          </a:prstGeom>
+        </p:spPr>
+        <p:style>
+          <a:lnRef idx="2">
+            <a:schemeClr val="dk1"/>
+          </a:lnRef>
+          <a:fillRef idx="0">
+            <a:schemeClr val="dk1"/>
+          </a:fillRef>
+          <a:effectRef idx="1">
+            <a:schemeClr val="dk1"/>
+          </a:effectRef>
+          <a:fontRef idx="minor">
+            <a:schemeClr val="tx1"/>
+          </a:fontRef>
+        </p:style>
+      </p:cxnSp>
+      <p:cxnSp>
+        <p:nvCxnSpPr>
+          <p:cNvPr id="88" name="直线连接符 87">
+            <a:extLst>
+              <a:ext uri="{FF2B5EF4-FFF2-40B4-BE49-F238E27FC236}">
+                <a16:creationId xmlns:a16="http://schemas.microsoft.com/office/drawing/2014/main" id="{4DD742FA-9D1F-276E-3634-7C8CE9E2AD35}"/>
+              </a:ext>
+            </a:extLst>
+          </p:cNvPr>
+          <p:cNvCxnSpPr>
+            <a:cxnSpLocks/>
+            <a:stCxn id="23" idx="4"/>
+            <a:endCxn id="20" idx="0"/>
+          </p:cNvCxnSpPr>
+          <p:nvPr/>
+        </p:nvCxnSpPr>
+        <p:spPr>
+          <a:xfrm>
+            <a:off x="4515520" y="2228582"/>
+            <a:ext cx="40367" cy="392851"/>
+          </a:xfrm>
+          <a:prstGeom prst="line">
+            <a:avLst/>
+          </a:prstGeom>
+        </p:spPr>
+        <p:style>
+          <a:lnRef idx="2">
+            <a:schemeClr val="dk1"/>
+          </a:lnRef>
+          <a:fillRef idx="0">
+            <a:schemeClr val="dk1"/>
+          </a:fillRef>
+          <a:effectRef idx="1">
+            <a:schemeClr val="dk1"/>
+          </a:effectRef>
+          <a:fontRef idx="minor">
+            <a:schemeClr val="tx1"/>
+          </a:fontRef>
+        </p:style>
+      </p:cxnSp>
+      <p:cxnSp>
+        <p:nvCxnSpPr>
+          <p:cNvPr id="91" name="直线连接符 90">
+            <a:extLst>
+              <a:ext uri="{FF2B5EF4-FFF2-40B4-BE49-F238E27FC236}">
+                <a16:creationId xmlns:a16="http://schemas.microsoft.com/office/drawing/2014/main" id="{07765F87-3951-D188-18AA-A286B74B6E24}"/>
+              </a:ext>
+            </a:extLst>
+          </p:cNvPr>
+          <p:cNvCxnSpPr>
+            <a:cxnSpLocks/>
+            <a:stCxn id="21" idx="4"/>
+            <a:endCxn id="23" idx="1"/>
+          </p:cNvCxnSpPr>
+          <p:nvPr/>
+        </p:nvCxnSpPr>
+        <p:spPr>
+          <a:xfrm>
+            <a:off x="4281013" y="1673144"/>
+            <a:ext cx="208225" cy="492923"/>
+          </a:xfrm>
+          <a:prstGeom prst="line">
+            <a:avLst/>
+          </a:prstGeom>
+        </p:spPr>
+        <p:style>
+          <a:lnRef idx="2">
+            <a:schemeClr val="dk1"/>
+          </a:lnRef>
+          <a:fillRef idx="0">
+            <a:schemeClr val="dk1"/>
+          </a:fillRef>
+          <a:effectRef idx="1">
+            <a:schemeClr val="dk1"/>
+          </a:effectRef>
+          <a:fontRef idx="minor">
+            <a:schemeClr val="tx1"/>
+          </a:fontRef>
+        </p:style>
+      </p:cxnSp>
+      <p:cxnSp>
+        <p:nvCxnSpPr>
+          <p:cNvPr id="100" name="直线连接符 99">
+            <a:extLst>
+              <a:ext uri="{FF2B5EF4-FFF2-40B4-BE49-F238E27FC236}">
+                <a16:creationId xmlns:a16="http://schemas.microsoft.com/office/drawing/2014/main" id="{63A5C250-A7DE-C339-F996-C9446F17C70C}"/>
+              </a:ext>
+            </a:extLst>
+          </p:cNvPr>
+          <p:cNvCxnSpPr>
+            <a:cxnSpLocks/>
+            <a:stCxn id="29" idx="4"/>
+            <a:endCxn id="22" idx="7"/>
+          </p:cNvCxnSpPr>
+          <p:nvPr/>
+        </p:nvCxnSpPr>
+        <p:spPr>
+          <a:xfrm flipH="1">
+            <a:off x="5041764" y="1671370"/>
+            <a:ext cx="260610" cy="622624"/>
+          </a:xfrm>
+          <a:prstGeom prst="line">
+            <a:avLst/>
+          </a:prstGeom>
+        </p:spPr>
+        <p:style>
+          <a:lnRef idx="2">
+            <a:schemeClr val="dk1"/>
+          </a:lnRef>
+          <a:fillRef idx="0">
+            <a:schemeClr val="dk1"/>
+          </a:fillRef>
+          <a:effectRef idx="1">
+            <a:schemeClr val="dk1"/>
+          </a:effectRef>
+          <a:fontRef idx="minor">
+            <a:schemeClr val="tx1"/>
+          </a:fontRef>
+        </p:style>
+      </p:cxnSp>
+      <p:cxnSp>
+        <p:nvCxnSpPr>
+          <p:cNvPr id="103" name="直线连接符 102">
+            <a:extLst>
+              <a:ext uri="{FF2B5EF4-FFF2-40B4-BE49-F238E27FC236}">
+                <a16:creationId xmlns:a16="http://schemas.microsoft.com/office/drawing/2014/main" id="{2CE1D4ED-5FA4-A4F6-5BC1-E882B047E885}"/>
+              </a:ext>
+            </a:extLst>
+          </p:cNvPr>
+          <p:cNvCxnSpPr>
+            <a:cxnSpLocks/>
+            <a:stCxn id="22" idx="5"/>
+            <a:endCxn id="19" idx="0"/>
+          </p:cNvCxnSpPr>
+          <p:nvPr/>
+        </p:nvCxnSpPr>
+        <p:spPr>
+          <a:xfrm>
+            <a:off x="5041764" y="2345783"/>
+            <a:ext cx="348089" cy="813400"/>
+          </a:xfrm>
+          <a:prstGeom prst="line">
+            <a:avLst/>
+          </a:prstGeom>
+        </p:spPr>
+        <p:style>
+          <a:lnRef idx="2">
+            <a:schemeClr val="dk1"/>
+          </a:lnRef>
+          <a:fillRef idx="0">
+            <a:schemeClr val="dk1"/>
+          </a:fillRef>
+          <a:effectRef idx="1">
+            <a:schemeClr val="dk1"/>
+          </a:effectRef>
+          <a:fontRef idx="minor">
+            <a:schemeClr val="tx1"/>
+          </a:fontRef>
+        </p:style>
+      </p:cxnSp>
+      <p:cxnSp>
+        <p:nvCxnSpPr>
+          <p:cNvPr id="106" name="直线连接符 105">
+            <a:extLst>
+              <a:ext uri="{FF2B5EF4-FFF2-40B4-BE49-F238E27FC236}">
+                <a16:creationId xmlns:a16="http://schemas.microsoft.com/office/drawing/2014/main" id="{2BBE2F7C-F06B-5772-A397-86148A707AFB}"/>
+              </a:ext>
+            </a:extLst>
+          </p:cNvPr>
+          <p:cNvCxnSpPr>
+            <a:cxnSpLocks/>
+            <a:stCxn id="23" idx="7"/>
+            <a:endCxn id="29" idx="3"/>
+          </p:cNvCxnSpPr>
+          <p:nvPr/>
+        </p:nvCxnSpPr>
+        <p:spPr>
+          <a:xfrm flipV="1">
+            <a:off x="4541802" y="1660644"/>
+            <a:ext cx="734290" cy="505423"/>
+          </a:xfrm>
+          <a:prstGeom prst="line">
+            <a:avLst/>
+          </a:prstGeom>
+        </p:spPr>
+        <p:style>
+          <a:lnRef idx="2">
+            <a:schemeClr val="dk1"/>
+          </a:lnRef>
+          <a:fillRef idx="0">
+            <a:schemeClr val="dk1"/>
+          </a:fillRef>
+          <a:effectRef idx="1">
+            <a:schemeClr val="dk1"/>
+          </a:effectRef>
+          <a:fontRef idx="minor">
+            <a:schemeClr val="tx1"/>
+          </a:fontRef>
+        </p:style>
+      </p:cxnSp>
+      <p:cxnSp>
+        <p:nvCxnSpPr>
+          <p:cNvPr id="132" name="直线连接符 131">
+            <a:extLst>
+              <a:ext uri="{FF2B5EF4-FFF2-40B4-BE49-F238E27FC236}">
+                <a16:creationId xmlns:a16="http://schemas.microsoft.com/office/drawing/2014/main" id="{D2E3894A-3998-4C94-B339-786C1BE11789}"/>
+              </a:ext>
+            </a:extLst>
+          </p:cNvPr>
+          <p:cNvCxnSpPr>
+            <a:cxnSpLocks/>
+            <a:stCxn id="22" idx="5"/>
+            <a:endCxn id="15" idx="1"/>
+          </p:cNvCxnSpPr>
+          <p:nvPr/>
+        </p:nvCxnSpPr>
+        <p:spPr>
+          <a:xfrm>
+            <a:off x="5041764" y="2345783"/>
+            <a:ext cx="877333" cy="272755"/>
+          </a:xfrm>
+          <a:prstGeom prst="line">
+            <a:avLst/>
+          </a:prstGeom>
+        </p:spPr>
+        <p:style>
+          <a:lnRef idx="2">
+            <a:schemeClr val="dk1"/>
+          </a:lnRef>
+          <a:fillRef idx="0">
+            <a:schemeClr val="dk1"/>
+          </a:fillRef>
+          <a:effectRef idx="1">
+            <a:schemeClr val="dk1"/>
+          </a:effectRef>
+          <a:fontRef idx="minor">
+            <a:schemeClr val="tx1"/>
+          </a:fontRef>
+        </p:style>
+      </p:cxnSp>
+      <p:cxnSp>
+        <p:nvCxnSpPr>
+          <p:cNvPr id="140" name="直线连接符 139">
+            <a:extLst>
+              <a:ext uri="{FF2B5EF4-FFF2-40B4-BE49-F238E27FC236}">
+                <a16:creationId xmlns:a16="http://schemas.microsoft.com/office/drawing/2014/main" id="{DF6AF502-CEA2-C7D6-9AB3-7A3D9EE03276}"/>
+              </a:ext>
+            </a:extLst>
+          </p:cNvPr>
+          <p:cNvCxnSpPr>
+            <a:cxnSpLocks/>
+            <a:stCxn id="19" idx="7"/>
+            <a:endCxn id="15" idx="2"/>
+          </p:cNvCxnSpPr>
+          <p:nvPr/>
+        </p:nvCxnSpPr>
+        <p:spPr>
+          <a:xfrm flipV="1">
+            <a:off x="5416135" y="2644433"/>
+            <a:ext cx="492075" cy="525476"/>
+          </a:xfrm>
+          <a:prstGeom prst="line">
+            <a:avLst/>
+          </a:prstGeom>
+        </p:spPr>
+        <p:style>
+          <a:lnRef idx="2">
+            <a:schemeClr val="dk1"/>
+          </a:lnRef>
+          <a:fillRef idx="0">
+            <a:schemeClr val="dk1"/>
+          </a:fillRef>
+          <a:effectRef idx="1">
+            <a:schemeClr val="dk1"/>
+          </a:effectRef>
+          <a:fontRef idx="minor">
+            <a:schemeClr val="tx1"/>
+          </a:fontRef>
+        </p:style>
+      </p:cxnSp>
+      <p:cxnSp>
+        <p:nvCxnSpPr>
+          <p:cNvPr id="12" name="直线连接符 11">
+            <a:extLst>
+              <a:ext uri="{FF2B5EF4-FFF2-40B4-BE49-F238E27FC236}">
+                <a16:creationId xmlns:a16="http://schemas.microsoft.com/office/drawing/2014/main" id="{D759CC61-C4D6-4351-DDC4-8A189758EBA3}"/>
+              </a:ext>
+            </a:extLst>
+          </p:cNvPr>
+          <p:cNvCxnSpPr>
+            <a:cxnSpLocks/>
+            <a:stCxn id="10" idx="6"/>
+            <a:endCxn id="23" idx="2"/>
+          </p:cNvCxnSpPr>
+          <p:nvPr/>
+        </p:nvCxnSpPr>
+        <p:spPr>
+          <a:xfrm flipV="1">
+            <a:off x="3794652" y="2191962"/>
+            <a:ext cx="683699" cy="36621"/>
+          </a:xfrm>
+          <a:prstGeom prst="line">
+            <a:avLst/>
+          </a:prstGeom>
+        </p:spPr>
+        <p:style>
+          <a:lnRef idx="2">
+            <a:schemeClr val="dk1"/>
+          </a:lnRef>
+          <a:fillRef idx="0">
+            <a:schemeClr val="dk1"/>
+          </a:fillRef>
+          <a:effectRef idx="1">
+            <a:schemeClr val="dk1"/>
+          </a:effectRef>
+          <a:fontRef idx="minor">
+            <a:schemeClr val="tx1"/>
+          </a:fontRef>
+        </p:style>
+      </p:cxnSp>
+      <p:cxnSp>
+        <p:nvCxnSpPr>
+          <p:cNvPr id="24" name="直线连接符 23">
+            <a:extLst>
+              <a:ext uri="{FF2B5EF4-FFF2-40B4-BE49-F238E27FC236}">
+                <a16:creationId xmlns:a16="http://schemas.microsoft.com/office/drawing/2014/main" id="{2BEF0A18-C700-6097-B404-D544B75E5ABC}"/>
+              </a:ext>
+            </a:extLst>
+          </p:cNvPr>
+          <p:cNvCxnSpPr>
+            <a:cxnSpLocks/>
+            <a:stCxn id="10" idx="5"/>
+            <a:endCxn id="20" idx="2"/>
+          </p:cNvCxnSpPr>
+          <p:nvPr/>
+        </p:nvCxnSpPr>
+        <p:spPr>
+          <a:xfrm>
+            <a:off x="3783765" y="2254477"/>
+            <a:ext cx="734953" cy="403577"/>
+          </a:xfrm>
+          <a:prstGeom prst="line">
+            <a:avLst/>
+          </a:prstGeom>
+        </p:spPr>
+        <p:style>
+          <a:lnRef idx="2">
+            <a:schemeClr val="dk1"/>
+          </a:lnRef>
+          <a:fillRef idx="0">
+            <a:schemeClr val="dk1"/>
+          </a:fillRef>
+          <a:effectRef idx="1">
+            <a:schemeClr val="dk1"/>
+          </a:effectRef>
+          <a:fontRef idx="minor">
+            <a:schemeClr val="tx1"/>
+          </a:fontRef>
+        </p:style>
+      </p:cxnSp>
+      <p:cxnSp>
+        <p:nvCxnSpPr>
+          <p:cNvPr id="32" name="直线连接符 31">
+            <a:extLst>
+              <a:ext uri="{FF2B5EF4-FFF2-40B4-BE49-F238E27FC236}">
+                <a16:creationId xmlns:a16="http://schemas.microsoft.com/office/drawing/2014/main" id="{E24EF325-1238-ADB8-111E-E05675656DAE}"/>
+              </a:ext>
+            </a:extLst>
+          </p:cNvPr>
+          <p:cNvCxnSpPr>
+            <a:cxnSpLocks/>
+            <a:stCxn id="22" idx="3"/>
+            <a:endCxn id="20" idx="7"/>
+          </p:cNvCxnSpPr>
+          <p:nvPr/>
+        </p:nvCxnSpPr>
+        <p:spPr>
+          <a:xfrm flipH="1">
+            <a:off x="4582169" y="2345783"/>
+            <a:ext cx="407031" cy="286376"/>
+          </a:xfrm>
+          <a:prstGeom prst="line">
+            <a:avLst/>
+          </a:prstGeom>
+        </p:spPr>
+        <p:style>
+          <a:lnRef idx="2">
+            <a:schemeClr val="dk1"/>
+          </a:lnRef>
+          <a:fillRef idx="0">
+            <a:schemeClr val="dk1"/>
+          </a:fillRef>
+          <a:effectRef idx="1">
+            <a:schemeClr val="dk1"/>
+          </a:effectRef>
+          <a:fontRef idx="minor">
+            <a:schemeClr val="tx1"/>
+          </a:fontRef>
+        </p:style>
+      </p:cxnSp>
+      <p:cxnSp>
+        <p:nvCxnSpPr>
+          <p:cNvPr id="38" name="直线连接符 37">
+            <a:extLst>
+              <a:ext uri="{FF2B5EF4-FFF2-40B4-BE49-F238E27FC236}">
+                <a16:creationId xmlns:a16="http://schemas.microsoft.com/office/drawing/2014/main" id="{E3F54D62-824E-0476-5EEB-EC714980B359}"/>
+              </a:ext>
+            </a:extLst>
+          </p:cNvPr>
+          <p:cNvCxnSpPr>
+            <a:cxnSpLocks/>
+            <a:stCxn id="23" idx="6"/>
+            <a:endCxn id="22" idx="2"/>
+          </p:cNvCxnSpPr>
+          <p:nvPr/>
+        </p:nvCxnSpPr>
+        <p:spPr>
+          <a:xfrm>
+            <a:off x="4552689" y="2191962"/>
+            <a:ext cx="425624" cy="127927"/>
+          </a:xfrm>
+          <a:prstGeom prst="line">
+            <a:avLst/>
+          </a:prstGeom>
+        </p:spPr>
+        <p:style>
+          <a:lnRef idx="2">
+            <a:schemeClr val="dk1"/>
+          </a:lnRef>
+          <a:fillRef idx="0">
+            <a:schemeClr val="dk1"/>
+          </a:fillRef>
+          <a:effectRef idx="1">
+            <a:schemeClr val="dk1"/>
+          </a:effectRef>
+          <a:fontRef idx="minor">
+            <a:schemeClr val="tx1"/>
+          </a:fontRef>
+        </p:style>
+      </p:cxnSp>
+      <p:cxnSp>
+        <p:nvCxnSpPr>
+          <p:cNvPr id="47" name="直线连接符 46">
+            <a:extLst>
+              <a:ext uri="{FF2B5EF4-FFF2-40B4-BE49-F238E27FC236}">
+                <a16:creationId xmlns:a16="http://schemas.microsoft.com/office/drawing/2014/main" id="{16A0F4AE-7B6F-5D0E-F79F-B100F1342051}"/>
+              </a:ext>
+            </a:extLst>
+          </p:cNvPr>
+          <p:cNvCxnSpPr>
+            <a:cxnSpLocks/>
+            <a:stCxn id="20" idx="4"/>
+            <a:endCxn id="18" idx="0"/>
+          </p:cNvCxnSpPr>
+          <p:nvPr/>
+        </p:nvCxnSpPr>
+        <p:spPr>
+          <a:xfrm>
+            <a:off x="4555887" y="2694674"/>
+            <a:ext cx="288403" cy="610991"/>
+          </a:xfrm>
+          <a:prstGeom prst="line">
+            <a:avLst/>
+          </a:prstGeom>
+        </p:spPr>
+        <p:style>
+          <a:lnRef idx="2">
+            <a:schemeClr val="dk1"/>
+          </a:lnRef>
+          <a:fillRef idx="0">
+            <a:schemeClr val="dk1"/>
+          </a:fillRef>
+          <a:effectRef idx="1">
+            <a:schemeClr val="dk1"/>
+          </a:effectRef>
+          <a:fontRef idx="minor">
+            <a:schemeClr val="tx1"/>
+          </a:fontRef>
+        </p:style>
+      </p:cxnSp>
+    </p:spTree>
+    <p:extLst>
+      <p:ext uri="{BB962C8B-B14F-4D97-AF65-F5344CB8AC3E}">
+        <p14:creationId xmlns:p14="http://schemas.microsoft.com/office/powerpoint/2010/main" val="1937932637"/>
+      </p:ext>
+    </p:extLst>
+  </p:cSld>
+  <p:clrMapOvr>
+    <a:masterClrMapping/>
+  </p:clrMapOvr>
+</p:sld>
+</file>
+
+<file path=ppt/slides/slide17.xml><?xml version="1.0" encoding="utf-8"?>
+<p:sld xmlns:a="http://schemas.openxmlformats.org/drawingml/2006/main" xmlns:r="http://schemas.openxmlformats.org/officeDocument/2006/relationships" xmlns:p="http://schemas.openxmlformats.org/presentationml/2006/main">
+  <p:cSld>
+    <p:spTree>
+      <p:nvGrpSpPr>
+        <p:cNvPr id="1" name="">
+          <a:extLst>
+            <a:ext uri="{FF2B5EF4-FFF2-40B4-BE49-F238E27FC236}">
+              <a16:creationId xmlns:a16="http://schemas.microsoft.com/office/drawing/2014/main" id="{DC581B61-E0B6-4A41-E10C-26AC41B8D71E}"/>
+            </a:ext>
+          </a:extLst>
+        </p:cNvPr>
+        <p:cNvGrpSpPr/>
+        <p:nvPr/>
+      </p:nvGrpSpPr>
+      <p:grpSpPr>
+        <a:xfrm>
+          <a:off x="0" y="0"/>
+          <a:ext cx="0" cy="0"/>
+          <a:chOff x="0" y="0"/>
+          <a:chExt cx="0" cy="0"/>
+        </a:xfrm>
+      </p:grpSpPr>
+      <p:sp>
+        <p:nvSpPr>
+          <p:cNvPr id="20" name="椭圆 19">
+            <a:extLst>
+              <a:ext uri="{FF2B5EF4-FFF2-40B4-BE49-F238E27FC236}">
+                <a16:creationId xmlns:a16="http://schemas.microsoft.com/office/drawing/2014/main" id="{6F647E07-3366-2903-BCC3-D83DE7AE42A9}"/>
+              </a:ext>
+            </a:extLst>
+          </p:cNvPr>
+          <p:cNvSpPr/>
+          <p:nvPr/>
+        </p:nvSpPr>
+        <p:spPr>
+          <a:xfrm>
+            <a:off x="4518718" y="2621433"/>
+            <a:ext cx="74338" cy="73241"/>
+          </a:xfrm>
+          <a:prstGeom prst="ellipse">
+            <a:avLst/>
+          </a:prstGeom>
+          <a:solidFill>
+            <a:srgbClr val="FF0000"/>
+          </a:solidFill>
+          <a:ln>
+            <a:solidFill>
+              <a:schemeClr val="accent1"/>
+            </a:solidFill>
+          </a:ln>
+        </p:spPr>
+        <p:style>
+          <a:lnRef idx="2">
+            <a:schemeClr val="accent1">
+              <a:shade val="15000"/>
+            </a:schemeClr>
+          </a:lnRef>
+          <a:fillRef idx="1">
+            <a:schemeClr val="accent1"/>
+          </a:fillRef>
+          <a:effectRef idx="0">
+            <a:schemeClr val="accent1"/>
+          </a:effectRef>
+          <a:fontRef idx="minor">
+            <a:schemeClr val="lt1"/>
+          </a:fontRef>
+        </p:style>
+        <p:txBody>
+          <a:bodyPr rtlCol="0" anchor="ctr"/>
+          <a:lstStyle/>
+          <a:p>
+            <a:pPr algn="ctr"/>
+            <a:endParaRPr kumimoji="1" lang="zh-CN" altLang="en-US"/>
+          </a:p>
+        </p:txBody>
+      </p:sp>
+      <p:sp>
+        <p:nvSpPr>
+          <p:cNvPr id="22" name="椭圆 21">
+            <a:extLst>
+              <a:ext uri="{FF2B5EF4-FFF2-40B4-BE49-F238E27FC236}">
+                <a16:creationId xmlns:a16="http://schemas.microsoft.com/office/drawing/2014/main" id="{A414C8A3-AFD0-2742-F289-2DD5533E7FC1}"/>
+              </a:ext>
+            </a:extLst>
+          </p:cNvPr>
+          <p:cNvSpPr/>
+          <p:nvPr/>
+        </p:nvSpPr>
+        <p:spPr>
+          <a:xfrm>
+            <a:off x="4978313" y="2283268"/>
+            <a:ext cx="74338" cy="73241"/>
+          </a:xfrm>
+          <a:prstGeom prst="ellipse">
+            <a:avLst/>
+          </a:prstGeom>
+          <a:solidFill>
+            <a:srgbClr val="FF0000"/>
+          </a:solidFill>
+          <a:ln>
+            <a:solidFill>
+              <a:schemeClr val="accent1"/>
+            </a:solidFill>
+          </a:ln>
+        </p:spPr>
+        <p:style>
+          <a:lnRef idx="2">
+            <a:schemeClr val="accent1">
+              <a:shade val="15000"/>
+            </a:schemeClr>
+          </a:lnRef>
+          <a:fillRef idx="1">
+            <a:schemeClr val="accent1"/>
+          </a:fillRef>
+          <a:effectRef idx="0">
+            <a:schemeClr val="accent1"/>
+          </a:effectRef>
+          <a:fontRef idx="minor">
+            <a:schemeClr val="lt1"/>
+          </a:fontRef>
+        </p:style>
+        <p:txBody>
+          <a:bodyPr rtlCol="0" anchor="ctr"/>
+          <a:lstStyle/>
+          <a:p>
+            <a:pPr algn="ctr"/>
+            <a:endParaRPr kumimoji="1" lang="zh-CN" altLang="en-US"/>
+          </a:p>
+        </p:txBody>
+      </p:sp>
+      <p:sp>
+        <p:nvSpPr>
+          <p:cNvPr id="23" name="椭圆 22">
+            <a:extLst>
+              <a:ext uri="{FF2B5EF4-FFF2-40B4-BE49-F238E27FC236}">
+                <a16:creationId xmlns:a16="http://schemas.microsoft.com/office/drawing/2014/main" id="{027BF137-6941-4726-EBEA-2057C7B7E84C}"/>
+              </a:ext>
+            </a:extLst>
+          </p:cNvPr>
+          <p:cNvSpPr/>
+          <p:nvPr/>
+        </p:nvSpPr>
+        <p:spPr>
+          <a:xfrm>
+            <a:off x="4478351" y="2155341"/>
+            <a:ext cx="74338" cy="73241"/>
+          </a:xfrm>
+          <a:prstGeom prst="ellipse">
+            <a:avLst/>
+          </a:prstGeom>
+          <a:solidFill>
+            <a:srgbClr val="FF0000"/>
+          </a:solidFill>
+          <a:ln>
+            <a:solidFill>
+              <a:schemeClr val="accent1"/>
+            </a:solidFill>
+          </a:ln>
+        </p:spPr>
+        <p:style>
+          <a:lnRef idx="2">
+            <a:schemeClr val="accent1">
+              <a:shade val="15000"/>
+            </a:schemeClr>
+          </a:lnRef>
+          <a:fillRef idx="1">
+            <a:schemeClr val="accent1"/>
+          </a:fillRef>
+          <a:effectRef idx="0">
+            <a:schemeClr val="accent1"/>
+          </a:effectRef>
+          <a:fontRef idx="minor">
+            <a:schemeClr val="lt1"/>
+          </a:fontRef>
+        </p:style>
+        <p:txBody>
+          <a:bodyPr rtlCol="0" anchor="ctr"/>
+          <a:lstStyle/>
+          <a:p>
+            <a:pPr algn="ctr"/>
+            <a:endParaRPr kumimoji="1" lang="zh-CN" altLang="en-US"/>
+          </a:p>
+        </p:txBody>
+      </p:sp>
+      <p:cxnSp>
+        <p:nvCxnSpPr>
+          <p:cNvPr id="88" name="直线连接符 87">
+            <a:extLst>
+              <a:ext uri="{FF2B5EF4-FFF2-40B4-BE49-F238E27FC236}">
+                <a16:creationId xmlns:a16="http://schemas.microsoft.com/office/drawing/2014/main" id="{2BADC1BE-2BA9-A235-33D9-01A1E13D280B}"/>
+              </a:ext>
+            </a:extLst>
+          </p:cNvPr>
+          <p:cNvCxnSpPr>
+            <a:cxnSpLocks/>
+            <a:stCxn id="23" idx="4"/>
+            <a:endCxn id="20" idx="0"/>
+          </p:cNvCxnSpPr>
+          <p:nvPr/>
+        </p:nvCxnSpPr>
+        <p:spPr>
+          <a:xfrm>
+            <a:off x="4515520" y="2228582"/>
+            <a:ext cx="40367" cy="392851"/>
+          </a:xfrm>
+          <a:prstGeom prst="line">
+            <a:avLst/>
+          </a:prstGeom>
+        </p:spPr>
+        <p:style>
+          <a:lnRef idx="2">
+            <a:schemeClr val="dk1"/>
+          </a:lnRef>
+          <a:fillRef idx="0">
+            <a:schemeClr val="dk1"/>
+          </a:fillRef>
+          <a:effectRef idx="1">
+            <a:schemeClr val="dk1"/>
+          </a:effectRef>
+          <a:fontRef idx="minor">
+            <a:schemeClr val="tx1"/>
+          </a:fontRef>
+        </p:style>
+      </p:cxnSp>
+      <p:cxnSp>
+        <p:nvCxnSpPr>
+          <p:cNvPr id="32" name="直线连接符 31">
+            <a:extLst>
+              <a:ext uri="{FF2B5EF4-FFF2-40B4-BE49-F238E27FC236}">
+                <a16:creationId xmlns:a16="http://schemas.microsoft.com/office/drawing/2014/main" id="{BACD5D0E-D3F9-E4DA-6D00-AFF895A1E517}"/>
+              </a:ext>
+            </a:extLst>
+          </p:cNvPr>
+          <p:cNvCxnSpPr>
+            <a:cxnSpLocks/>
+            <a:stCxn id="22" idx="3"/>
+            <a:endCxn id="20" idx="7"/>
+          </p:cNvCxnSpPr>
+          <p:nvPr/>
+        </p:nvCxnSpPr>
+        <p:spPr>
+          <a:xfrm flipH="1">
+            <a:off x="4582169" y="2345783"/>
+            <a:ext cx="407031" cy="286376"/>
+          </a:xfrm>
+          <a:prstGeom prst="line">
+            <a:avLst/>
+          </a:prstGeom>
+        </p:spPr>
+        <p:style>
+          <a:lnRef idx="2">
+            <a:schemeClr val="dk1"/>
+          </a:lnRef>
+          <a:fillRef idx="0">
+            <a:schemeClr val="dk1"/>
+          </a:fillRef>
+          <a:effectRef idx="1">
+            <a:schemeClr val="dk1"/>
+          </a:effectRef>
+          <a:fontRef idx="minor">
+            <a:schemeClr val="tx1"/>
+          </a:fontRef>
+        </p:style>
+      </p:cxnSp>
+      <p:cxnSp>
+        <p:nvCxnSpPr>
+          <p:cNvPr id="38" name="直线连接符 37">
+            <a:extLst>
+              <a:ext uri="{FF2B5EF4-FFF2-40B4-BE49-F238E27FC236}">
+                <a16:creationId xmlns:a16="http://schemas.microsoft.com/office/drawing/2014/main" id="{3600215F-D0B8-66DA-2816-DA28899458BB}"/>
+              </a:ext>
+            </a:extLst>
+          </p:cNvPr>
+          <p:cNvCxnSpPr>
+            <a:cxnSpLocks/>
+            <a:stCxn id="23" idx="6"/>
+            <a:endCxn id="22" idx="2"/>
+          </p:cNvCxnSpPr>
+          <p:nvPr/>
+        </p:nvCxnSpPr>
+        <p:spPr>
+          <a:xfrm>
+            <a:off x="4552689" y="2191962"/>
+            <a:ext cx="425624" cy="127927"/>
+          </a:xfrm>
+          <a:prstGeom prst="line">
+            <a:avLst/>
+          </a:prstGeom>
+        </p:spPr>
+        <p:style>
+          <a:lnRef idx="2">
+            <a:schemeClr val="dk1"/>
+          </a:lnRef>
+          <a:fillRef idx="0">
+            <a:schemeClr val="dk1"/>
+          </a:fillRef>
+          <a:effectRef idx="1">
+            <a:schemeClr val="dk1"/>
+          </a:effectRef>
+          <a:fontRef idx="minor">
+            <a:schemeClr val="tx1"/>
+          </a:fontRef>
+        </p:style>
+      </p:cxnSp>
+      <p:sp>
+        <p:nvSpPr>
+          <p:cNvPr id="2" name="文本框 1">
+            <a:extLst>
+              <a:ext uri="{FF2B5EF4-FFF2-40B4-BE49-F238E27FC236}">
+                <a16:creationId xmlns:a16="http://schemas.microsoft.com/office/drawing/2014/main" id="{7EDEFA1A-3838-22DA-8FAC-AE4CB2B58CE4}"/>
+              </a:ext>
+            </a:extLst>
+          </p:cNvPr>
+          <p:cNvSpPr txBox="1"/>
+          <p:nvPr/>
+        </p:nvSpPr>
+        <p:spPr>
+          <a:xfrm>
+            <a:off x="4382310" y="2687482"/>
+            <a:ext cx="266420" cy="246221"/>
+          </a:xfrm>
+          <a:prstGeom prst="rect">
+            <a:avLst/>
+          </a:prstGeom>
+          <a:noFill/>
+        </p:spPr>
+        <p:txBody>
+          <a:bodyPr wrap="none" rtlCol="0">
+            <a:spAutoFit/>
+          </a:bodyPr>
+          <a:lstStyle/>
+          <a:p>
+            <a:r>
+              <a:rPr kumimoji="1" lang="en-US" altLang="zh-CN" sz="1000" dirty="0"/>
+              <a:t>A</a:t>
+            </a:r>
+            <a:endParaRPr kumimoji="1" lang="zh-CN" altLang="en-US" sz="1000" dirty="0"/>
+          </a:p>
+        </p:txBody>
+      </p:sp>
+      <p:sp>
+        <p:nvSpPr>
+          <p:cNvPr id="3" name="文本框 2">
+            <a:extLst>
+              <a:ext uri="{FF2B5EF4-FFF2-40B4-BE49-F238E27FC236}">
+                <a16:creationId xmlns:a16="http://schemas.microsoft.com/office/drawing/2014/main" id="{AF8631AA-6244-E3FA-CC6F-C5DC84EF6A9A}"/>
+              </a:ext>
+            </a:extLst>
+          </p:cNvPr>
+          <p:cNvSpPr txBox="1"/>
+          <p:nvPr/>
+        </p:nvSpPr>
+        <p:spPr>
+          <a:xfrm>
+            <a:off x="5004595" y="2178786"/>
+            <a:ext cx="256802" cy="246221"/>
+          </a:xfrm>
+          <a:prstGeom prst="rect">
+            <a:avLst/>
+          </a:prstGeom>
+          <a:noFill/>
+        </p:spPr>
+        <p:txBody>
+          <a:bodyPr wrap="none" rtlCol="0">
+            <a:spAutoFit/>
+          </a:bodyPr>
+          <a:lstStyle/>
+          <a:p>
+            <a:r>
+              <a:rPr kumimoji="1" lang="en-US" altLang="zh-CN" sz="1000" dirty="0"/>
+              <a:t>B</a:t>
+            </a:r>
+            <a:endParaRPr kumimoji="1" lang="zh-CN" altLang="en-US" sz="1000" dirty="0"/>
+          </a:p>
+        </p:txBody>
+      </p:sp>
+      <p:sp>
+        <p:nvSpPr>
+          <p:cNvPr id="4" name="文本框 3">
+            <a:extLst>
+              <a:ext uri="{FF2B5EF4-FFF2-40B4-BE49-F238E27FC236}">
+                <a16:creationId xmlns:a16="http://schemas.microsoft.com/office/drawing/2014/main" id="{49B870B7-0BFB-44F6-AD50-C6A41E95B3DB}"/>
+              </a:ext>
+            </a:extLst>
+          </p:cNvPr>
+          <p:cNvSpPr txBox="1"/>
+          <p:nvPr/>
+        </p:nvSpPr>
+        <p:spPr>
+          <a:xfrm>
+            <a:off x="4354267" y="1902323"/>
+            <a:ext cx="264816" cy="246221"/>
+          </a:xfrm>
+          <a:prstGeom prst="rect">
+            <a:avLst/>
+          </a:prstGeom>
+          <a:noFill/>
+        </p:spPr>
+        <p:txBody>
+          <a:bodyPr wrap="none" rtlCol="0">
+            <a:spAutoFit/>
+          </a:bodyPr>
+          <a:lstStyle/>
+          <a:p>
+            <a:r>
+              <a:rPr kumimoji="1" lang="en-US" altLang="zh-CN" sz="1000" dirty="0"/>
+              <a:t>C</a:t>
+            </a:r>
+            <a:endParaRPr kumimoji="1" lang="zh-CN" altLang="en-US" sz="1000" dirty="0"/>
+          </a:p>
+        </p:txBody>
+      </p:sp>
+    </p:spTree>
+    <p:extLst>
+      <p:ext uri="{BB962C8B-B14F-4D97-AF65-F5344CB8AC3E}">
+        <p14:creationId xmlns:p14="http://schemas.microsoft.com/office/powerpoint/2010/main" val="1216683353"/>
+      </p:ext>
+    </p:extLst>
+  </p:cSld>
+  <p:clrMapOvr>
+    <a:masterClrMapping/>
+  </p:clrMapOvr>
+</p:sld>
+</file>
+
+<file path=ppt/slides/slide18.xml><?xml version="1.0" encoding="utf-8"?>
+<p:sld xmlns:a="http://schemas.openxmlformats.org/drawingml/2006/main" xmlns:r="http://schemas.openxmlformats.org/officeDocument/2006/relationships" xmlns:p="http://schemas.openxmlformats.org/presentationml/2006/main">
+  <p:cSld>
+    <p:spTree>
+      <p:nvGrpSpPr>
+        <p:cNvPr id="1" name="">
+          <a:extLst>
+            <a:ext uri="{FF2B5EF4-FFF2-40B4-BE49-F238E27FC236}">
+              <a16:creationId xmlns:a16="http://schemas.microsoft.com/office/drawing/2014/main" id="{85587079-E940-037A-1ADF-DE9536D501A5}"/>
+            </a:ext>
+          </a:extLst>
+        </p:cNvPr>
+        <p:cNvGrpSpPr/>
+        <p:nvPr/>
+      </p:nvGrpSpPr>
+      <p:grpSpPr>
+        <a:xfrm>
+          <a:off x="0" y="0"/>
+          <a:ext cx="0" cy="0"/>
+          <a:chOff x="0" y="0"/>
+          <a:chExt cx="0" cy="0"/>
+        </a:xfrm>
+      </p:grpSpPr>
+      <p:sp>
+        <p:nvSpPr>
+          <p:cNvPr id="29" name="椭圆 28">
+            <a:extLst>
+              <a:ext uri="{FF2B5EF4-FFF2-40B4-BE49-F238E27FC236}">
+                <a16:creationId xmlns:a16="http://schemas.microsoft.com/office/drawing/2014/main" id="{8133A726-EFC9-AF7B-E328-574D1E36E319}"/>
+              </a:ext>
+            </a:extLst>
+          </p:cNvPr>
+          <p:cNvSpPr/>
+          <p:nvPr/>
+        </p:nvSpPr>
+        <p:spPr>
+          <a:xfrm>
+            <a:off x="5265205" y="1598129"/>
+            <a:ext cx="74338" cy="73241"/>
+          </a:xfrm>
+          <a:prstGeom prst="ellipse">
+            <a:avLst/>
+          </a:prstGeom>
+          <a:solidFill>
+            <a:srgbClr val="FF0000"/>
+          </a:solidFill>
+          <a:ln>
+            <a:solidFill>
+              <a:schemeClr val="accent1"/>
+            </a:solidFill>
+          </a:ln>
+        </p:spPr>
+        <p:style>
+          <a:lnRef idx="2">
+            <a:schemeClr val="accent1">
+              <a:shade val="15000"/>
+            </a:schemeClr>
+          </a:lnRef>
+          <a:fillRef idx="1">
+            <a:schemeClr val="accent1"/>
+          </a:fillRef>
+          <a:effectRef idx="0">
+            <a:schemeClr val="accent1"/>
+          </a:effectRef>
+          <a:fontRef idx="minor">
+            <a:schemeClr val="lt1"/>
+          </a:fontRef>
+        </p:style>
+        <p:txBody>
+          <a:bodyPr rtlCol="0" anchor="ctr"/>
+          <a:lstStyle/>
+          <a:p>
+            <a:pPr algn="ctr"/>
+            <a:endParaRPr kumimoji="1" lang="zh-CN" altLang="en-US"/>
+          </a:p>
+        </p:txBody>
+      </p:sp>
+      <p:sp>
+        <p:nvSpPr>
+          <p:cNvPr id="31" name="椭圆 30">
+            <a:extLst>
+              <a:ext uri="{FF2B5EF4-FFF2-40B4-BE49-F238E27FC236}">
+                <a16:creationId xmlns:a16="http://schemas.microsoft.com/office/drawing/2014/main" id="{35024C2B-0171-C790-B342-5BCF26BE0F85}"/>
+              </a:ext>
+            </a:extLst>
+          </p:cNvPr>
+          <p:cNvSpPr/>
+          <p:nvPr/>
+        </p:nvSpPr>
+        <p:spPr>
+          <a:xfrm>
+            <a:off x="4842174" y="3755005"/>
+            <a:ext cx="74338" cy="73241"/>
+          </a:xfrm>
+          <a:prstGeom prst="ellipse">
+            <a:avLst/>
+          </a:prstGeom>
+          <a:solidFill>
+            <a:schemeClr val="tx1"/>
+          </a:solidFill>
+          <a:ln>
+            <a:solidFill>
+              <a:schemeClr val="accent1"/>
+            </a:solidFill>
+          </a:ln>
+        </p:spPr>
+        <p:style>
+          <a:lnRef idx="2">
+            <a:schemeClr val="accent1">
+              <a:shade val="15000"/>
+            </a:schemeClr>
+          </a:lnRef>
+          <a:fillRef idx="1">
+            <a:schemeClr val="accent1"/>
+          </a:fillRef>
+          <a:effectRef idx="0">
+            <a:schemeClr val="accent1"/>
+          </a:effectRef>
+          <a:fontRef idx="minor">
+            <a:schemeClr val="lt1"/>
+          </a:fontRef>
+        </p:style>
+        <p:txBody>
+          <a:bodyPr rtlCol="0" anchor="ctr"/>
+          <a:lstStyle/>
+          <a:p>
+            <a:pPr algn="ctr"/>
+            <a:endParaRPr kumimoji="1" lang="zh-CN" altLang="en-US"/>
+          </a:p>
+        </p:txBody>
+      </p:sp>
+      <p:sp>
+        <p:nvSpPr>
+          <p:cNvPr id="34" name="椭圆 33">
+            <a:extLst>
+              <a:ext uri="{FF2B5EF4-FFF2-40B4-BE49-F238E27FC236}">
+                <a16:creationId xmlns:a16="http://schemas.microsoft.com/office/drawing/2014/main" id="{FFAC45B9-2B42-967C-5274-60B31F2E9436}"/>
+              </a:ext>
+            </a:extLst>
+          </p:cNvPr>
+          <p:cNvSpPr/>
+          <p:nvPr/>
+        </p:nvSpPr>
+        <p:spPr>
+          <a:xfrm>
+            <a:off x="5768257" y="3379059"/>
+            <a:ext cx="74338" cy="73241"/>
+          </a:xfrm>
+          <a:prstGeom prst="ellipse">
+            <a:avLst/>
+          </a:prstGeom>
+          <a:solidFill>
+            <a:schemeClr val="tx1"/>
+          </a:solidFill>
+          <a:ln>
+            <a:solidFill>
+              <a:schemeClr val="accent1"/>
+            </a:solidFill>
+          </a:ln>
+        </p:spPr>
+        <p:style>
+          <a:lnRef idx="2">
+            <a:schemeClr val="accent1">
+              <a:shade val="15000"/>
+            </a:schemeClr>
+          </a:lnRef>
+          <a:fillRef idx="1">
+            <a:schemeClr val="accent1"/>
+          </a:fillRef>
+          <a:effectRef idx="0">
+            <a:schemeClr val="accent1"/>
+          </a:effectRef>
+          <a:fontRef idx="minor">
+            <a:schemeClr val="lt1"/>
+          </a:fontRef>
+        </p:style>
+        <p:txBody>
+          <a:bodyPr rtlCol="0" anchor="ctr"/>
+          <a:lstStyle/>
+          <a:p>
+            <a:pPr algn="ctr"/>
+            <a:endParaRPr kumimoji="1" lang="zh-CN" altLang="en-US"/>
+          </a:p>
+        </p:txBody>
+      </p:sp>
+      <p:sp>
+        <p:nvSpPr>
+          <p:cNvPr id="35" name="椭圆 34">
+            <a:extLst>
+              <a:ext uri="{FF2B5EF4-FFF2-40B4-BE49-F238E27FC236}">
+                <a16:creationId xmlns:a16="http://schemas.microsoft.com/office/drawing/2014/main" id="{C8A1A7A1-06CB-9458-111E-9F4F5221E660}"/>
+              </a:ext>
+            </a:extLst>
+          </p:cNvPr>
+          <p:cNvSpPr/>
+          <p:nvPr/>
+        </p:nvSpPr>
+        <p:spPr>
+          <a:xfrm>
+            <a:off x="4069591" y="3232424"/>
+            <a:ext cx="74338" cy="73241"/>
+          </a:xfrm>
+          <a:prstGeom prst="ellipse">
+            <a:avLst/>
+          </a:prstGeom>
+          <a:solidFill>
+            <a:schemeClr val="tx1"/>
+          </a:solidFill>
+          <a:ln>
+            <a:solidFill>
+              <a:schemeClr val="accent1"/>
+            </a:solidFill>
+          </a:ln>
+        </p:spPr>
+        <p:style>
+          <a:lnRef idx="2">
+            <a:schemeClr val="accent1">
+              <a:shade val="15000"/>
+            </a:schemeClr>
+          </a:lnRef>
+          <a:fillRef idx="1">
+            <a:schemeClr val="accent1"/>
+          </a:fillRef>
+          <a:effectRef idx="0">
+            <a:schemeClr val="accent1"/>
+          </a:effectRef>
+          <a:fontRef idx="minor">
+            <a:schemeClr val="lt1"/>
+          </a:fontRef>
+        </p:style>
+        <p:txBody>
+          <a:bodyPr rtlCol="0" anchor="ctr"/>
+          <a:lstStyle/>
+          <a:p>
+            <a:pPr algn="ctr"/>
+            <a:endParaRPr kumimoji="1" lang="zh-CN" altLang="en-US"/>
+          </a:p>
+        </p:txBody>
+      </p:sp>
+      <p:sp>
+        <p:nvSpPr>
+          <p:cNvPr id="21" name="椭圆 20">
+            <a:extLst>
+              <a:ext uri="{FF2B5EF4-FFF2-40B4-BE49-F238E27FC236}">
+                <a16:creationId xmlns:a16="http://schemas.microsoft.com/office/drawing/2014/main" id="{6E6319F4-7E27-FC66-5476-D981E0B11936}"/>
+              </a:ext>
+            </a:extLst>
+          </p:cNvPr>
+          <p:cNvSpPr/>
+          <p:nvPr/>
+        </p:nvSpPr>
+        <p:spPr>
+          <a:xfrm>
+            <a:off x="4243844" y="1599903"/>
+            <a:ext cx="74338" cy="73241"/>
+          </a:xfrm>
+          <a:prstGeom prst="ellipse">
+            <a:avLst/>
+          </a:prstGeom>
+          <a:solidFill>
+            <a:schemeClr val="tx1"/>
+          </a:solidFill>
+          <a:ln>
+            <a:solidFill>
+              <a:schemeClr val="accent1"/>
+            </a:solidFill>
+          </a:ln>
+        </p:spPr>
+        <p:style>
+          <a:lnRef idx="2">
+            <a:schemeClr val="accent1">
+              <a:shade val="15000"/>
+            </a:schemeClr>
+          </a:lnRef>
+          <a:fillRef idx="1">
+            <a:schemeClr val="accent1"/>
+          </a:fillRef>
+          <a:effectRef idx="0">
+            <a:schemeClr val="accent1"/>
+          </a:effectRef>
+          <a:fontRef idx="minor">
+            <a:schemeClr val="lt1"/>
+          </a:fontRef>
+        </p:style>
+        <p:txBody>
+          <a:bodyPr rtlCol="0" anchor="ctr"/>
+          <a:lstStyle/>
+          <a:p>
+            <a:pPr algn="ctr"/>
+            <a:endParaRPr kumimoji="1" lang="zh-CN" altLang="en-US"/>
+          </a:p>
+        </p:txBody>
+      </p:sp>
+      <p:sp>
+        <p:nvSpPr>
+          <p:cNvPr id="10" name="椭圆 9">
+            <a:extLst>
+              <a:ext uri="{FF2B5EF4-FFF2-40B4-BE49-F238E27FC236}">
+                <a16:creationId xmlns:a16="http://schemas.microsoft.com/office/drawing/2014/main" id="{71FA9A6D-A0C9-5AC2-7908-02C1169717B8}"/>
+              </a:ext>
+            </a:extLst>
+          </p:cNvPr>
+          <p:cNvSpPr/>
+          <p:nvPr/>
+        </p:nvSpPr>
+        <p:spPr>
+          <a:xfrm>
+            <a:off x="3720314" y="2191962"/>
+            <a:ext cx="74338" cy="73241"/>
+          </a:xfrm>
+          <a:prstGeom prst="ellipse">
+            <a:avLst/>
+          </a:prstGeom>
+          <a:solidFill>
+            <a:schemeClr val="tx1"/>
+          </a:solidFill>
+          <a:ln>
+            <a:solidFill>
+              <a:schemeClr val="accent1"/>
+            </a:solidFill>
+          </a:ln>
+        </p:spPr>
+        <p:style>
+          <a:lnRef idx="2">
+            <a:schemeClr val="accent1">
+              <a:shade val="15000"/>
+            </a:schemeClr>
+          </a:lnRef>
+          <a:fillRef idx="1">
+            <a:schemeClr val="accent1"/>
+          </a:fillRef>
+          <a:effectRef idx="0">
+            <a:schemeClr val="accent1"/>
+          </a:effectRef>
+          <a:fontRef idx="minor">
+            <a:schemeClr val="lt1"/>
+          </a:fontRef>
+        </p:style>
+        <p:txBody>
+          <a:bodyPr rtlCol="0" anchor="ctr"/>
+          <a:lstStyle/>
+          <a:p>
+            <a:pPr algn="ctr"/>
+            <a:endParaRPr kumimoji="1" lang="zh-CN" altLang="en-US"/>
+          </a:p>
+        </p:txBody>
+      </p:sp>
+      <p:sp>
+        <p:nvSpPr>
+          <p:cNvPr id="15" name="椭圆 14">
+            <a:extLst>
+              <a:ext uri="{FF2B5EF4-FFF2-40B4-BE49-F238E27FC236}">
+                <a16:creationId xmlns:a16="http://schemas.microsoft.com/office/drawing/2014/main" id="{14A0AF52-FB5F-CE87-E55A-A2485EFF18D2}"/>
+              </a:ext>
+            </a:extLst>
+          </p:cNvPr>
+          <p:cNvSpPr/>
+          <p:nvPr/>
+        </p:nvSpPr>
+        <p:spPr>
+          <a:xfrm>
+            <a:off x="5908210" y="2607812"/>
+            <a:ext cx="74338" cy="73241"/>
+          </a:xfrm>
+          <a:prstGeom prst="ellipse">
+            <a:avLst/>
+          </a:prstGeom>
+          <a:solidFill>
+            <a:srgbClr val="FF0000"/>
+          </a:solidFill>
+          <a:ln>
+            <a:solidFill>
+              <a:schemeClr val="accent1"/>
+            </a:solidFill>
+          </a:ln>
+        </p:spPr>
+        <p:style>
+          <a:lnRef idx="2">
+            <a:schemeClr val="accent1">
+              <a:shade val="15000"/>
+            </a:schemeClr>
+          </a:lnRef>
+          <a:fillRef idx="1">
+            <a:schemeClr val="accent1"/>
+          </a:fillRef>
+          <a:effectRef idx="0">
+            <a:schemeClr val="accent1"/>
+          </a:effectRef>
+          <a:fontRef idx="minor">
+            <a:schemeClr val="lt1"/>
+          </a:fontRef>
+        </p:style>
+        <p:txBody>
+          <a:bodyPr rtlCol="0" anchor="ctr"/>
+          <a:lstStyle/>
+          <a:p>
+            <a:pPr algn="ctr"/>
+            <a:endParaRPr kumimoji="1" lang="zh-CN" altLang="en-US"/>
+          </a:p>
+        </p:txBody>
+      </p:sp>
+      <p:sp>
+        <p:nvSpPr>
+          <p:cNvPr id="18" name="椭圆 17">
+            <a:extLst>
+              <a:ext uri="{FF2B5EF4-FFF2-40B4-BE49-F238E27FC236}">
+                <a16:creationId xmlns:a16="http://schemas.microsoft.com/office/drawing/2014/main" id="{2A391BF3-6877-44A2-FFAF-3FFCDE6B8168}"/>
+              </a:ext>
+            </a:extLst>
+          </p:cNvPr>
+          <p:cNvSpPr/>
+          <p:nvPr/>
+        </p:nvSpPr>
+        <p:spPr>
+          <a:xfrm>
+            <a:off x="4807121" y="3305665"/>
+            <a:ext cx="74338" cy="73241"/>
+          </a:xfrm>
+          <a:prstGeom prst="ellipse">
+            <a:avLst/>
+          </a:prstGeom>
+          <a:solidFill>
+            <a:schemeClr val="tx1"/>
+          </a:solidFill>
+          <a:ln>
+            <a:solidFill>
+              <a:schemeClr val="accent1"/>
+            </a:solidFill>
+          </a:ln>
+        </p:spPr>
+        <p:style>
+          <a:lnRef idx="2">
+            <a:schemeClr val="accent1">
+              <a:shade val="15000"/>
+            </a:schemeClr>
+          </a:lnRef>
+          <a:fillRef idx="1">
+            <a:schemeClr val="accent1"/>
+          </a:fillRef>
+          <a:effectRef idx="0">
+            <a:schemeClr val="accent1"/>
+          </a:effectRef>
+          <a:fontRef idx="minor">
+            <a:schemeClr val="lt1"/>
+          </a:fontRef>
+        </p:style>
+        <p:txBody>
+          <a:bodyPr rtlCol="0" anchor="ctr"/>
+          <a:lstStyle/>
+          <a:p>
+            <a:pPr algn="ctr"/>
+            <a:endParaRPr kumimoji="1" lang="zh-CN" altLang="en-US"/>
+          </a:p>
+        </p:txBody>
+      </p:sp>
+      <p:sp>
+        <p:nvSpPr>
+          <p:cNvPr id="19" name="椭圆 18">
+            <a:extLst>
+              <a:ext uri="{FF2B5EF4-FFF2-40B4-BE49-F238E27FC236}">
+                <a16:creationId xmlns:a16="http://schemas.microsoft.com/office/drawing/2014/main" id="{DB61DF83-639F-F0B3-1483-4A4B090EED4E}"/>
+              </a:ext>
+            </a:extLst>
+          </p:cNvPr>
+          <p:cNvSpPr/>
+          <p:nvPr/>
+        </p:nvSpPr>
+        <p:spPr>
+          <a:xfrm>
+            <a:off x="5352684" y="3159183"/>
+            <a:ext cx="74338" cy="73241"/>
+          </a:xfrm>
+          <a:prstGeom prst="ellipse">
+            <a:avLst/>
+          </a:prstGeom>
+          <a:solidFill>
+            <a:schemeClr val="tx1"/>
+          </a:solidFill>
+          <a:ln>
+            <a:solidFill>
+              <a:schemeClr val="accent1"/>
+            </a:solidFill>
+          </a:ln>
+        </p:spPr>
+        <p:style>
+          <a:lnRef idx="2">
+            <a:schemeClr val="accent1">
+              <a:shade val="15000"/>
+            </a:schemeClr>
+          </a:lnRef>
+          <a:fillRef idx="1">
+            <a:schemeClr val="accent1"/>
+          </a:fillRef>
+          <a:effectRef idx="0">
+            <a:schemeClr val="accent1"/>
+          </a:effectRef>
+          <a:fontRef idx="minor">
+            <a:schemeClr val="lt1"/>
+          </a:fontRef>
+        </p:style>
+        <p:txBody>
+          <a:bodyPr rtlCol="0" anchor="ctr"/>
+          <a:lstStyle/>
+          <a:p>
+            <a:pPr algn="ctr"/>
+            <a:endParaRPr kumimoji="1" lang="zh-CN" altLang="en-US"/>
+          </a:p>
+        </p:txBody>
+      </p:sp>
+      <p:sp>
+        <p:nvSpPr>
+          <p:cNvPr id="20" name="椭圆 19">
+            <a:extLst>
+              <a:ext uri="{FF2B5EF4-FFF2-40B4-BE49-F238E27FC236}">
+                <a16:creationId xmlns:a16="http://schemas.microsoft.com/office/drawing/2014/main" id="{E73BF313-B8F7-2C18-D982-106E01CD1E38}"/>
+              </a:ext>
+            </a:extLst>
+          </p:cNvPr>
+          <p:cNvSpPr/>
+          <p:nvPr/>
+        </p:nvSpPr>
+        <p:spPr>
+          <a:xfrm>
+            <a:off x="4518718" y="2621433"/>
+            <a:ext cx="74338" cy="73241"/>
+          </a:xfrm>
+          <a:prstGeom prst="ellipse">
+            <a:avLst/>
+          </a:prstGeom>
+          <a:solidFill>
+            <a:srgbClr val="FF0000"/>
+          </a:solidFill>
+          <a:ln>
+            <a:solidFill>
+              <a:schemeClr val="accent1"/>
+            </a:solidFill>
+          </a:ln>
+        </p:spPr>
+        <p:style>
+          <a:lnRef idx="2">
+            <a:schemeClr val="accent1">
+              <a:shade val="15000"/>
+            </a:schemeClr>
+          </a:lnRef>
+          <a:fillRef idx="1">
+            <a:schemeClr val="accent1"/>
+          </a:fillRef>
+          <a:effectRef idx="0">
+            <a:schemeClr val="accent1"/>
+          </a:effectRef>
+          <a:fontRef idx="minor">
+            <a:schemeClr val="lt1"/>
+          </a:fontRef>
+        </p:style>
+        <p:txBody>
+          <a:bodyPr rtlCol="0" anchor="ctr"/>
+          <a:lstStyle/>
+          <a:p>
+            <a:pPr algn="ctr"/>
+            <a:endParaRPr kumimoji="1" lang="zh-CN" altLang="en-US"/>
+          </a:p>
+        </p:txBody>
+      </p:sp>
+      <p:sp>
+        <p:nvSpPr>
+          <p:cNvPr id="22" name="椭圆 21">
+            <a:extLst>
+              <a:ext uri="{FF2B5EF4-FFF2-40B4-BE49-F238E27FC236}">
+                <a16:creationId xmlns:a16="http://schemas.microsoft.com/office/drawing/2014/main" id="{57AA4DF8-05DB-2B17-010F-9FEF6BEAF7A6}"/>
+              </a:ext>
+            </a:extLst>
+          </p:cNvPr>
+          <p:cNvSpPr/>
+          <p:nvPr/>
+        </p:nvSpPr>
+        <p:spPr>
+          <a:xfrm>
+            <a:off x="4978313" y="2283268"/>
+            <a:ext cx="74338" cy="73241"/>
+          </a:xfrm>
+          <a:prstGeom prst="ellipse">
+            <a:avLst/>
+          </a:prstGeom>
+          <a:solidFill>
+            <a:schemeClr val="tx1"/>
+          </a:solidFill>
+          <a:ln>
+            <a:solidFill>
+              <a:schemeClr val="accent1"/>
+            </a:solidFill>
+          </a:ln>
+        </p:spPr>
+        <p:style>
+          <a:lnRef idx="2">
+            <a:schemeClr val="accent1">
+              <a:shade val="15000"/>
+            </a:schemeClr>
+          </a:lnRef>
+          <a:fillRef idx="1">
+            <a:schemeClr val="accent1"/>
+          </a:fillRef>
+          <a:effectRef idx="0">
+            <a:schemeClr val="accent1"/>
+          </a:effectRef>
+          <a:fontRef idx="minor">
+            <a:schemeClr val="lt1"/>
+          </a:fontRef>
+        </p:style>
+        <p:txBody>
+          <a:bodyPr rtlCol="0" anchor="ctr"/>
+          <a:lstStyle/>
+          <a:p>
+            <a:pPr algn="ctr"/>
+            <a:endParaRPr kumimoji="1" lang="zh-CN" altLang="en-US"/>
+          </a:p>
+        </p:txBody>
+      </p:sp>
+      <p:sp>
+        <p:nvSpPr>
+          <p:cNvPr id="23" name="椭圆 22">
+            <a:extLst>
+              <a:ext uri="{FF2B5EF4-FFF2-40B4-BE49-F238E27FC236}">
+                <a16:creationId xmlns:a16="http://schemas.microsoft.com/office/drawing/2014/main" id="{4D8B298A-1284-5719-0B9F-850AD9868D4F}"/>
+              </a:ext>
+            </a:extLst>
+          </p:cNvPr>
+          <p:cNvSpPr/>
+          <p:nvPr/>
+        </p:nvSpPr>
+        <p:spPr>
+          <a:xfrm>
+            <a:off x="4478351" y="2155341"/>
+            <a:ext cx="74338" cy="73241"/>
+          </a:xfrm>
+          <a:prstGeom prst="ellipse">
+            <a:avLst/>
+          </a:prstGeom>
+          <a:solidFill>
+            <a:schemeClr val="tx1"/>
+          </a:solidFill>
+          <a:ln>
+            <a:solidFill>
+              <a:schemeClr val="accent1"/>
+            </a:solidFill>
+          </a:ln>
+        </p:spPr>
+        <p:style>
+          <a:lnRef idx="2">
+            <a:schemeClr val="accent1">
+              <a:shade val="15000"/>
+            </a:schemeClr>
+          </a:lnRef>
+          <a:fillRef idx="1">
+            <a:schemeClr val="accent1"/>
+          </a:fillRef>
+          <a:effectRef idx="0">
+            <a:schemeClr val="accent1"/>
+          </a:effectRef>
+          <a:fontRef idx="minor">
+            <a:schemeClr val="lt1"/>
+          </a:fontRef>
+        </p:style>
+        <p:txBody>
+          <a:bodyPr rtlCol="0" anchor="ctr"/>
+          <a:lstStyle/>
+          <a:p>
+            <a:pPr algn="ctr"/>
+            <a:endParaRPr kumimoji="1" lang="zh-CN" altLang="en-US"/>
+          </a:p>
+        </p:txBody>
+      </p:sp>
+      <p:cxnSp>
+        <p:nvCxnSpPr>
+          <p:cNvPr id="25" name="直线连接符 24">
+            <a:extLst>
+              <a:ext uri="{FF2B5EF4-FFF2-40B4-BE49-F238E27FC236}">
+                <a16:creationId xmlns:a16="http://schemas.microsoft.com/office/drawing/2014/main" id="{2458BC7F-919E-AA92-35F4-8BC5CFE3D604}"/>
+              </a:ext>
+            </a:extLst>
+          </p:cNvPr>
+          <p:cNvCxnSpPr>
+            <a:cxnSpLocks/>
+            <a:stCxn id="29" idx="3"/>
+            <a:endCxn id="20" idx="0"/>
+          </p:cNvCxnSpPr>
+          <p:nvPr/>
+        </p:nvCxnSpPr>
+        <p:spPr>
+          <a:xfrm flipH="1">
+            <a:off x="4555887" y="1660644"/>
+            <a:ext cx="720205" cy="960789"/>
+          </a:xfrm>
+          <a:prstGeom prst="line">
+            <a:avLst/>
+          </a:prstGeom>
+        </p:spPr>
+        <p:style>
+          <a:lnRef idx="2">
+            <a:schemeClr val="dk1"/>
+          </a:lnRef>
+          <a:fillRef idx="0">
+            <a:schemeClr val="dk1"/>
+          </a:fillRef>
+          <a:effectRef idx="1">
+            <a:schemeClr val="dk1"/>
+          </a:effectRef>
+          <a:fontRef idx="minor">
+            <a:schemeClr val="tx1"/>
+          </a:fontRef>
+        </p:style>
+      </p:cxnSp>
+      <p:cxnSp>
+        <p:nvCxnSpPr>
+          <p:cNvPr id="72" name="直线连接符 71">
+            <a:extLst>
+              <a:ext uri="{FF2B5EF4-FFF2-40B4-BE49-F238E27FC236}">
+                <a16:creationId xmlns:a16="http://schemas.microsoft.com/office/drawing/2014/main" id="{CDB08977-D493-F41C-0DF8-5FCA6BBBD83B}"/>
+              </a:ext>
+            </a:extLst>
+          </p:cNvPr>
+          <p:cNvCxnSpPr>
+            <a:cxnSpLocks/>
+            <a:stCxn id="20" idx="6"/>
+            <a:endCxn id="15" idx="2"/>
+          </p:cNvCxnSpPr>
+          <p:nvPr/>
+        </p:nvCxnSpPr>
+        <p:spPr>
+          <a:xfrm flipV="1">
+            <a:off x="4593056" y="2644433"/>
+            <a:ext cx="1315154" cy="13621"/>
+          </a:xfrm>
+          <a:prstGeom prst="line">
+            <a:avLst/>
+          </a:prstGeom>
+        </p:spPr>
+        <p:style>
+          <a:lnRef idx="2">
+            <a:schemeClr val="dk1"/>
+          </a:lnRef>
+          <a:fillRef idx="0">
+            <a:schemeClr val="dk1"/>
+          </a:fillRef>
+          <a:effectRef idx="1">
+            <a:schemeClr val="dk1"/>
+          </a:effectRef>
+          <a:fontRef idx="minor">
+            <a:schemeClr val="tx1"/>
+          </a:fontRef>
+        </p:style>
+      </p:cxnSp>
+      <p:cxnSp>
+        <p:nvCxnSpPr>
+          <p:cNvPr id="76" name="直线连接符 75">
+            <a:extLst>
+              <a:ext uri="{FF2B5EF4-FFF2-40B4-BE49-F238E27FC236}">
+                <a16:creationId xmlns:a16="http://schemas.microsoft.com/office/drawing/2014/main" id="{D6A946EE-8EDD-8F0F-F4EF-FF35A5FCAF22}"/>
+              </a:ext>
+            </a:extLst>
+          </p:cNvPr>
+          <p:cNvCxnSpPr>
+            <a:cxnSpLocks/>
+            <a:stCxn id="29" idx="5"/>
+            <a:endCxn id="15" idx="0"/>
+          </p:cNvCxnSpPr>
+          <p:nvPr/>
+        </p:nvCxnSpPr>
+        <p:spPr>
+          <a:xfrm>
+            <a:off x="5328656" y="1660644"/>
+            <a:ext cx="616723" cy="947168"/>
+          </a:xfrm>
+          <a:prstGeom prst="line">
+            <a:avLst/>
+          </a:prstGeom>
+        </p:spPr>
+        <p:style>
+          <a:lnRef idx="2">
+            <a:schemeClr val="dk1"/>
+          </a:lnRef>
+          <a:fillRef idx="0">
+            <a:schemeClr val="dk1"/>
+          </a:fillRef>
+          <a:effectRef idx="1">
+            <a:schemeClr val="dk1"/>
+          </a:effectRef>
+          <a:fontRef idx="minor">
+            <a:schemeClr val="tx1"/>
+          </a:fontRef>
+        </p:style>
+      </p:cxnSp>
+      <p:sp>
+        <p:nvSpPr>
+          <p:cNvPr id="80" name="文本框 79">
+            <a:extLst>
+              <a:ext uri="{FF2B5EF4-FFF2-40B4-BE49-F238E27FC236}">
+                <a16:creationId xmlns:a16="http://schemas.microsoft.com/office/drawing/2014/main" id="{D0BD53FE-4595-9DFA-0305-8F4239C34228}"/>
+              </a:ext>
+            </a:extLst>
+          </p:cNvPr>
+          <p:cNvSpPr txBox="1"/>
+          <p:nvPr/>
+        </p:nvSpPr>
+        <p:spPr>
+          <a:xfrm>
+            <a:off x="4339280" y="2601424"/>
+            <a:ext cx="242374" cy="200055"/>
+          </a:xfrm>
+          <a:prstGeom prst="rect">
+            <a:avLst/>
+          </a:prstGeom>
+          <a:noFill/>
+        </p:spPr>
+        <p:txBody>
+          <a:bodyPr wrap="none" rtlCol="0">
+            <a:spAutoFit/>
+          </a:bodyPr>
+          <a:lstStyle/>
+          <a:p>
+            <a:r>
+              <a:rPr kumimoji="1" lang="en-US" altLang="zh-CN" sz="700" dirty="0"/>
+              <a:t>A</a:t>
+            </a:r>
+            <a:endParaRPr kumimoji="1" lang="zh-CN" altLang="en-US" sz="700" dirty="0"/>
+          </a:p>
+        </p:txBody>
+      </p:sp>
+      <p:sp>
+        <p:nvSpPr>
+          <p:cNvPr id="81" name="文本框 80">
+            <a:extLst>
+              <a:ext uri="{FF2B5EF4-FFF2-40B4-BE49-F238E27FC236}">
+                <a16:creationId xmlns:a16="http://schemas.microsoft.com/office/drawing/2014/main" id="{A50B36E6-4539-2364-B386-D846B343C514}"/>
+              </a:ext>
+            </a:extLst>
+          </p:cNvPr>
+          <p:cNvSpPr txBox="1"/>
+          <p:nvPr/>
+        </p:nvSpPr>
+        <p:spPr>
+          <a:xfrm>
+            <a:off x="5162144" y="1434694"/>
+            <a:ext cx="240772" cy="200055"/>
+          </a:xfrm>
+          <a:prstGeom prst="rect">
+            <a:avLst/>
+          </a:prstGeom>
+          <a:noFill/>
+        </p:spPr>
+        <p:txBody>
+          <a:bodyPr wrap="none" rtlCol="0">
+            <a:spAutoFit/>
+          </a:bodyPr>
+          <a:lstStyle/>
+          <a:p>
+            <a:r>
+              <a:rPr kumimoji="1" lang="en-US" altLang="zh-CN" sz="700" dirty="0"/>
+              <a:t>C</a:t>
+            </a:r>
+            <a:endParaRPr kumimoji="1" lang="zh-CN" altLang="en-US" sz="700" dirty="0"/>
+          </a:p>
+        </p:txBody>
+      </p:sp>
+      <p:sp>
+        <p:nvSpPr>
+          <p:cNvPr id="82" name="文本框 81">
+            <a:extLst>
+              <a:ext uri="{FF2B5EF4-FFF2-40B4-BE49-F238E27FC236}">
+                <a16:creationId xmlns:a16="http://schemas.microsoft.com/office/drawing/2014/main" id="{83279B29-C5F4-6DBD-14B5-315B94D312B9}"/>
+              </a:ext>
+            </a:extLst>
+          </p:cNvPr>
+          <p:cNvSpPr txBox="1"/>
+          <p:nvPr/>
+        </p:nvSpPr>
+        <p:spPr>
+          <a:xfrm>
+            <a:off x="5920147" y="2607812"/>
+            <a:ext cx="234360" cy="200055"/>
+          </a:xfrm>
+          <a:prstGeom prst="rect">
+            <a:avLst/>
+          </a:prstGeom>
+          <a:noFill/>
+        </p:spPr>
+        <p:txBody>
+          <a:bodyPr wrap="none" rtlCol="0">
+            <a:spAutoFit/>
+          </a:bodyPr>
+          <a:lstStyle/>
+          <a:p>
+            <a:r>
+              <a:rPr kumimoji="1" lang="en-US" altLang="zh-CN" sz="700" dirty="0"/>
+              <a:t>B</a:t>
+            </a:r>
+            <a:endParaRPr kumimoji="1" lang="zh-CN" altLang="en-US" sz="700" dirty="0"/>
+          </a:p>
+        </p:txBody>
+      </p:sp>
+    </p:spTree>
+    <p:extLst>
+      <p:ext uri="{BB962C8B-B14F-4D97-AF65-F5344CB8AC3E}">
+        <p14:creationId xmlns:p14="http://schemas.microsoft.com/office/powerpoint/2010/main" val="2512368245"/>
+      </p:ext>
+    </p:extLst>
+  </p:cSld>
+  <p:clrMapOvr>
+    <a:masterClrMapping/>
+  </p:clrMapOvr>
+</p:sld>
+</file>
+
+<file path=ppt/slides/slide19.xml><?xml version="1.0" encoding="utf-8"?>
+<p:sld xmlns:a="http://schemas.openxmlformats.org/drawingml/2006/main" xmlns:r="http://schemas.openxmlformats.org/officeDocument/2006/relationships" xmlns:p="http://schemas.openxmlformats.org/presentationml/2006/main">
+  <p:cSld>
+    <p:spTree>
+      <p:nvGrpSpPr>
+        <p:cNvPr id="1" name="">
+          <a:extLst>
+            <a:ext uri="{FF2B5EF4-FFF2-40B4-BE49-F238E27FC236}">
+              <a16:creationId xmlns:a16="http://schemas.microsoft.com/office/drawing/2014/main" id="{45A5A6FE-505C-67EC-80C0-B1FB16EFDD82}"/>
+            </a:ext>
+          </a:extLst>
+        </p:cNvPr>
+        <p:cNvGrpSpPr/>
+        <p:nvPr/>
+      </p:nvGrpSpPr>
+      <p:grpSpPr>
+        <a:xfrm>
+          <a:off x="0" y="0"/>
+          <a:ext cx="0" cy="0"/>
+          <a:chOff x="0" y="0"/>
+          <a:chExt cx="0" cy="0"/>
+        </a:xfrm>
+      </p:grpSpPr>
+      <p:sp>
+        <p:nvSpPr>
+          <p:cNvPr id="29" name="椭圆 28">
+            <a:extLst>
+              <a:ext uri="{FF2B5EF4-FFF2-40B4-BE49-F238E27FC236}">
+                <a16:creationId xmlns:a16="http://schemas.microsoft.com/office/drawing/2014/main" id="{882BE529-D053-DB8F-02CF-733FDBE06AE1}"/>
+              </a:ext>
+            </a:extLst>
+          </p:cNvPr>
+          <p:cNvSpPr/>
+          <p:nvPr/>
+        </p:nvSpPr>
+        <p:spPr>
+          <a:xfrm>
+            <a:off x="5265205" y="1598129"/>
+            <a:ext cx="74338" cy="73241"/>
+          </a:xfrm>
+          <a:prstGeom prst="ellipse">
+            <a:avLst/>
+          </a:prstGeom>
+          <a:solidFill>
+            <a:srgbClr val="FF0000"/>
+          </a:solidFill>
+          <a:ln>
+            <a:solidFill>
+              <a:schemeClr val="accent1"/>
+            </a:solidFill>
+          </a:ln>
+        </p:spPr>
+        <p:style>
+          <a:lnRef idx="2">
+            <a:schemeClr val="accent1">
+              <a:shade val="15000"/>
+            </a:schemeClr>
+          </a:lnRef>
+          <a:fillRef idx="1">
+            <a:schemeClr val="accent1"/>
+          </a:fillRef>
+          <a:effectRef idx="0">
+            <a:schemeClr val="accent1"/>
+          </a:effectRef>
+          <a:fontRef idx="minor">
+            <a:schemeClr val="lt1"/>
+          </a:fontRef>
+        </p:style>
+        <p:txBody>
+          <a:bodyPr rtlCol="0" anchor="ctr"/>
+          <a:lstStyle/>
+          <a:p>
+            <a:pPr algn="ctr"/>
+            <a:endParaRPr kumimoji="1" lang="zh-CN" altLang="en-US"/>
+          </a:p>
+        </p:txBody>
+      </p:sp>
+      <p:sp>
+        <p:nvSpPr>
+          <p:cNvPr id="31" name="椭圆 30">
+            <a:extLst>
+              <a:ext uri="{FF2B5EF4-FFF2-40B4-BE49-F238E27FC236}">
+                <a16:creationId xmlns:a16="http://schemas.microsoft.com/office/drawing/2014/main" id="{5F5F6EBC-E369-10B8-E510-6EDE2666C51A}"/>
+              </a:ext>
+            </a:extLst>
+          </p:cNvPr>
+          <p:cNvSpPr/>
+          <p:nvPr/>
+        </p:nvSpPr>
+        <p:spPr>
+          <a:xfrm>
+            <a:off x="4842174" y="3755005"/>
+            <a:ext cx="74338" cy="73241"/>
+          </a:xfrm>
+          <a:prstGeom prst="ellipse">
+            <a:avLst/>
+          </a:prstGeom>
+          <a:solidFill>
+            <a:srgbClr val="FF0000"/>
+          </a:solidFill>
+          <a:ln>
+            <a:solidFill>
+              <a:schemeClr val="accent1"/>
+            </a:solidFill>
+          </a:ln>
+        </p:spPr>
+        <p:style>
+          <a:lnRef idx="2">
+            <a:schemeClr val="accent1">
+              <a:shade val="15000"/>
+            </a:schemeClr>
+          </a:lnRef>
+          <a:fillRef idx="1">
+            <a:schemeClr val="accent1"/>
+          </a:fillRef>
+          <a:effectRef idx="0">
+            <a:schemeClr val="accent1"/>
+          </a:effectRef>
+          <a:fontRef idx="minor">
+            <a:schemeClr val="lt1"/>
+          </a:fontRef>
+        </p:style>
+        <p:txBody>
+          <a:bodyPr rtlCol="0" anchor="ctr"/>
+          <a:lstStyle/>
+          <a:p>
+            <a:pPr algn="ctr"/>
+            <a:endParaRPr kumimoji="1" lang="zh-CN" altLang="en-US"/>
+          </a:p>
+        </p:txBody>
+      </p:sp>
+      <p:sp>
+        <p:nvSpPr>
+          <p:cNvPr id="34" name="椭圆 33">
+            <a:extLst>
+              <a:ext uri="{FF2B5EF4-FFF2-40B4-BE49-F238E27FC236}">
+                <a16:creationId xmlns:a16="http://schemas.microsoft.com/office/drawing/2014/main" id="{AAE4184D-EFF2-B418-4904-B754C59B9F6C}"/>
+              </a:ext>
+            </a:extLst>
+          </p:cNvPr>
+          <p:cNvSpPr/>
+          <p:nvPr/>
+        </p:nvSpPr>
+        <p:spPr>
+          <a:xfrm>
+            <a:off x="5768257" y="3379059"/>
+            <a:ext cx="74338" cy="73241"/>
+          </a:xfrm>
+          <a:prstGeom prst="ellipse">
+            <a:avLst/>
+          </a:prstGeom>
+          <a:solidFill>
+            <a:srgbClr val="FF0000"/>
+          </a:solidFill>
+          <a:ln>
+            <a:solidFill>
+              <a:schemeClr val="accent1"/>
+            </a:solidFill>
+          </a:ln>
+        </p:spPr>
+        <p:style>
+          <a:lnRef idx="2">
+            <a:schemeClr val="accent1">
+              <a:shade val="15000"/>
+            </a:schemeClr>
+          </a:lnRef>
+          <a:fillRef idx="1">
+            <a:schemeClr val="accent1"/>
+          </a:fillRef>
+          <a:effectRef idx="0">
+            <a:schemeClr val="accent1"/>
+          </a:effectRef>
+          <a:fontRef idx="minor">
+            <a:schemeClr val="lt1"/>
+          </a:fontRef>
+        </p:style>
+        <p:txBody>
+          <a:bodyPr rtlCol="0" anchor="ctr"/>
+          <a:lstStyle/>
+          <a:p>
+            <a:pPr algn="ctr"/>
+            <a:endParaRPr kumimoji="1" lang="zh-CN" altLang="en-US"/>
+          </a:p>
+        </p:txBody>
+      </p:sp>
+      <p:sp>
+        <p:nvSpPr>
+          <p:cNvPr id="35" name="椭圆 34">
+            <a:extLst>
+              <a:ext uri="{FF2B5EF4-FFF2-40B4-BE49-F238E27FC236}">
+                <a16:creationId xmlns:a16="http://schemas.microsoft.com/office/drawing/2014/main" id="{FC82D1DF-EA58-10B2-BB09-653BD156CE73}"/>
+              </a:ext>
+            </a:extLst>
+          </p:cNvPr>
+          <p:cNvSpPr/>
+          <p:nvPr/>
+        </p:nvSpPr>
+        <p:spPr>
+          <a:xfrm>
+            <a:off x="4069591" y="3232424"/>
+            <a:ext cx="74338" cy="73241"/>
+          </a:xfrm>
+          <a:prstGeom prst="ellipse">
+            <a:avLst/>
+          </a:prstGeom>
+          <a:solidFill>
+            <a:srgbClr val="FF0000"/>
+          </a:solidFill>
+          <a:ln>
+            <a:solidFill>
+              <a:schemeClr val="accent1"/>
+            </a:solidFill>
+          </a:ln>
+        </p:spPr>
+        <p:style>
+          <a:lnRef idx="2">
+            <a:schemeClr val="accent1">
+              <a:shade val="15000"/>
+            </a:schemeClr>
+          </a:lnRef>
+          <a:fillRef idx="1">
+            <a:schemeClr val="accent1"/>
+          </a:fillRef>
+          <a:effectRef idx="0">
+            <a:schemeClr val="accent1"/>
+          </a:effectRef>
+          <a:fontRef idx="minor">
+            <a:schemeClr val="lt1"/>
+          </a:fontRef>
+        </p:style>
+        <p:txBody>
+          <a:bodyPr rtlCol="0" anchor="ctr"/>
+          <a:lstStyle/>
+          <a:p>
+            <a:pPr algn="ctr"/>
+            <a:endParaRPr kumimoji="1" lang="zh-CN" altLang="en-US"/>
+          </a:p>
+        </p:txBody>
+      </p:sp>
+      <p:sp>
+        <p:nvSpPr>
+          <p:cNvPr id="21" name="椭圆 20">
+            <a:extLst>
+              <a:ext uri="{FF2B5EF4-FFF2-40B4-BE49-F238E27FC236}">
+                <a16:creationId xmlns:a16="http://schemas.microsoft.com/office/drawing/2014/main" id="{23D66FFF-23AE-407D-1A63-165FB433344F}"/>
+              </a:ext>
+            </a:extLst>
+          </p:cNvPr>
+          <p:cNvSpPr/>
+          <p:nvPr/>
+        </p:nvSpPr>
+        <p:spPr>
+          <a:xfrm>
+            <a:off x="4243844" y="1599903"/>
+            <a:ext cx="74338" cy="73241"/>
+          </a:xfrm>
+          <a:prstGeom prst="ellipse">
+            <a:avLst/>
+          </a:prstGeom>
+          <a:solidFill>
+            <a:srgbClr val="FF0000"/>
+          </a:solidFill>
+          <a:ln>
+            <a:solidFill>
+              <a:schemeClr val="accent1"/>
+            </a:solidFill>
+          </a:ln>
+        </p:spPr>
+        <p:style>
+          <a:lnRef idx="2">
+            <a:schemeClr val="accent1">
+              <a:shade val="15000"/>
+            </a:schemeClr>
+          </a:lnRef>
+          <a:fillRef idx="1">
+            <a:schemeClr val="accent1"/>
+          </a:fillRef>
+          <a:effectRef idx="0">
+            <a:schemeClr val="accent1"/>
+          </a:effectRef>
+          <a:fontRef idx="minor">
+            <a:schemeClr val="lt1"/>
+          </a:fontRef>
+        </p:style>
+        <p:txBody>
+          <a:bodyPr rtlCol="0" anchor="ctr"/>
+          <a:lstStyle/>
+          <a:p>
+            <a:pPr algn="ctr"/>
+            <a:endParaRPr kumimoji="1" lang="zh-CN" altLang="en-US"/>
+          </a:p>
+        </p:txBody>
+      </p:sp>
+      <p:sp>
+        <p:nvSpPr>
+          <p:cNvPr id="10" name="椭圆 9">
+            <a:extLst>
+              <a:ext uri="{FF2B5EF4-FFF2-40B4-BE49-F238E27FC236}">
+                <a16:creationId xmlns:a16="http://schemas.microsoft.com/office/drawing/2014/main" id="{5069D1F0-C64A-7C75-06A6-296949093406}"/>
+              </a:ext>
+            </a:extLst>
+          </p:cNvPr>
+          <p:cNvSpPr/>
+          <p:nvPr/>
+        </p:nvSpPr>
+        <p:spPr>
+          <a:xfrm>
+            <a:off x="3720314" y="2191962"/>
+            <a:ext cx="74338" cy="73241"/>
+          </a:xfrm>
+          <a:prstGeom prst="ellipse">
+            <a:avLst/>
+          </a:prstGeom>
+          <a:solidFill>
+            <a:srgbClr val="FF0000"/>
+          </a:solidFill>
+          <a:ln>
+            <a:solidFill>
+              <a:schemeClr val="accent1"/>
+            </a:solidFill>
+          </a:ln>
+        </p:spPr>
+        <p:style>
+          <a:lnRef idx="2">
+            <a:schemeClr val="accent1">
+              <a:shade val="15000"/>
+            </a:schemeClr>
+          </a:lnRef>
+          <a:fillRef idx="1">
+            <a:schemeClr val="accent1"/>
+          </a:fillRef>
+          <a:effectRef idx="0">
+            <a:schemeClr val="accent1"/>
+          </a:effectRef>
+          <a:fontRef idx="minor">
+            <a:schemeClr val="lt1"/>
+          </a:fontRef>
+        </p:style>
+        <p:txBody>
+          <a:bodyPr rtlCol="0" anchor="ctr"/>
+          <a:lstStyle/>
+          <a:p>
+            <a:pPr algn="ctr"/>
+            <a:endParaRPr kumimoji="1" lang="zh-CN" altLang="en-US"/>
+          </a:p>
+        </p:txBody>
+      </p:sp>
+      <p:sp>
+        <p:nvSpPr>
+          <p:cNvPr id="15" name="椭圆 14">
+            <a:extLst>
+              <a:ext uri="{FF2B5EF4-FFF2-40B4-BE49-F238E27FC236}">
+                <a16:creationId xmlns:a16="http://schemas.microsoft.com/office/drawing/2014/main" id="{6FF65C1D-14AF-DFB6-CA72-DF4A2CA1B9CA}"/>
+              </a:ext>
+            </a:extLst>
+          </p:cNvPr>
+          <p:cNvSpPr/>
+          <p:nvPr/>
+        </p:nvSpPr>
+        <p:spPr>
+          <a:xfrm>
+            <a:off x="5908210" y="2607812"/>
+            <a:ext cx="74338" cy="73241"/>
+          </a:xfrm>
+          <a:prstGeom prst="ellipse">
+            <a:avLst/>
+          </a:prstGeom>
+          <a:solidFill>
+            <a:srgbClr val="FF0000"/>
+          </a:solidFill>
+          <a:ln>
+            <a:solidFill>
+              <a:schemeClr val="accent1"/>
+            </a:solidFill>
+          </a:ln>
+        </p:spPr>
+        <p:style>
+          <a:lnRef idx="2">
+            <a:schemeClr val="accent1">
+              <a:shade val="15000"/>
+            </a:schemeClr>
+          </a:lnRef>
+          <a:fillRef idx="1">
+            <a:schemeClr val="accent1"/>
+          </a:fillRef>
+          <a:effectRef idx="0">
+            <a:schemeClr val="accent1"/>
+          </a:effectRef>
+          <a:fontRef idx="minor">
+            <a:schemeClr val="lt1"/>
+          </a:fontRef>
+        </p:style>
+        <p:txBody>
+          <a:bodyPr rtlCol="0" anchor="ctr"/>
+          <a:lstStyle/>
+          <a:p>
+            <a:pPr algn="ctr"/>
+            <a:endParaRPr kumimoji="1" lang="zh-CN" altLang="en-US"/>
+          </a:p>
+        </p:txBody>
+      </p:sp>
+      <p:sp>
+        <p:nvSpPr>
+          <p:cNvPr id="18" name="椭圆 17">
+            <a:extLst>
+              <a:ext uri="{FF2B5EF4-FFF2-40B4-BE49-F238E27FC236}">
+                <a16:creationId xmlns:a16="http://schemas.microsoft.com/office/drawing/2014/main" id="{6FF48C41-1557-AAA9-4CB5-BF1CE2557A17}"/>
+              </a:ext>
+            </a:extLst>
+          </p:cNvPr>
+          <p:cNvSpPr/>
+          <p:nvPr/>
+        </p:nvSpPr>
+        <p:spPr>
+          <a:xfrm>
+            <a:off x="4807121" y="3305665"/>
+            <a:ext cx="74338" cy="73241"/>
+          </a:xfrm>
+          <a:prstGeom prst="ellipse">
+            <a:avLst/>
+          </a:prstGeom>
+          <a:solidFill>
+            <a:srgbClr val="FF0000"/>
+          </a:solidFill>
+          <a:ln>
+            <a:solidFill>
+              <a:schemeClr val="accent1"/>
+            </a:solidFill>
+          </a:ln>
+        </p:spPr>
+        <p:style>
+          <a:lnRef idx="2">
+            <a:schemeClr val="accent1">
+              <a:shade val="15000"/>
+            </a:schemeClr>
+          </a:lnRef>
+          <a:fillRef idx="1">
+            <a:schemeClr val="accent1"/>
+          </a:fillRef>
+          <a:effectRef idx="0">
+            <a:schemeClr val="accent1"/>
+          </a:effectRef>
+          <a:fontRef idx="minor">
+            <a:schemeClr val="lt1"/>
+          </a:fontRef>
+        </p:style>
+        <p:txBody>
+          <a:bodyPr rtlCol="0" anchor="ctr"/>
+          <a:lstStyle/>
+          <a:p>
+            <a:pPr algn="ctr"/>
+            <a:endParaRPr kumimoji="1" lang="zh-CN" altLang="en-US"/>
+          </a:p>
+        </p:txBody>
+      </p:sp>
+      <p:sp>
+        <p:nvSpPr>
+          <p:cNvPr id="19" name="椭圆 18">
+            <a:extLst>
+              <a:ext uri="{FF2B5EF4-FFF2-40B4-BE49-F238E27FC236}">
+                <a16:creationId xmlns:a16="http://schemas.microsoft.com/office/drawing/2014/main" id="{D9B447BE-B6EF-89A3-028C-87D9275A4DC5}"/>
+              </a:ext>
+            </a:extLst>
+          </p:cNvPr>
+          <p:cNvSpPr/>
+          <p:nvPr/>
+        </p:nvSpPr>
+        <p:spPr>
+          <a:xfrm>
+            <a:off x="5352684" y="3159183"/>
+            <a:ext cx="74338" cy="73241"/>
+          </a:xfrm>
+          <a:prstGeom prst="ellipse">
+            <a:avLst/>
+          </a:prstGeom>
+          <a:solidFill>
+            <a:srgbClr val="FF0000"/>
+          </a:solidFill>
+          <a:ln>
+            <a:solidFill>
+              <a:schemeClr val="accent1"/>
+            </a:solidFill>
+          </a:ln>
+        </p:spPr>
+        <p:style>
+          <a:lnRef idx="2">
+            <a:schemeClr val="accent1">
+              <a:shade val="15000"/>
+            </a:schemeClr>
+          </a:lnRef>
+          <a:fillRef idx="1">
+            <a:schemeClr val="accent1"/>
+          </a:fillRef>
+          <a:effectRef idx="0">
+            <a:schemeClr val="accent1"/>
+          </a:effectRef>
+          <a:fontRef idx="minor">
+            <a:schemeClr val="lt1"/>
+          </a:fontRef>
+        </p:style>
+        <p:txBody>
+          <a:bodyPr rtlCol="0" anchor="ctr"/>
+          <a:lstStyle/>
+          <a:p>
+            <a:pPr algn="ctr"/>
+            <a:endParaRPr kumimoji="1" lang="zh-CN" altLang="en-US"/>
+          </a:p>
+        </p:txBody>
+      </p:sp>
+      <p:sp>
+        <p:nvSpPr>
+          <p:cNvPr id="20" name="椭圆 19">
+            <a:extLst>
+              <a:ext uri="{FF2B5EF4-FFF2-40B4-BE49-F238E27FC236}">
+                <a16:creationId xmlns:a16="http://schemas.microsoft.com/office/drawing/2014/main" id="{02EF4304-94C3-6173-7549-4177569E89CA}"/>
+              </a:ext>
+            </a:extLst>
+          </p:cNvPr>
+          <p:cNvSpPr/>
+          <p:nvPr/>
+        </p:nvSpPr>
+        <p:spPr>
+          <a:xfrm>
+            <a:off x="4518718" y="2621433"/>
+            <a:ext cx="74338" cy="73241"/>
+          </a:xfrm>
+          <a:prstGeom prst="ellipse">
+            <a:avLst/>
+          </a:prstGeom>
+          <a:solidFill>
+            <a:srgbClr val="FF0000"/>
+          </a:solidFill>
+          <a:ln>
+            <a:solidFill>
+              <a:schemeClr val="accent1"/>
+            </a:solidFill>
+          </a:ln>
+        </p:spPr>
+        <p:style>
+          <a:lnRef idx="2">
+            <a:schemeClr val="accent1">
+              <a:shade val="15000"/>
+            </a:schemeClr>
+          </a:lnRef>
+          <a:fillRef idx="1">
+            <a:schemeClr val="accent1"/>
+          </a:fillRef>
+          <a:effectRef idx="0">
+            <a:schemeClr val="accent1"/>
+          </a:effectRef>
+          <a:fontRef idx="minor">
+            <a:schemeClr val="lt1"/>
+          </a:fontRef>
+        </p:style>
+        <p:txBody>
+          <a:bodyPr rtlCol="0" anchor="ctr"/>
+          <a:lstStyle/>
+          <a:p>
+            <a:pPr algn="ctr"/>
+            <a:endParaRPr kumimoji="1" lang="zh-CN" altLang="en-US"/>
+          </a:p>
+        </p:txBody>
+      </p:sp>
+      <p:sp>
+        <p:nvSpPr>
+          <p:cNvPr id="22" name="椭圆 21">
+            <a:extLst>
+              <a:ext uri="{FF2B5EF4-FFF2-40B4-BE49-F238E27FC236}">
+                <a16:creationId xmlns:a16="http://schemas.microsoft.com/office/drawing/2014/main" id="{CF9DA2BE-D72C-4905-06C6-776B67ADE38F}"/>
+              </a:ext>
+            </a:extLst>
+          </p:cNvPr>
+          <p:cNvSpPr/>
+          <p:nvPr/>
+        </p:nvSpPr>
+        <p:spPr>
+          <a:xfrm>
+            <a:off x="4978313" y="2283268"/>
+            <a:ext cx="74338" cy="73241"/>
+          </a:xfrm>
+          <a:prstGeom prst="ellipse">
+            <a:avLst/>
+          </a:prstGeom>
+          <a:solidFill>
+            <a:srgbClr val="FF0000"/>
+          </a:solidFill>
+          <a:ln>
+            <a:solidFill>
+              <a:schemeClr val="accent1"/>
+            </a:solidFill>
+          </a:ln>
+        </p:spPr>
+        <p:style>
+          <a:lnRef idx="2">
+            <a:schemeClr val="accent1">
+              <a:shade val="15000"/>
+            </a:schemeClr>
+          </a:lnRef>
+          <a:fillRef idx="1">
+            <a:schemeClr val="accent1"/>
+          </a:fillRef>
+          <a:effectRef idx="0">
+            <a:schemeClr val="accent1"/>
+          </a:effectRef>
+          <a:fontRef idx="minor">
+            <a:schemeClr val="lt1"/>
+          </a:fontRef>
+        </p:style>
+        <p:txBody>
+          <a:bodyPr rtlCol="0" anchor="ctr"/>
+          <a:lstStyle/>
+          <a:p>
+            <a:pPr algn="ctr"/>
+            <a:endParaRPr kumimoji="1" lang="zh-CN" altLang="en-US"/>
+          </a:p>
+        </p:txBody>
+      </p:sp>
+      <p:sp>
+        <p:nvSpPr>
+          <p:cNvPr id="23" name="椭圆 22">
+            <a:extLst>
+              <a:ext uri="{FF2B5EF4-FFF2-40B4-BE49-F238E27FC236}">
+                <a16:creationId xmlns:a16="http://schemas.microsoft.com/office/drawing/2014/main" id="{DE372D81-F1DB-3162-0B13-13F2DDB8F3A3}"/>
+              </a:ext>
+            </a:extLst>
+          </p:cNvPr>
+          <p:cNvSpPr/>
+          <p:nvPr/>
+        </p:nvSpPr>
+        <p:spPr>
+          <a:xfrm>
+            <a:off x="4478351" y="2155341"/>
+            <a:ext cx="74338" cy="73241"/>
+          </a:xfrm>
+          <a:prstGeom prst="ellipse">
+            <a:avLst/>
+          </a:prstGeom>
+          <a:solidFill>
+            <a:srgbClr val="FF0000"/>
+          </a:solidFill>
+          <a:ln>
+            <a:solidFill>
+              <a:schemeClr val="accent1"/>
+            </a:solidFill>
+          </a:ln>
+        </p:spPr>
+        <p:style>
+          <a:lnRef idx="2">
+            <a:schemeClr val="accent1">
+              <a:shade val="15000"/>
+            </a:schemeClr>
+          </a:lnRef>
+          <a:fillRef idx="1">
+            <a:schemeClr val="accent1"/>
+          </a:fillRef>
+          <a:effectRef idx="0">
+            <a:schemeClr val="accent1"/>
+          </a:effectRef>
+          <a:fontRef idx="minor">
+            <a:schemeClr val="lt1"/>
+          </a:fontRef>
+        </p:style>
+        <p:txBody>
+          <a:bodyPr rtlCol="0" anchor="ctr"/>
+          <a:lstStyle/>
+          <a:p>
+            <a:pPr algn="ctr"/>
+            <a:endParaRPr kumimoji="1" lang="zh-CN" altLang="en-US"/>
+          </a:p>
+        </p:txBody>
+      </p:sp>
+      <p:cxnSp>
+        <p:nvCxnSpPr>
+          <p:cNvPr id="25" name="直线连接符 24">
+            <a:extLst>
+              <a:ext uri="{FF2B5EF4-FFF2-40B4-BE49-F238E27FC236}">
+                <a16:creationId xmlns:a16="http://schemas.microsoft.com/office/drawing/2014/main" id="{FB595F74-0D8D-6822-6D15-54B912C37DC6}"/>
+              </a:ext>
+            </a:extLst>
+          </p:cNvPr>
+          <p:cNvCxnSpPr>
+            <a:stCxn id="10" idx="4"/>
+            <a:endCxn id="35" idx="1"/>
+          </p:cNvCxnSpPr>
+          <p:nvPr/>
+        </p:nvCxnSpPr>
+        <p:spPr>
+          <a:xfrm>
+            <a:off x="3757483" y="2265203"/>
+            <a:ext cx="322995" cy="977947"/>
+          </a:xfrm>
+          <a:prstGeom prst="line">
+            <a:avLst/>
+          </a:prstGeom>
+        </p:spPr>
+        <p:style>
+          <a:lnRef idx="2">
+            <a:schemeClr val="dk1"/>
+          </a:lnRef>
+          <a:fillRef idx="0">
+            <a:schemeClr val="dk1"/>
+          </a:fillRef>
+          <a:effectRef idx="1">
+            <a:schemeClr val="dk1"/>
+          </a:effectRef>
+          <a:fontRef idx="minor">
+            <a:schemeClr val="tx1"/>
+          </a:fontRef>
+        </p:style>
+      </p:cxnSp>
+      <p:cxnSp>
+        <p:nvCxnSpPr>
+          <p:cNvPr id="26" name="直线连接符 25">
+            <a:extLst>
+              <a:ext uri="{FF2B5EF4-FFF2-40B4-BE49-F238E27FC236}">
+                <a16:creationId xmlns:a16="http://schemas.microsoft.com/office/drawing/2014/main" id="{2EBB5BF0-22F8-E51B-EBFD-3356013BD470}"/>
+              </a:ext>
+            </a:extLst>
+          </p:cNvPr>
+          <p:cNvCxnSpPr>
+            <a:cxnSpLocks/>
+            <a:stCxn id="21" idx="3"/>
+            <a:endCxn id="10" idx="0"/>
+          </p:cNvCxnSpPr>
+          <p:nvPr/>
+        </p:nvCxnSpPr>
+        <p:spPr>
+          <a:xfrm flipH="1">
+            <a:off x="3757483" y="1662418"/>
+            <a:ext cx="497248" cy="529544"/>
+          </a:xfrm>
+          <a:prstGeom prst="line">
+            <a:avLst/>
+          </a:prstGeom>
+        </p:spPr>
+        <p:style>
+          <a:lnRef idx="2">
+            <a:schemeClr val="dk1"/>
+          </a:lnRef>
+          <a:fillRef idx="0">
+            <a:schemeClr val="dk1"/>
+          </a:fillRef>
+          <a:effectRef idx="1">
+            <a:schemeClr val="dk1"/>
+          </a:effectRef>
+          <a:fontRef idx="minor">
+            <a:schemeClr val="tx1"/>
+          </a:fontRef>
+        </p:style>
+      </p:cxnSp>
+      <p:cxnSp>
+        <p:nvCxnSpPr>
+          <p:cNvPr id="30" name="直线连接符 29">
+            <a:extLst>
+              <a:ext uri="{FF2B5EF4-FFF2-40B4-BE49-F238E27FC236}">
+                <a16:creationId xmlns:a16="http://schemas.microsoft.com/office/drawing/2014/main" id="{35D27456-5D91-8EC8-B0AA-4A544C94548C}"/>
+              </a:ext>
+            </a:extLst>
+          </p:cNvPr>
+          <p:cNvCxnSpPr>
+            <a:cxnSpLocks/>
+            <a:stCxn id="31" idx="2"/>
+            <a:endCxn id="35" idx="5"/>
+          </p:cNvCxnSpPr>
+          <p:nvPr/>
+        </p:nvCxnSpPr>
+        <p:spPr>
+          <a:xfrm flipH="1" flipV="1">
+            <a:off x="4133042" y="3294939"/>
+            <a:ext cx="709132" cy="496687"/>
+          </a:xfrm>
+          <a:prstGeom prst="line">
+            <a:avLst/>
+          </a:prstGeom>
+        </p:spPr>
+        <p:style>
+          <a:lnRef idx="2">
+            <a:schemeClr val="dk1"/>
+          </a:lnRef>
+          <a:fillRef idx="0">
+            <a:schemeClr val="dk1"/>
+          </a:fillRef>
+          <a:effectRef idx="1">
+            <a:schemeClr val="dk1"/>
+          </a:effectRef>
+          <a:fontRef idx="minor">
+            <a:schemeClr val="tx1"/>
+          </a:fontRef>
+        </p:style>
+      </p:cxnSp>
+      <p:cxnSp>
+        <p:nvCxnSpPr>
+          <p:cNvPr id="40" name="直线连接符 39">
+            <a:extLst>
+              <a:ext uri="{FF2B5EF4-FFF2-40B4-BE49-F238E27FC236}">
+                <a16:creationId xmlns:a16="http://schemas.microsoft.com/office/drawing/2014/main" id="{2101C666-1A7E-8104-9A51-60DB4947C1C0}"/>
+              </a:ext>
+            </a:extLst>
+          </p:cNvPr>
+          <p:cNvCxnSpPr>
+            <a:cxnSpLocks/>
+            <a:stCxn id="34" idx="3"/>
+            <a:endCxn id="31" idx="6"/>
+          </p:cNvCxnSpPr>
+          <p:nvPr/>
+        </p:nvCxnSpPr>
+        <p:spPr>
+          <a:xfrm flipH="1">
+            <a:off x="4916512" y="3441574"/>
+            <a:ext cx="862632" cy="350052"/>
+          </a:xfrm>
+          <a:prstGeom prst="line">
+            <a:avLst/>
+          </a:prstGeom>
+        </p:spPr>
+        <p:style>
+          <a:lnRef idx="2">
+            <a:schemeClr val="dk1"/>
+          </a:lnRef>
+          <a:fillRef idx="0">
+            <a:schemeClr val="dk1"/>
+          </a:fillRef>
+          <a:effectRef idx="1">
+            <a:schemeClr val="dk1"/>
+          </a:effectRef>
+          <a:fontRef idx="minor">
+            <a:schemeClr val="tx1"/>
+          </a:fontRef>
+        </p:style>
+      </p:cxnSp>
+      <p:cxnSp>
+        <p:nvCxnSpPr>
+          <p:cNvPr id="46" name="直线连接符 45">
+            <a:extLst>
+              <a:ext uri="{FF2B5EF4-FFF2-40B4-BE49-F238E27FC236}">
+                <a16:creationId xmlns:a16="http://schemas.microsoft.com/office/drawing/2014/main" id="{27D1AEA3-EF37-BE74-20BA-DA97A5FFE9EF}"/>
+              </a:ext>
+            </a:extLst>
+          </p:cNvPr>
+          <p:cNvCxnSpPr>
+            <a:cxnSpLocks/>
+            <a:stCxn id="15" idx="4"/>
+            <a:endCxn id="34" idx="0"/>
+          </p:cNvCxnSpPr>
+          <p:nvPr/>
+        </p:nvCxnSpPr>
+        <p:spPr>
+          <a:xfrm flipH="1">
+            <a:off x="5805426" y="2681053"/>
+            <a:ext cx="139953" cy="698006"/>
+          </a:xfrm>
+          <a:prstGeom prst="line">
+            <a:avLst/>
+          </a:prstGeom>
+        </p:spPr>
+        <p:style>
+          <a:lnRef idx="2">
+            <a:schemeClr val="dk1"/>
+          </a:lnRef>
+          <a:fillRef idx="0">
+            <a:schemeClr val="dk1"/>
+          </a:fillRef>
+          <a:effectRef idx="1">
+            <a:schemeClr val="dk1"/>
+          </a:effectRef>
+          <a:fontRef idx="minor">
+            <a:schemeClr val="tx1"/>
+          </a:fontRef>
+        </p:style>
+      </p:cxnSp>
+      <p:cxnSp>
+        <p:nvCxnSpPr>
+          <p:cNvPr id="50" name="直线连接符 49">
+            <a:extLst>
+              <a:ext uri="{FF2B5EF4-FFF2-40B4-BE49-F238E27FC236}">
+                <a16:creationId xmlns:a16="http://schemas.microsoft.com/office/drawing/2014/main" id="{CB59539B-CFC3-AB8A-94D6-63ACD628E086}"/>
+              </a:ext>
+            </a:extLst>
+          </p:cNvPr>
+          <p:cNvCxnSpPr>
+            <a:cxnSpLocks/>
+            <a:stCxn id="29" idx="1"/>
+            <a:endCxn id="21" idx="6"/>
+          </p:cNvCxnSpPr>
+          <p:nvPr/>
+        </p:nvCxnSpPr>
+        <p:spPr>
+          <a:xfrm flipH="1">
+            <a:off x="4318182" y="1608855"/>
+            <a:ext cx="957910" cy="27669"/>
+          </a:xfrm>
+          <a:prstGeom prst="line">
+            <a:avLst/>
+          </a:prstGeom>
+        </p:spPr>
+        <p:style>
+          <a:lnRef idx="2">
+            <a:schemeClr val="dk1"/>
+          </a:lnRef>
+          <a:fillRef idx="0">
+            <a:schemeClr val="dk1"/>
+          </a:fillRef>
+          <a:effectRef idx="1">
+            <a:schemeClr val="dk1"/>
+          </a:effectRef>
+          <a:fontRef idx="minor">
+            <a:schemeClr val="tx1"/>
+          </a:fontRef>
+        </p:style>
+      </p:cxnSp>
+      <p:cxnSp>
+        <p:nvCxnSpPr>
+          <p:cNvPr id="54" name="直线连接符 53">
+            <a:extLst>
+              <a:ext uri="{FF2B5EF4-FFF2-40B4-BE49-F238E27FC236}">
+                <a16:creationId xmlns:a16="http://schemas.microsoft.com/office/drawing/2014/main" id="{133929A9-46FF-3732-010D-780898754835}"/>
+              </a:ext>
+            </a:extLst>
+          </p:cNvPr>
+          <p:cNvCxnSpPr>
+            <a:cxnSpLocks/>
+            <a:stCxn id="29" idx="5"/>
+            <a:endCxn id="15" idx="0"/>
+          </p:cNvCxnSpPr>
+          <p:nvPr/>
+        </p:nvCxnSpPr>
+        <p:spPr>
+          <a:xfrm>
+            <a:off x="5328656" y="1660644"/>
+            <a:ext cx="616723" cy="947168"/>
+          </a:xfrm>
+          <a:prstGeom prst="line">
+            <a:avLst/>
+          </a:prstGeom>
+        </p:spPr>
+        <p:style>
+          <a:lnRef idx="2">
+            <a:schemeClr val="dk1"/>
+          </a:lnRef>
+          <a:fillRef idx="0">
+            <a:schemeClr val="dk1"/>
+          </a:fillRef>
+          <a:effectRef idx="1">
+            <a:schemeClr val="dk1"/>
+          </a:effectRef>
+          <a:fontRef idx="minor">
+            <a:schemeClr val="tx1"/>
+          </a:fontRef>
+        </p:style>
+      </p:cxnSp>
+      <p:cxnSp>
+        <p:nvCxnSpPr>
+          <p:cNvPr id="57" name="直线连接符 56">
+            <a:extLst>
+              <a:ext uri="{FF2B5EF4-FFF2-40B4-BE49-F238E27FC236}">
+                <a16:creationId xmlns:a16="http://schemas.microsoft.com/office/drawing/2014/main" id="{FB441260-FBA1-9A0C-3051-7A04E216551D}"/>
+              </a:ext>
+            </a:extLst>
+          </p:cNvPr>
+          <p:cNvCxnSpPr>
+            <a:cxnSpLocks/>
+            <a:stCxn id="19" idx="6"/>
+            <a:endCxn id="34" idx="1"/>
+          </p:cNvCxnSpPr>
+          <p:nvPr/>
+        </p:nvCxnSpPr>
+        <p:spPr>
+          <a:xfrm>
+            <a:off x="5427022" y="3195804"/>
+            <a:ext cx="352122" cy="193981"/>
+          </a:xfrm>
+          <a:prstGeom prst="line">
+            <a:avLst/>
+          </a:prstGeom>
+        </p:spPr>
+        <p:style>
+          <a:lnRef idx="2">
+            <a:schemeClr val="dk1"/>
+          </a:lnRef>
+          <a:fillRef idx="0">
+            <a:schemeClr val="dk1"/>
+          </a:fillRef>
+          <a:effectRef idx="1">
+            <a:schemeClr val="dk1"/>
+          </a:effectRef>
+          <a:fontRef idx="minor">
+            <a:schemeClr val="tx1"/>
+          </a:fontRef>
+        </p:style>
+      </p:cxnSp>
+      <p:cxnSp>
+        <p:nvCxnSpPr>
+          <p:cNvPr id="62" name="直线连接符 61">
+            <a:extLst>
+              <a:ext uri="{FF2B5EF4-FFF2-40B4-BE49-F238E27FC236}">
+                <a16:creationId xmlns:a16="http://schemas.microsoft.com/office/drawing/2014/main" id="{1D1C8B78-162A-641C-2D32-2550855CBB14}"/>
+              </a:ext>
+            </a:extLst>
+          </p:cNvPr>
+          <p:cNvCxnSpPr>
+            <a:cxnSpLocks/>
+            <a:stCxn id="18" idx="6"/>
+            <a:endCxn id="19" idx="2"/>
+          </p:cNvCxnSpPr>
+          <p:nvPr/>
+        </p:nvCxnSpPr>
+        <p:spPr>
+          <a:xfrm flipV="1">
+            <a:off x="4881459" y="3195804"/>
+            <a:ext cx="471225" cy="146482"/>
+          </a:xfrm>
+          <a:prstGeom prst="line">
+            <a:avLst/>
+          </a:prstGeom>
+        </p:spPr>
+        <p:style>
+          <a:lnRef idx="2">
+            <a:schemeClr val="dk1"/>
+          </a:lnRef>
+          <a:fillRef idx="0">
+            <a:schemeClr val="dk1"/>
+          </a:fillRef>
+          <a:effectRef idx="1">
+            <a:schemeClr val="dk1"/>
+          </a:effectRef>
+          <a:fontRef idx="minor">
+            <a:schemeClr val="tx1"/>
+          </a:fontRef>
+        </p:style>
+      </p:cxnSp>
+      <p:cxnSp>
+        <p:nvCxnSpPr>
+          <p:cNvPr id="65" name="直线连接符 64">
+            <a:extLst>
+              <a:ext uri="{FF2B5EF4-FFF2-40B4-BE49-F238E27FC236}">
+                <a16:creationId xmlns:a16="http://schemas.microsoft.com/office/drawing/2014/main" id="{4EC689C9-2897-3D45-BF27-73FE2B4CC68A}"/>
+              </a:ext>
+            </a:extLst>
+          </p:cNvPr>
+          <p:cNvCxnSpPr>
+            <a:cxnSpLocks/>
+            <a:stCxn id="18" idx="4"/>
+            <a:endCxn id="31" idx="0"/>
+          </p:cNvCxnSpPr>
+          <p:nvPr/>
+        </p:nvCxnSpPr>
+        <p:spPr>
+          <a:xfrm>
+            <a:off x="4844290" y="3378906"/>
+            <a:ext cx="35053" cy="376099"/>
+          </a:xfrm>
+          <a:prstGeom prst="line">
+            <a:avLst/>
+          </a:prstGeom>
+        </p:spPr>
+        <p:style>
+          <a:lnRef idx="2">
+            <a:schemeClr val="dk1"/>
+          </a:lnRef>
+          <a:fillRef idx="0">
+            <a:schemeClr val="dk1"/>
+          </a:fillRef>
+          <a:effectRef idx="1">
+            <a:schemeClr val="dk1"/>
+          </a:effectRef>
+          <a:fontRef idx="minor">
+            <a:schemeClr val="tx1"/>
+          </a:fontRef>
+        </p:style>
+      </p:cxnSp>
+      <p:cxnSp>
+        <p:nvCxnSpPr>
+          <p:cNvPr id="68" name="直线连接符 67">
+            <a:extLst>
+              <a:ext uri="{FF2B5EF4-FFF2-40B4-BE49-F238E27FC236}">
+                <a16:creationId xmlns:a16="http://schemas.microsoft.com/office/drawing/2014/main" id="{7861660A-0C44-87CB-A963-ED99A8420F89}"/>
+              </a:ext>
+            </a:extLst>
+          </p:cNvPr>
+          <p:cNvCxnSpPr>
+            <a:cxnSpLocks/>
+            <a:stCxn id="35" idx="6"/>
+            <a:endCxn id="18" idx="2"/>
+          </p:cNvCxnSpPr>
+          <p:nvPr/>
+        </p:nvCxnSpPr>
+        <p:spPr>
+          <a:xfrm>
+            <a:off x="4143929" y="3269045"/>
+            <a:ext cx="663192" cy="73241"/>
+          </a:xfrm>
+          <a:prstGeom prst="line">
+            <a:avLst/>
+          </a:prstGeom>
+        </p:spPr>
+        <p:style>
+          <a:lnRef idx="2">
+            <a:schemeClr val="dk1"/>
+          </a:lnRef>
+          <a:fillRef idx="0">
+            <a:schemeClr val="dk1"/>
+          </a:fillRef>
+          <a:effectRef idx="1">
+            <a:schemeClr val="dk1"/>
+          </a:effectRef>
+          <a:fontRef idx="minor">
+            <a:schemeClr val="tx1"/>
+          </a:fontRef>
+        </p:style>
+      </p:cxnSp>
+      <p:cxnSp>
+        <p:nvCxnSpPr>
+          <p:cNvPr id="71" name="直线连接符 70">
+            <a:extLst>
+              <a:ext uri="{FF2B5EF4-FFF2-40B4-BE49-F238E27FC236}">
+                <a16:creationId xmlns:a16="http://schemas.microsoft.com/office/drawing/2014/main" id="{D42CF902-5412-65F4-E129-12C4AE164376}"/>
+              </a:ext>
+            </a:extLst>
+          </p:cNvPr>
+          <p:cNvCxnSpPr>
+            <a:cxnSpLocks/>
+            <a:stCxn id="31" idx="7"/>
+            <a:endCxn id="19" idx="3"/>
+          </p:cNvCxnSpPr>
+          <p:nvPr/>
+        </p:nvCxnSpPr>
+        <p:spPr>
+          <a:xfrm flipV="1">
+            <a:off x="4905625" y="3221698"/>
+            <a:ext cx="457946" cy="544033"/>
+          </a:xfrm>
+          <a:prstGeom prst="line">
+            <a:avLst/>
+          </a:prstGeom>
+        </p:spPr>
+        <p:style>
+          <a:lnRef idx="2">
+            <a:schemeClr val="dk1"/>
+          </a:lnRef>
+          <a:fillRef idx="0">
+            <a:schemeClr val="dk1"/>
+          </a:fillRef>
+          <a:effectRef idx="1">
+            <a:schemeClr val="dk1"/>
+          </a:effectRef>
+          <a:fontRef idx="minor">
+            <a:schemeClr val="tx1"/>
+          </a:fontRef>
+        </p:style>
+      </p:cxnSp>
+      <p:cxnSp>
+        <p:nvCxnSpPr>
+          <p:cNvPr id="74" name="直线连接符 73">
+            <a:extLst>
+              <a:ext uri="{FF2B5EF4-FFF2-40B4-BE49-F238E27FC236}">
+                <a16:creationId xmlns:a16="http://schemas.microsoft.com/office/drawing/2014/main" id="{BD5664A0-3A92-9C68-1EB3-97CB0648C472}"/>
+              </a:ext>
+            </a:extLst>
+          </p:cNvPr>
+          <p:cNvCxnSpPr>
+            <a:cxnSpLocks/>
+            <a:stCxn id="20" idx="3"/>
+            <a:endCxn id="35" idx="0"/>
+          </p:cNvCxnSpPr>
+          <p:nvPr/>
+        </p:nvCxnSpPr>
+        <p:spPr>
+          <a:xfrm flipH="1">
+            <a:off x="4106760" y="2683948"/>
+            <a:ext cx="422845" cy="548476"/>
+          </a:xfrm>
+          <a:prstGeom prst="line">
+            <a:avLst/>
+          </a:prstGeom>
+        </p:spPr>
+        <p:style>
+          <a:lnRef idx="2">
+            <a:schemeClr val="dk1"/>
+          </a:lnRef>
+          <a:fillRef idx="0">
+            <a:schemeClr val="dk1"/>
+          </a:fillRef>
+          <a:effectRef idx="1">
+            <a:schemeClr val="dk1"/>
+          </a:effectRef>
+          <a:fontRef idx="minor">
+            <a:schemeClr val="tx1"/>
+          </a:fontRef>
+        </p:style>
+      </p:cxnSp>
+      <p:cxnSp>
+        <p:nvCxnSpPr>
+          <p:cNvPr id="78" name="直线连接符 77">
+            <a:extLst>
+              <a:ext uri="{FF2B5EF4-FFF2-40B4-BE49-F238E27FC236}">
+                <a16:creationId xmlns:a16="http://schemas.microsoft.com/office/drawing/2014/main" id="{D3A330CF-058C-4584-8284-257D6DACC9B7}"/>
+              </a:ext>
+            </a:extLst>
+          </p:cNvPr>
+          <p:cNvCxnSpPr>
+            <a:cxnSpLocks/>
+            <a:stCxn id="20" idx="5"/>
+            <a:endCxn id="19" idx="1"/>
+          </p:cNvCxnSpPr>
+          <p:nvPr/>
+        </p:nvCxnSpPr>
+        <p:spPr>
+          <a:xfrm>
+            <a:off x="4582169" y="2683948"/>
+            <a:ext cx="781402" cy="485961"/>
+          </a:xfrm>
+          <a:prstGeom prst="line">
+            <a:avLst/>
+          </a:prstGeom>
+        </p:spPr>
+        <p:style>
+          <a:lnRef idx="2">
+            <a:schemeClr val="dk1"/>
+          </a:lnRef>
+          <a:fillRef idx="0">
+            <a:schemeClr val="dk1"/>
+          </a:fillRef>
+          <a:effectRef idx="1">
+            <a:schemeClr val="dk1"/>
+          </a:effectRef>
+          <a:fontRef idx="minor">
+            <a:schemeClr val="tx1"/>
+          </a:fontRef>
+        </p:style>
+      </p:cxnSp>
+      <p:cxnSp>
+        <p:nvCxnSpPr>
+          <p:cNvPr id="88" name="直线连接符 87">
+            <a:extLst>
+              <a:ext uri="{FF2B5EF4-FFF2-40B4-BE49-F238E27FC236}">
+                <a16:creationId xmlns:a16="http://schemas.microsoft.com/office/drawing/2014/main" id="{DE5AA9AA-C199-27D8-09F2-301EEDB1D639}"/>
+              </a:ext>
+            </a:extLst>
+          </p:cNvPr>
+          <p:cNvCxnSpPr>
+            <a:cxnSpLocks/>
+            <a:stCxn id="23" idx="4"/>
+            <a:endCxn id="20" idx="0"/>
+          </p:cNvCxnSpPr>
+          <p:nvPr/>
+        </p:nvCxnSpPr>
+        <p:spPr>
+          <a:xfrm>
+            <a:off x="4515520" y="2228582"/>
+            <a:ext cx="40367" cy="392851"/>
+          </a:xfrm>
+          <a:prstGeom prst="line">
+            <a:avLst/>
+          </a:prstGeom>
+        </p:spPr>
+        <p:style>
+          <a:lnRef idx="2">
+            <a:schemeClr val="dk1"/>
+          </a:lnRef>
+          <a:fillRef idx="0">
+            <a:schemeClr val="dk1"/>
+          </a:fillRef>
+          <a:effectRef idx="1">
+            <a:schemeClr val="dk1"/>
+          </a:effectRef>
+          <a:fontRef idx="minor">
+            <a:schemeClr val="tx1"/>
+          </a:fontRef>
+        </p:style>
+      </p:cxnSp>
+      <p:cxnSp>
+        <p:nvCxnSpPr>
+          <p:cNvPr id="91" name="直线连接符 90">
+            <a:extLst>
+              <a:ext uri="{FF2B5EF4-FFF2-40B4-BE49-F238E27FC236}">
+                <a16:creationId xmlns:a16="http://schemas.microsoft.com/office/drawing/2014/main" id="{7D44C525-6C84-5B6E-2AA3-A8DA77EA2646}"/>
+              </a:ext>
+            </a:extLst>
+          </p:cNvPr>
+          <p:cNvCxnSpPr>
+            <a:cxnSpLocks/>
+            <a:stCxn id="21" idx="4"/>
+            <a:endCxn id="23" idx="1"/>
+          </p:cNvCxnSpPr>
+          <p:nvPr/>
+        </p:nvCxnSpPr>
+        <p:spPr>
+          <a:xfrm>
+            <a:off x="4281013" y="1673144"/>
+            <a:ext cx="208225" cy="492923"/>
+          </a:xfrm>
+          <a:prstGeom prst="line">
+            <a:avLst/>
+          </a:prstGeom>
+        </p:spPr>
+        <p:style>
+          <a:lnRef idx="2">
+            <a:schemeClr val="dk1"/>
+          </a:lnRef>
+          <a:fillRef idx="0">
+            <a:schemeClr val="dk1"/>
+          </a:fillRef>
+          <a:effectRef idx="1">
+            <a:schemeClr val="dk1"/>
+          </a:effectRef>
+          <a:fontRef idx="minor">
+            <a:schemeClr val="tx1"/>
+          </a:fontRef>
+        </p:style>
+      </p:cxnSp>
+      <p:cxnSp>
+        <p:nvCxnSpPr>
+          <p:cNvPr id="100" name="直线连接符 99">
+            <a:extLst>
+              <a:ext uri="{FF2B5EF4-FFF2-40B4-BE49-F238E27FC236}">
+                <a16:creationId xmlns:a16="http://schemas.microsoft.com/office/drawing/2014/main" id="{B89B7E5E-49BF-205E-FBBE-86D81528933F}"/>
+              </a:ext>
+            </a:extLst>
+          </p:cNvPr>
+          <p:cNvCxnSpPr>
+            <a:cxnSpLocks/>
+            <a:stCxn id="29" idx="4"/>
+            <a:endCxn id="22" idx="7"/>
+          </p:cNvCxnSpPr>
+          <p:nvPr/>
+        </p:nvCxnSpPr>
+        <p:spPr>
+          <a:xfrm flipH="1">
+            <a:off x="5041764" y="1671370"/>
+            <a:ext cx="260610" cy="622624"/>
+          </a:xfrm>
+          <a:prstGeom prst="line">
+            <a:avLst/>
+          </a:prstGeom>
+        </p:spPr>
+        <p:style>
+          <a:lnRef idx="2">
+            <a:schemeClr val="dk1"/>
+          </a:lnRef>
+          <a:fillRef idx="0">
+            <a:schemeClr val="dk1"/>
+          </a:fillRef>
+          <a:effectRef idx="1">
+            <a:schemeClr val="dk1"/>
+          </a:effectRef>
+          <a:fontRef idx="minor">
+            <a:schemeClr val="tx1"/>
+          </a:fontRef>
+        </p:style>
+      </p:cxnSp>
+      <p:cxnSp>
+        <p:nvCxnSpPr>
+          <p:cNvPr id="103" name="直线连接符 102">
+            <a:extLst>
+              <a:ext uri="{FF2B5EF4-FFF2-40B4-BE49-F238E27FC236}">
+                <a16:creationId xmlns:a16="http://schemas.microsoft.com/office/drawing/2014/main" id="{B2BB886F-EBD2-8BB1-B034-0497B171CED3}"/>
+              </a:ext>
+            </a:extLst>
+          </p:cNvPr>
+          <p:cNvCxnSpPr>
+            <a:cxnSpLocks/>
+            <a:stCxn id="22" idx="5"/>
+            <a:endCxn id="19" idx="0"/>
+          </p:cNvCxnSpPr>
+          <p:nvPr/>
+        </p:nvCxnSpPr>
+        <p:spPr>
+          <a:xfrm>
+            <a:off x="5041764" y="2345783"/>
+            <a:ext cx="348089" cy="813400"/>
+          </a:xfrm>
+          <a:prstGeom prst="line">
+            <a:avLst/>
+          </a:prstGeom>
+        </p:spPr>
+        <p:style>
+          <a:lnRef idx="2">
+            <a:schemeClr val="dk1"/>
+          </a:lnRef>
+          <a:fillRef idx="0">
+            <a:schemeClr val="dk1"/>
+          </a:fillRef>
+          <a:effectRef idx="1">
+            <a:schemeClr val="dk1"/>
+          </a:effectRef>
+          <a:fontRef idx="minor">
+            <a:schemeClr val="tx1"/>
+          </a:fontRef>
+        </p:style>
+      </p:cxnSp>
+      <p:cxnSp>
+        <p:nvCxnSpPr>
+          <p:cNvPr id="106" name="直线连接符 105">
+            <a:extLst>
+              <a:ext uri="{FF2B5EF4-FFF2-40B4-BE49-F238E27FC236}">
+                <a16:creationId xmlns:a16="http://schemas.microsoft.com/office/drawing/2014/main" id="{87D21B02-A18F-6B39-9A45-0651E9362FFB}"/>
+              </a:ext>
+            </a:extLst>
+          </p:cNvPr>
+          <p:cNvCxnSpPr>
+            <a:cxnSpLocks/>
+            <a:stCxn id="23" idx="7"/>
+            <a:endCxn id="29" idx="3"/>
+          </p:cNvCxnSpPr>
+          <p:nvPr/>
+        </p:nvCxnSpPr>
+        <p:spPr>
+          <a:xfrm flipV="1">
+            <a:off x="4541802" y="1660644"/>
+            <a:ext cx="734290" cy="505423"/>
+          </a:xfrm>
+          <a:prstGeom prst="line">
+            <a:avLst/>
+          </a:prstGeom>
+        </p:spPr>
+        <p:style>
+          <a:lnRef idx="2">
+            <a:schemeClr val="dk1"/>
+          </a:lnRef>
+          <a:fillRef idx="0">
+            <a:schemeClr val="dk1"/>
+          </a:fillRef>
+          <a:effectRef idx="1">
+            <a:schemeClr val="dk1"/>
+          </a:effectRef>
+          <a:fontRef idx="minor">
+            <a:schemeClr val="tx1"/>
+          </a:fontRef>
+        </p:style>
+      </p:cxnSp>
+      <p:cxnSp>
+        <p:nvCxnSpPr>
+          <p:cNvPr id="132" name="直线连接符 131">
+            <a:extLst>
+              <a:ext uri="{FF2B5EF4-FFF2-40B4-BE49-F238E27FC236}">
+                <a16:creationId xmlns:a16="http://schemas.microsoft.com/office/drawing/2014/main" id="{11EAA166-127E-BC2E-9E89-D6329F5A6E39}"/>
+              </a:ext>
+            </a:extLst>
+          </p:cNvPr>
+          <p:cNvCxnSpPr>
+            <a:cxnSpLocks/>
+            <a:stCxn id="22" idx="5"/>
+            <a:endCxn id="15" idx="1"/>
+          </p:cNvCxnSpPr>
+          <p:nvPr/>
+        </p:nvCxnSpPr>
+        <p:spPr>
+          <a:xfrm>
+            <a:off x="5041764" y="2345783"/>
+            <a:ext cx="877333" cy="272755"/>
+          </a:xfrm>
+          <a:prstGeom prst="line">
+            <a:avLst/>
+          </a:prstGeom>
+        </p:spPr>
+        <p:style>
+          <a:lnRef idx="2">
+            <a:schemeClr val="dk1"/>
+          </a:lnRef>
+          <a:fillRef idx="0">
+            <a:schemeClr val="dk1"/>
+          </a:fillRef>
+          <a:effectRef idx="1">
+            <a:schemeClr val="dk1"/>
+          </a:effectRef>
+          <a:fontRef idx="minor">
+            <a:schemeClr val="tx1"/>
+          </a:fontRef>
+        </p:style>
+      </p:cxnSp>
+      <p:cxnSp>
+        <p:nvCxnSpPr>
+          <p:cNvPr id="140" name="直线连接符 139">
+            <a:extLst>
+              <a:ext uri="{FF2B5EF4-FFF2-40B4-BE49-F238E27FC236}">
+                <a16:creationId xmlns:a16="http://schemas.microsoft.com/office/drawing/2014/main" id="{ACC1C485-4EE9-B95E-EAC9-B9CA05DEC5E7}"/>
+              </a:ext>
+            </a:extLst>
+          </p:cNvPr>
+          <p:cNvCxnSpPr>
+            <a:cxnSpLocks/>
+            <a:stCxn id="19" idx="7"/>
+            <a:endCxn id="15" idx="2"/>
+          </p:cNvCxnSpPr>
+          <p:nvPr/>
+        </p:nvCxnSpPr>
+        <p:spPr>
+          <a:xfrm flipV="1">
+            <a:off x="5416135" y="2644433"/>
+            <a:ext cx="492075" cy="525476"/>
+          </a:xfrm>
+          <a:prstGeom prst="line">
+            <a:avLst/>
+          </a:prstGeom>
+        </p:spPr>
+        <p:style>
+          <a:lnRef idx="2">
+            <a:schemeClr val="dk1"/>
+          </a:lnRef>
+          <a:fillRef idx="0">
+            <a:schemeClr val="dk1"/>
+          </a:fillRef>
+          <a:effectRef idx="1">
+            <a:schemeClr val="dk1"/>
+          </a:effectRef>
+          <a:fontRef idx="minor">
+            <a:schemeClr val="tx1"/>
+          </a:fontRef>
+        </p:style>
+      </p:cxnSp>
+      <p:cxnSp>
+        <p:nvCxnSpPr>
+          <p:cNvPr id="12" name="直线连接符 11">
+            <a:extLst>
+              <a:ext uri="{FF2B5EF4-FFF2-40B4-BE49-F238E27FC236}">
+                <a16:creationId xmlns:a16="http://schemas.microsoft.com/office/drawing/2014/main" id="{6FE8628F-5210-89A0-B995-F38A9A9872E6}"/>
+              </a:ext>
+            </a:extLst>
+          </p:cNvPr>
+          <p:cNvCxnSpPr>
+            <a:cxnSpLocks/>
+            <a:stCxn id="10" idx="6"/>
+            <a:endCxn id="23" idx="2"/>
+          </p:cNvCxnSpPr>
+          <p:nvPr/>
+        </p:nvCxnSpPr>
+        <p:spPr>
+          <a:xfrm flipV="1">
+            <a:off x="3794652" y="2191962"/>
+            <a:ext cx="683699" cy="36621"/>
+          </a:xfrm>
+          <a:prstGeom prst="line">
+            <a:avLst/>
+          </a:prstGeom>
+        </p:spPr>
+        <p:style>
+          <a:lnRef idx="2">
+            <a:schemeClr val="dk1"/>
+          </a:lnRef>
+          <a:fillRef idx="0">
+            <a:schemeClr val="dk1"/>
+          </a:fillRef>
+          <a:effectRef idx="1">
+            <a:schemeClr val="dk1"/>
+          </a:effectRef>
+          <a:fontRef idx="minor">
+            <a:schemeClr val="tx1"/>
+          </a:fontRef>
+        </p:style>
+      </p:cxnSp>
+      <p:cxnSp>
+        <p:nvCxnSpPr>
+          <p:cNvPr id="24" name="直线连接符 23">
+            <a:extLst>
+              <a:ext uri="{FF2B5EF4-FFF2-40B4-BE49-F238E27FC236}">
+                <a16:creationId xmlns:a16="http://schemas.microsoft.com/office/drawing/2014/main" id="{450C2D8A-93EA-DBE9-C6BD-4B70BCD4B80A}"/>
+              </a:ext>
+            </a:extLst>
+          </p:cNvPr>
+          <p:cNvCxnSpPr>
+            <a:cxnSpLocks/>
+            <a:stCxn id="10" idx="5"/>
+            <a:endCxn id="20" idx="2"/>
+          </p:cNvCxnSpPr>
+          <p:nvPr/>
+        </p:nvCxnSpPr>
+        <p:spPr>
+          <a:xfrm>
+            <a:off x="3783765" y="2254477"/>
+            <a:ext cx="734953" cy="403577"/>
+          </a:xfrm>
+          <a:prstGeom prst="line">
+            <a:avLst/>
+          </a:prstGeom>
+        </p:spPr>
+        <p:style>
+          <a:lnRef idx="2">
+            <a:schemeClr val="dk1"/>
+          </a:lnRef>
+          <a:fillRef idx="0">
+            <a:schemeClr val="dk1"/>
+          </a:fillRef>
+          <a:effectRef idx="1">
+            <a:schemeClr val="dk1"/>
+          </a:effectRef>
+          <a:fontRef idx="minor">
+            <a:schemeClr val="tx1"/>
+          </a:fontRef>
+        </p:style>
+      </p:cxnSp>
+      <p:cxnSp>
+        <p:nvCxnSpPr>
+          <p:cNvPr id="32" name="直线连接符 31">
+            <a:extLst>
+              <a:ext uri="{FF2B5EF4-FFF2-40B4-BE49-F238E27FC236}">
+                <a16:creationId xmlns:a16="http://schemas.microsoft.com/office/drawing/2014/main" id="{5C06C238-8412-7B9E-2A81-71DDB90A737E}"/>
+              </a:ext>
+            </a:extLst>
+          </p:cNvPr>
+          <p:cNvCxnSpPr>
+            <a:cxnSpLocks/>
+            <a:stCxn id="22" idx="3"/>
+            <a:endCxn id="20" idx="7"/>
+          </p:cNvCxnSpPr>
+          <p:nvPr/>
+        </p:nvCxnSpPr>
+        <p:spPr>
+          <a:xfrm flipH="1">
+            <a:off x="4582169" y="2345783"/>
+            <a:ext cx="407031" cy="286376"/>
+          </a:xfrm>
+          <a:prstGeom prst="line">
+            <a:avLst/>
+          </a:prstGeom>
+        </p:spPr>
+        <p:style>
+          <a:lnRef idx="2">
+            <a:schemeClr val="dk1"/>
+          </a:lnRef>
+          <a:fillRef idx="0">
+            <a:schemeClr val="dk1"/>
+          </a:fillRef>
+          <a:effectRef idx="1">
+            <a:schemeClr val="dk1"/>
+          </a:effectRef>
+          <a:fontRef idx="minor">
+            <a:schemeClr val="tx1"/>
+          </a:fontRef>
+        </p:style>
+      </p:cxnSp>
+      <p:cxnSp>
+        <p:nvCxnSpPr>
+          <p:cNvPr id="38" name="直线连接符 37">
+            <a:extLst>
+              <a:ext uri="{FF2B5EF4-FFF2-40B4-BE49-F238E27FC236}">
+                <a16:creationId xmlns:a16="http://schemas.microsoft.com/office/drawing/2014/main" id="{589B9F85-7D61-E619-A641-CA142AAB1BCE}"/>
+              </a:ext>
+            </a:extLst>
+          </p:cNvPr>
+          <p:cNvCxnSpPr>
+            <a:cxnSpLocks/>
+            <a:stCxn id="23" idx="6"/>
+            <a:endCxn id="22" idx="2"/>
+          </p:cNvCxnSpPr>
+          <p:nvPr/>
+        </p:nvCxnSpPr>
+        <p:spPr>
+          <a:xfrm>
+            <a:off x="4552689" y="2191962"/>
+            <a:ext cx="425624" cy="127927"/>
+          </a:xfrm>
+          <a:prstGeom prst="line">
+            <a:avLst/>
+          </a:prstGeom>
+        </p:spPr>
+        <p:style>
+          <a:lnRef idx="2">
+            <a:schemeClr val="dk1"/>
+          </a:lnRef>
+          <a:fillRef idx="0">
+            <a:schemeClr val="dk1"/>
+          </a:fillRef>
+          <a:effectRef idx="1">
+            <a:schemeClr val="dk1"/>
+          </a:effectRef>
+          <a:fontRef idx="minor">
+            <a:schemeClr val="tx1"/>
+          </a:fontRef>
+        </p:style>
+      </p:cxnSp>
+      <p:cxnSp>
+        <p:nvCxnSpPr>
+          <p:cNvPr id="47" name="直线连接符 46">
+            <a:extLst>
+              <a:ext uri="{FF2B5EF4-FFF2-40B4-BE49-F238E27FC236}">
+                <a16:creationId xmlns:a16="http://schemas.microsoft.com/office/drawing/2014/main" id="{23DCCC12-46F1-0E95-B029-C0D43050657F}"/>
+              </a:ext>
+            </a:extLst>
+          </p:cNvPr>
+          <p:cNvCxnSpPr>
+            <a:cxnSpLocks/>
+            <a:stCxn id="20" idx="4"/>
+            <a:endCxn id="18" idx="0"/>
+          </p:cNvCxnSpPr>
+          <p:nvPr/>
+        </p:nvCxnSpPr>
+        <p:spPr>
+          <a:xfrm>
+            <a:off x="4555887" y="2694674"/>
+            <a:ext cx="288403" cy="610991"/>
+          </a:xfrm>
+          <a:prstGeom prst="line">
+            <a:avLst/>
+          </a:prstGeom>
+        </p:spPr>
+        <p:style>
+          <a:lnRef idx="2">
+            <a:schemeClr val="dk1"/>
+          </a:lnRef>
+          <a:fillRef idx="0">
+            <a:schemeClr val="dk1"/>
+          </a:fillRef>
+          <a:effectRef idx="1">
+            <a:schemeClr val="dk1"/>
+          </a:effectRef>
+          <a:fontRef idx="minor">
+            <a:schemeClr val="tx1"/>
+          </a:fontRef>
+        </p:style>
+      </p:cxnSp>
+      <p:sp>
+        <p:nvSpPr>
+          <p:cNvPr id="2" name="椭圆 1">
+            <a:extLst>
+              <a:ext uri="{FF2B5EF4-FFF2-40B4-BE49-F238E27FC236}">
+                <a16:creationId xmlns:a16="http://schemas.microsoft.com/office/drawing/2014/main" id="{D33521A2-1615-226C-BE1C-47B22343F62A}"/>
+              </a:ext>
+            </a:extLst>
+          </p:cNvPr>
+          <p:cNvSpPr/>
+          <p:nvPr/>
+        </p:nvSpPr>
+        <p:spPr>
+          <a:xfrm>
+            <a:off x="4967426" y="2679242"/>
+            <a:ext cx="74338" cy="73241"/>
+          </a:xfrm>
+          <a:prstGeom prst="ellipse">
+            <a:avLst/>
+          </a:prstGeom>
+          <a:solidFill>
+            <a:schemeClr val="tx1"/>
+          </a:solidFill>
+          <a:ln>
+            <a:solidFill>
+              <a:schemeClr val="tx1"/>
+            </a:solidFill>
+          </a:ln>
+        </p:spPr>
+        <p:style>
+          <a:lnRef idx="2">
+            <a:schemeClr val="accent1">
+              <a:shade val="15000"/>
+            </a:schemeClr>
+          </a:lnRef>
+          <a:fillRef idx="1">
+            <a:schemeClr val="accent1"/>
+          </a:fillRef>
+          <a:effectRef idx="0">
+            <a:schemeClr val="accent1"/>
+          </a:effectRef>
+          <a:fontRef idx="minor">
+            <a:schemeClr val="lt1"/>
+          </a:fontRef>
+        </p:style>
+        <p:txBody>
+          <a:bodyPr rtlCol="0" anchor="ctr"/>
+          <a:lstStyle/>
+          <a:p>
+            <a:pPr algn="ctr"/>
+            <a:endParaRPr kumimoji="1" lang="zh-CN" altLang="en-US"/>
+          </a:p>
+        </p:txBody>
+      </p:sp>
+      <p:sp>
+        <p:nvSpPr>
+          <p:cNvPr id="3" name="文本框 2">
+            <a:extLst>
+              <a:ext uri="{FF2B5EF4-FFF2-40B4-BE49-F238E27FC236}">
+                <a16:creationId xmlns:a16="http://schemas.microsoft.com/office/drawing/2014/main" id="{8B901F59-F8B9-A664-9FAF-526EB2907D41}"/>
+              </a:ext>
+            </a:extLst>
+          </p:cNvPr>
+          <p:cNvSpPr txBox="1"/>
+          <p:nvPr/>
+        </p:nvSpPr>
+        <p:spPr>
+          <a:xfrm>
+            <a:off x="4085568" y="1516373"/>
+            <a:ext cx="234360" cy="184666"/>
+          </a:xfrm>
+          <a:prstGeom prst="rect">
+            <a:avLst/>
+          </a:prstGeom>
+          <a:noFill/>
+        </p:spPr>
+        <p:txBody>
+          <a:bodyPr wrap="none" rtlCol="0">
+            <a:spAutoFit/>
+          </a:bodyPr>
+          <a:lstStyle/>
+          <a:p>
+            <a:r>
+              <a:rPr kumimoji="1" lang="en-US" altLang="zh-CN" sz="600" dirty="0"/>
+              <a:t>A</a:t>
+            </a:r>
+            <a:endParaRPr kumimoji="1" lang="zh-CN" altLang="en-US" sz="600" dirty="0"/>
+          </a:p>
+        </p:txBody>
+      </p:sp>
+      <p:sp>
+        <p:nvSpPr>
+          <p:cNvPr id="5" name="文本框 4">
+            <a:extLst>
+              <a:ext uri="{FF2B5EF4-FFF2-40B4-BE49-F238E27FC236}">
+                <a16:creationId xmlns:a16="http://schemas.microsoft.com/office/drawing/2014/main" id="{173C2A6D-1ECF-1343-E043-A3C68377D69A}"/>
+              </a:ext>
+            </a:extLst>
+          </p:cNvPr>
+          <p:cNvSpPr txBox="1"/>
+          <p:nvPr/>
+        </p:nvSpPr>
+        <p:spPr>
+          <a:xfrm>
+            <a:off x="3555684" y="2134228"/>
+            <a:ext cx="227948" cy="184666"/>
+          </a:xfrm>
+          <a:prstGeom prst="rect">
+            <a:avLst/>
+          </a:prstGeom>
+          <a:noFill/>
+        </p:spPr>
+        <p:txBody>
+          <a:bodyPr wrap="none" rtlCol="0">
+            <a:spAutoFit/>
+          </a:bodyPr>
+          <a:lstStyle/>
+          <a:p>
+            <a:r>
+              <a:rPr kumimoji="1" lang="en-US" altLang="zh-CN" sz="600" dirty="0"/>
+              <a:t>B</a:t>
+            </a:r>
+            <a:endParaRPr kumimoji="1" lang="zh-CN" altLang="en-US" sz="600" dirty="0"/>
+          </a:p>
+        </p:txBody>
+      </p:sp>
+      <p:sp>
+        <p:nvSpPr>
+          <p:cNvPr id="6" name="文本框 5">
+            <a:extLst>
+              <a:ext uri="{FF2B5EF4-FFF2-40B4-BE49-F238E27FC236}">
+                <a16:creationId xmlns:a16="http://schemas.microsoft.com/office/drawing/2014/main" id="{50F25B5D-B3D4-AFF8-FECA-185DEB5F5BC0}"/>
+              </a:ext>
+            </a:extLst>
+          </p:cNvPr>
+          <p:cNvSpPr txBox="1"/>
+          <p:nvPr/>
+        </p:nvSpPr>
+        <p:spPr>
+          <a:xfrm>
+            <a:off x="4404957" y="1994707"/>
+            <a:ext cx="232756" cy="184666"/>
+          </a:xfrm>
+          <a:prstGeom prst="rect">
+            <a:avLst/>
+          </a:prstGeom>
+          <a:noFill/>
+        </p:spPr>
+        <p:txBody>
+          <a:bodyPr wrap="none" rtlCol="0">
+            <a:spAutoFit/>
+          </a:bodyPr>
+          <a:lstStyle/>
+          <a:p>
+            <a:r>
+              <a:rPr kumimoji="1" lang="en-US" altLang="zh-CN" sz="600" dirty="0"/>
+              <a:t>C</a:t>
+            </a:r>
+            <a:endParaRPr kumimoji="1" lang="zh-CN" altLang="en-US" sz="600" dirty="0"/>
+          </a:p>
+        </p:txBody>
+      </p:sp>
+      <p:sp>
+        <p:nvSpPr>
+          <p:cNvPr id="9" name="文本框 8">
+            <a:extLst>
+              <a:ext uri="{FF2B5EF4-FFF2-40B4-BE49-F238E27FC236}">
+                <a16:creationId xmlns:a16="http://schemas.microsoft.com/office/drawing/2014/main" id="{EB12A2B7-BCF7-6193-2A06-D27549DE0FCD}"/>
+              </a:ext>
+            </a:extLst>
+          </p:cNvPr>
+          <p:cNvSpPr txBox="1"/>
+          <p:nvPr/>
+        </p:nvSpPr>
+        <p:spPr>
+          <a:xfrm>
+            <a:off x="4801346" y="2642885"/>
+            <a:ext cx="226344" cy="184666"/>
+          </a:xfrm>
+          <a:prstGeom prst="rect">
+            <a:avLst/>
+          </a:prstGeom>
+          <a:noFill/>
+        </p:spPr>
+        <p:txBody>
+          <a:bodyPr wrap="none" rtlCol="0">
+            <a:spAutoFit/>
+          </a:bodyPr>
+          <a:lstStyle/>
+          <a:p>
+            <a:r>
+              <a:rPr kumimoji="1" lang="en-US" altLang="zh-CN" sz="600" dirty="0"/>
+              <a:t>P</a:t>
+            </a:r>
+            <a:endParaRPr kumimoji="1" lang="zh-CN" altLang="en-US" sz="600" dirty="0"/>
+          </a:p>
+        </p:txBody>
+      </p:sp>
+      <p:cxnSp>
+        <p:nvCxnSpPr>
+          <p:cNvPr id="13" name="直线箭头连接符 12">
+            <a:extLst>
+              <a:ext uri="{FF2B5EF4-FFF2-40B4-BE49-F238E27FC236}">
+                <a16:creationId xmlns:a16="http://schemas.microsoft.com/office/drawing/2014/main" id="{6035978F-E216-F1FB-3133-3D9A00AF4C00}"/>
+              </a:ext>
+            </a:extLst>
+          </p:cNvPr>
+          <p:cNvCxnSpPr>
+            <a:cxnSpLocks/>
+          </p:cNvCxnSpPr>
+          <p:nvPr/>
+        </p:nvCxnSpPr>
+        <p:spPr>
+          <a:xfrm flipV="1">
+            <a:off x="3892488" y="2154720"/>
+            <a:ext cx="459905" cy="30280"/>
+          </a:xfrm>
+          <a:prstGeom prst="straightConnector1">
+            <a:avLst/>
+          </a:prstGeom>
+          <a:ln>
+            <a:tailEnd type="triangle"/>
+          </a:ln>
+        </p:spPr>
+        <p:style>
+          <a:lnRef idx="2">
+            <a:schemeClr val="accent1"/>
+          </a:lnRef>
+          <a:fillRef idx="0">
+            <a:schemeClr val="accent1"/>
+          </a:fillRef>
+          <a:effectRef idx="1">
+            <a:schemeClr val="accent1"/>
+          </a:effectRef>
+          <a:fontRef idx="minor">
+            <a:schemeClr val="tx1"/>
+          </a:fontRef>
+        </p:style>
+      </p:cxnSp>
+      <p:cxnSp>
+        <p:nvCxnSpPr>
+          <p:cNvPr id="39" name="直线箭头连接符 38">
+            <a:extLst>
+              <a:ext uri="{FF2B5EF4-FFF2-40B4-BE49-F238E27FC236}">
+                <a16:creationId xmlns:a16="http://schemas.microsoft.com/office/drawing/2014/main" id="{C62DD563-2374-F203-06C5-6CA87718C6F9}"/>
+              </a:ext>
+            </a:extLst>
+          </p:cNvPr>
+          <p:cNvCxnSpPr>
+            <a:cxnSpLocks/>
+          </p:cNvCxnSpPr>
+          <p:nvPr/>
+        </p:nvCxnSpPr>
+        <p:spPr>
+          <a:xfrm flipH="1">
+            <a:off x="3892488" y="2249515"/>
+            <a:ext cx="522412" cy="25894"/>
+          </a:xfrm>
+          <a:prstGeom prst="straightConnector1">
+            <a:avLst/>
+          </a:prstGeom>
+          <a:ln>
+            <a:tailEnd type="triangle"/>
+          </a:ln>
+        </p:spPr>
+        <p:style>
+          <a:lnRef idx="2">
+            <a:schemeClr val="accent1"/>
+          </a:lnRef>
+          <a:fillRef idx="0">
+            <a:schemeClr val="accent1"/>
+          </a:fillRef>
+          <a:effectRef idx="1">
+            <a:schemeClr val="accent1"/>
+          </a:effectRef>
+          <a:fontRef idx="minor">
+            <a:schemeClr val="tx1"/>
+          </a:fontRef>
+        </p:style>
+      </p:cxnSp>
+      <p:cxnSp>
+        <p:nvCxnSpPr>
+          <p:cNvPr id="45" name="直线箭头连接符 44">
+            <a:extLst>
+              <a:ext uri="{FF2B5EF4-FFF2-40B4-BE49-F238E27FC236}">
+                <a16:creationId xmlns:a16="http://schemas.microsoft.com/office/drawing/2014/main" id="{1A30D64E-A67F-0FD0-22DC-2EBC226A59A8}"/>
+              </a:ext>
+            </a:extLst>
+          </p:cNvPr>
+          <p:cNvCxnSpPr>
+            <a:cxnSpLocks/>
+          </p:cNvCxnSpPr>
+          <p:nvPr/>
+        </p:nvCxnSpPr>
+        <p:spPr>
+          <a:xfrm>
+            <a:off x="4006107" y="2332478"/>
+            <a:ext cx="324480" cy="156493"/>
+          </a:xfrm>
+          <a:prstGeom prst="straightConnector1">
+            <a:avLst/>
+          </a:prstGeom>
+          <a:ln>
+            <a:tailEnd type="triangle"/>
+          </a:ln>
+        </p:spPr>
+        <p:style>
+          <a:lnRef idx="2">
+            <a:schemeClr val="accent1"/>
+          </a:lnRef>
+          <a:fillRef idx="0">
+            <a:schemeClr val="accent1"/>
+          </a:fillRef>
+          <a:effectRef idx="1">
+            <a:schemeClr val="accent1"/>
+          </a:effectRef>
+          <a:fontRef idx="minor">
+            <a:schemeClr val="tx1"/>
+          </a:fontRef>
+        </p:style>
+      </p:cxnSp>
+      <p:cxnSp>
+        <p:nvCxnSpPr>
+          <p:cNvPr id="52" name="直线箭头连接符 51">
+            <a:extLst>
+              <a:ext uri="{FF2B5EF4-FFF2-40B4-BE49-F238E27FC236}">
+                <a16:creationId xmlns:a16="http://schemas.microsoft.com/office/drawing/2014/main" id="{223DE6CB-0836-181A-C42D-A4D140D7BC39}"/>
+              </a:ext>
+            </a:extLst>
+          </p:cNvPr>
+          <p:cNvCxnSpPr>
+            <a:cxnSpLocks/>
+          </p:cNvCxnSpPr>
+          <p:nvPr/>
+        </p:nvCxnSpPr>
+        <p:spPr>
+          <a:xfrm flipH="1" flipV="1">
+            <a:off x="4475525" y="2293768"/>
+            <a:ext cx="12083" cy="309355"/>
+          </a:xfrm>
+          <a:prstGeom prst="straightConnector1">
+            <a:avLst/>
+          </a:prstGeom>
+          <a:ln>
+            <a:tailEnd type="triangle"/>
+          </a:ln>
+        </p:spPr>
+        <p:style>
+          <a:lnRef idx="2">
+            <a:schemeClr val="accent1"/>
+          </a:lnRef>
+          <a:fillRef idx="0">
+            <a:schemeClr val="accent1"/>
+          </a:fillRef>
+          <a:effectRef idx="1">
+            <a:schemeClr val="accent1"/>
+          </a:effectRef>
+          <a:fontRef idx="minor">
+            <a:schemeClr val="tx1"/>
+          </a:fontRef>
+        </p:style>
+      </p:cxnSp>
+      <p:cxnSp>
+        <p:nvCxnSpPr>
+          <p:cNvPr id="56" name="直线箭头连接符 55">
+            <a:extLst>
+              <a:ext uri="{FF2B5EF4-FFF2-40B4-BE49-F238E27FC236}">
+                <a16:creationId xmlns:a16="http://schemas.microsoft.com/office/drawing/2014/main" id="{EBE6F68F-2704-E92B-7946-D5669B1372D2}"/>
+              </a:ext>
+            </a:extLst>
+          </p:cNvPr>
+          <p:cNvCxnSpPr>
+            <a:cxnSpLocks/>
+          </p:cNvCxnSpPr>
+          <p:nvPr/>
+        </p:nvCxnSpPr>
+        <p:spPr>
+          <a:xfrm>
+            <a:off x="4582169" y="2284136"/>
+            <a:ext cx="24423" cy="242298"/>
+          </a:xfrm>
+          <a:prstGeom prst="straightConnector1">
+            <a:avLst/>
+          </a:prstGeom>
+          <a:ln>
+            <a:tailEnd type="triangle"/>
+          </a:ln>
+        </p:spPr>
+        <p:style>
+          <a:lnRef idx="2">
+            <a:schemeClr val="accent1"/>
+          </a:lnRef>
+          <a:fillRef idx="0">
+            <a:schemeClr val="accent1"/>
+          </a:fillRef>
+          <a:effectRef idx="1">
+            <a:schemeClr val="accent1"/>
+          </a:effectRef>
+          <a:fontRef idx="minor">
+            <a:schemeClr val="tx1"/>
+          </a:fontRef>
+        </p:style>
+      </p:cxnSp>
+      <p:cxnSp>
+        <p:nvCxnSpPr>
+          <p:cNvPr id="61" name="直线箭头连接符 60">
+            <a:extLst>
+              <a:ext uri="{FF2B5EF4-FFF2-40B4-BE49-F238E27FC236}">
+                <a16:creationId xmlns:a16="http://schemas.microsoft.com/office/drawing/2014/main" id="{3AB1AFCD-25D8-AD17-F11F-59443A30AA79}"/>
+              </a:ext>
+            </a:extLst>
+          </p:cNvPr>
+          <p:cNvCxnSpPr>
+            <a:cxnSpLocks/>
+          </p:cNvCxnSpPr>
+          <p:nvPr/>
+        </p:nvCxnSpPr>
+        <p:spPr>
+          <a:xfrm flipV="1">
+            <a:off x="4639267" y="2337019"/>
+            <a:ext cx="266358" cy="185301"/>
+          </a:xfrm>
+          <a:prstGeom prst="straightConnector1">
+            <a:avLst/>
+          </a:prstGeom>
+          <a:ln>
+            <a:tailEnd type="triangle"/>
+          </a:ln>
+        </p:spPr>
+        <p:style>
+          <a:lnRef idx="2">
+            <a:schemeClr val="accent1"/>
+          </a:lnRef>
+          <a:fillRef idx="0">
+            <a:schemeClr val="accent1"/>
+          </a:fillRef>
+          <a:effectRef idx="1">
+            <a:schemeClr val="accent1"/>
+          </a:effectRef>
+          <a:fontRef idx="minor">
+            <a:schemeClr val="tx1"/>
+          </a:fontRef>
+        </p:style>
+      </p:cxnSp>
+      <p:cxnSp>
+        <p:nvCxnSpPr>
+          <p:cNvPr id="66" name="直线箭头连接符 65">
+            <a:extLst>
+              <a:ext uri="{FF2B5EF4-FFF2-40B4-BE49-F238E27FC236}">
+                <a16:creationId xmlns:a16="http://schemas.microsoft.com/office/drawing/2014/main" id="{08314326-311D-4826-86F6-0F963A9B2244}"/>
+              </a:ext>
+            </a:extLst>
+          </p:cNvPr>
+          <p:cNvCxnSpPr>
+            <a:cxnSpLocks/>
+          </p:cNvCxnSpPr>
+          <p:nvPr/>
+        </p:nvCxnSpPr>
+        <p:spPr>
+          <a:xfrm flipH="1">
+            <a:off x="4700088" y="2414888"/>
+            <a:ext cx="299999" cy="200084"/>
+          </a:xfrm>
+          <a:prstGeom prst="straightConnector1">
+            <a:avLst/>
+          </a:prstGeom>
+          <a:ln>
+            <a:tailEnd type="triangle"/>
+          </a:ln>
+        </p:spPr>
+        <p:style>
+          <a:lnRef idx="2">
+            <a:schemeClr val="accent1"/>
+          </a:lnRef>
+          <a:fillRef idx="0">
+            <a:schemeClr val="accent1"/>
+          </a:fillRef>
+          <a:effectRef idx="1">
+            <a:schemeClr val="accent1"/>
+          </a:effectRef>
+          <a:fontRef idx="minor">
+            <a:schemeClr val="tx1"/>
+          </a:fontRef>
+        </p:style>
+      </p:cxnSp>
+      <p:cxnSp>
+        <p:nvCxnSpPr>
+          <p:cNvPr id="72" name="直线箭头连接符 71">
+            <a:extLst>
+              <a:ext uri="{FF2B5EF4-FFF2-40B4-BE49-F238E27FC236}">
+                <a16:creationId xmlns:a16="http://schemas.microsoft.com/office/drawing/2014/main" id="{3F8C8210-5A21-5B39-2CA6-B1B6EE51FBA9}"/>
+              </a:ext>
+            </a:extLst>
+          </p:cNvPr>
+          <p:cNvCxnSpPr>
+            <a:cxnSpLocks/>
+          </p:cNvCxnSpPr>
+          <p:nvPr/>
+        </p:nvCxnSpPr>
+        <p:spPr>
+          <a:xfrm>
+            <a:off x="4657560" y="2672572"/>
+            <a:ext cx="629419" cy="374956"/>
+          </a:xfrm>
+          <a:prstGeom prst="straightConnector1">
+            <a:avLst/>
+          </a:prstGeom>
+          <a:ln>
+            <a:tailEnd type="triangle"/>
+          </a:ln>
+        </p:spPr>
+        <p:style>
+          <a:lnRef idx="2">
+            <a:schemeClr val="accent1"/>
+          </a:lnRef>
+          <a:fillRef idx="0">
+            <a:schemeClr val="accent1"/>
+          </a:fillRef>
+          <a:effectRef idx="1">
+            <a:schemeClr val="accent1"/>
+          </a:effectRef>
+          <a:fontRef idx="minor">
+            <a:schemeClr val="tx1"/>
+          </a:fontRef>
+        </p:style>
+      </p:cxnSp>
+      <p:cxnSp>
+        <p:nvCxnSpPr>
+          <p:cNvPr id="76" name="直线箭头连接符 75">
+            <a:extLst>
+              <a:ext uri="{FF2B5EF4-FFF2-40B4-BE49-F238E27FC236}">
+                <a16:creationId xmlns:a16="http://schemas.microsoft.com/office/drawing/2014/main" id="{F39738D3-D29C-BD6D-1382-7EC5E7251001}"/>
+              </a:ext>
+            </a:extLst>
+          </p:cNvPr>
+          <p:cNvCxnSpPr>
+            <a:cxnSpLocks/>
+          </p:cNvCxnSpPr>
+          <p:nvPr/>
+        </p:nvCxnSpPr>
+        <p:spPr>
+          <a:xfrm flipH="1" flipV="1">
+            <a:off x="5018035" y="2460038"/>
+            <a:ext cx="173895" cy="387278"/>
+          </a:xfrm>
+          <a:prstGeom prst="straightConnector1">
+            <a:avLst/>
+          </a:prstGeom>
+          <a:ln>
+            <a:tailEnd type="triangle"/>
+          </a:ln>
+        </p:spPr>
+        <p:style>
+          <a:lnRef idx="2">
+            <a:schemeClr val="accent1"/>
+          </a:lnRef>
+          <a:fillRef idx="0">
+            <a:schemeClr val="accent1"/>
+          </a:fillRef>
+          <a:effectRef idx="1">
+            <a:schemeClr val="accent1"/>
+          </a:effectRef>
+          <a:fontRef idx="minor">
+            <a:schemeClr val="tx1"/>
+          </a:fontRef>
+        </p:style>
+      </p:cxnSp>
+      <p:sp>
+        <p:nvSpPr>
+          <p:cNvPr id="81" name="文本框 80">
+            <a:extLst>
+              <a:ext uri="{FF2B5EF4-FFF2-40B4-BE49-F238E27FC236}">
+                <a16:creationId xmlns:a16="http://schemas.microsoft.com/office/drawing/2014/main" id="{02F39082-392C-9A1A-06DF-0542AC20C4C3}"/>
+              </a:ext>
+            </a:extLst>
+          </p:cNvPr>
+          <p:cNvSpPr txBox="1"/>
+          <p:nvPr/>
+        </p:nvSpPr>
+        <p:spPr>
+          <a:xfrm>
+            <a:off x="4044529" y="2008904"/>
+            <a:ext cx="218330" cy="169277"/>
+          </a:xfrm>
+          <a:prstGeom prst="rect">
+            <a:avLst/>
+          </a:prstGeom>
+          <a:noFill/>
+        </p:spPr>
+        <p:txBody>
+          <a:bodyPr wrap="none" rtlCol="0">
+            <a:spAutoFit/>
+          </a:bodyPr>
+          <a:lstStyle/>
+          <a:p>
+            <a:r>
+              <a:rPr kumimoji="1" lang="en-US" altLang="zh-CN" sz="500" dirty="0"/>
+              <a:t>1</a:t>
+            </a:r>
+            <a:endParaRPr kumimoji="1" lang="zh-CN" altLang="en-US" sz="500" dirty="0"/>
+          </a:p>
+        </p:txBody>
+      </p:sp>
+      <p:sp>
+        <p:nvSpPr>
+          <p:cNvPr id="82" name="文本框 81">
+            <a:extLst>
+              <a:ext uri="{FF2B5EF4-FFF2-40B4-BE49-F238E27FC236}">
+                <a16:creationId xmlns:a16="http://schemas.microsoft.com/office/drawing/2014/main" id="{FC5C9E9B-CE8A-5946-6D56-D0B305C83F17}"/>
+              </a:ext>
+            </a:extLst>
+          </p:cNvPr>
+          <p:cNvSpPr txBox="1"/>
+          <p:nvPr/>
+        </p:nvSpPr>
+        <p:spPr>
+          <a:xfrm>
+            <a:off x="4227144" y="2218005"/>
+            <a:ext cx="218330" cy="169277"/>
+          </a:xfrm>
+          <a:prstGeom prst="rect">
+            <a:avLst/>
+          </a:prstGeom>
+          <a:noFill/>
+        </p:spPr>
+        <p:txBody>
+          <a:bodyPr wrap="none" rtlCol="0">
+            <a:spAutoFit/>
+          </a:bodyPr>
+          <a:lstStyle/>
+          <a:p>
+            <a:r>
+              <a:rPr kumimoji="1" lang="en-US" altLang="zh-CN" sz="500" dirty="0"/>
+              <a:t>2</a:t>
+            </a:r>
+            <a:endParaRPr kumimoji="1" lang="zh-CN" altLang="en-US" sz="500" dirty="0"/>
+          </a:p>
+        </p:txBody>
+      </p:sp>
+      <p:sp>
+        <p:nvSpPr>
+          <p:cNvPr id="83" name="文本框 82">
+            <a:extLst>
+              <a:ext uri="{FF2B5EF4-FFF2-40B4-BE49-F238E27FC236}">
+                <a16:creationId xmlns:a16="http://schemas.microsoft.com/office/drawing/2014/main" id="{161816A2-B4FD-4B45-362B-F4EC9EDCF397}"/>
+              </a:ext>
+            </a:extLst>
+          </p:cNvPr>
+          <p:cNvSpPr txBox="1"/>
+          <p:nvPr/>
+        </p:nvSpPr>
+        <p:spPr>
+          <a:xfrm>
+            <a:off x="4096699" y="2286988"/>
+            <a:ext cx="218330" cy="169277"/>
+          </a:xfrm>
+          <a:prstGeom prst="rect">
+            <a:avLst/>
+          </a:prstGeom>
+          <a:noFill/>
+        </p:spPr>
+        <p:txBody>
+          <a:bodyPr wrap="none" rtlCol="0">
+            <a:spAutoFit/>
+          </a:bodyPr>
+          <a:lstStyle/>
+          <a:p>
+            <a:r>
+              <a:rPr kumimoji="1" lang="en-US" altLang="zh-CN" sz="500" dirty="0"/>
+              <a:t>3</a:t>
+            </a:r>
+            <a:endParaRPr kumimoji="1" lang="zh-CN" altLang="en-US" sz="500" dirty="0"/>
+          </a:p>
+        </p:txBody>
+      </p:sp>
+      <p:sp>
+        <p:nvSpPr>
+          <p:cNvPr id="84" name="文本框 83">
+            <a:extLst>
+              <a:ext uri="{FF2B5EF4-FFF2-40B4-BE49-F238E27FC236}">
+                <a16:creationId xmlns:a16="http://schemas.microsoft.com/office/drawing/2014/main" id="{815F116B-865A-3D14-6461-8B777587F323}"/>
+              </a:ext>
+            </a:extLst>
+          </p:cNvPr>
+          <p:cNvSpPr txBox="1"/>
+          <p:nvPr/>
+        </p:nvSpPr>
+        <p:spPr>
+          <a:xfrm>
+            <a:off x="4326106" y="2359712"/>
+            <a:ext cx="218330" cy="169277"/>
+          </a:xfrm>
+          <a:prstGeom prst="rect">
+            <a:avLst/>
+          </a:prstGeom>
+          <a:noFill/>
+        </p:spPr>
+        <p:txBody>
+          <a:bodyPr wrap="none" rtlCol="0">
+            <a:spAutoFit/>
+          </a:bodyPr>
+          <a:lstStyle/>
+          <a:p>
+            <a:r>
+              <a:rPr kumimoji="1" lang="en-US" altLang="zh-CN" sz="500" dirty="0"/>
+              <a:t>4</a:t>
+            </a:r>
+            <a:endParaRPr kumimoji="1" lang="zh-CN" altLang="en-US" sz="500" dirty="0"/>
+          </a:p>
+        </p:txBody>
+      </p:sp>
+      <p:sp>
+        <p:nvSpPr>
+          <p:cNvPr id="85" name="文本框 84">
+            <a:extLst>
+              <a:ext uri="{FF2B5EF4-FFF2-40B4-BE49-F238E27FC236}">
+                <a16:creationId xmlns:a16="http://schemas.microsoft.com/office/drawing/2014/main" id="{21CD209F-D963-D5FB-ED81-27B9E894677D}"/>
+              </a:ext>
+            </a:extLst>
+          </p:cNvPr>
+          <p:cNvSpPr txBox="1"/>
+          <p:nvPr/>
+        </p:nvSpPr>
+        <p:spPr>
+          <a:xfrm>
+            <a:off x="4523381" y="2261457"/>
+            <a:ext cx="218330" cy="169277"/>
+          </a:xfrm>
+          <a:prstGeom prst="rect">
+            <a:avLst/>
+          </a:prstGeom>
+          <a:noFill/>
+        </p:spPr>
+        <p:txBody>
+          <a:bodyPr wrap="none" rtlCol="0">
+            <a:spAutoFit/>
+          </a:bodyPr>
+          <a:lstStyle/>
+          <a:p>
+            <a:r>
+              <a:rPr kumimoji="1" lang="en-US" altLang="zh-CN" sz="500" dirty="0"/>
+              <a:t>5</a:t>
+            </a:r>
+            <a:endParaRPr kumimoji="1" lang="zh-CN" altLang="en-US" sz="500" dirty="0"/>
+          </a:p>
+        </p:txBody>
+      </p:sp>
+      <p:sp>
+        <p:nvSpPr>
+          <p:cNvPr id="86" name="文本框 85">
+            <a:extLst>
+              <a:ext uri="{FF2B5EF4-FFF2-40B4-BE49-F238E27FC236}">
+                <a16:creationId xmlns:a16="http://schemas.microsoft.com/office/drawing/2014/main" id="{77EBAA4C-8699-6D48-8CD4-47B2D1F514BF}"/>
+              </a:ext>
+            </a:extLst>
+          </p:cNvPr>
+          <p:cNvSpPr txBox="1"/>
+          <p:nvPr/>
+        </p:nvSpPr>
+        <p:spPr>
+          <a:xfrm>
+            <a:off x="4628925" y="2305025"/>
+            <a:ext cx="218330" cy="169277"/>
+          </a:xfrm>
+          <a:prstGeom prst="rect">
+            <a:avLst/>
+          </a:prstGeom>
+          <a:noFill/>
+        </p:spPr>
+        <p:txBody>
+          <a:bodyPr wrap="none" rtlCol="0">
+            <a:spAutoFit/>
+          </a:bodyPr>
+          <a:lstStyle/>
+          <a:p>
+            <a:r>
+              <a:rPr kumimoji="1" lang="en-US" altLang="zh-CN" sz="500" dirty="0"/>
+              <a:t>6</a:t>
+            </a:r>
+            <a:endParaRPr kumimoji="1" lang="zh-CN" altLang="en-US" sz="500" dirty="0"/>
+          </a:p>
+        </p:txBody>
+      </p:sp>
+      <p:sp>
+        <p:nvSpPr>
+          <p:cNvPr id="87" name="文本框 86">
+            <a:extLst>
+              <a:ext uri="{FF2B5EF4-FFF2-40B4-BE49-F238E27FC236}">
+                <a16:creationId xmlns:a16="http://schemas.microsoft.com/office/drawing/2014/main" id="{99363D2C-AF28-6D73-754D-48B183D3FFC4}"/>
+              </a:ext>
+            </a:extLst>
+          </p:cNvPr>
+          <p:cNvSpPr txBox="1"/>
+          <p:nvPr/>
+        </p:nvSpPr>
+        <p:spPr>
+          <a:xfrm>
+            <a:off x="4808039" y="2457542"/>
+            <a:ext cx="218330" cy="169277"/>
+          </a:xfrm>
+          <a:prstGeom prst="rect">
+            <a:avLst/>
+          </a:prstGeom>
+          <a:noFill/>
+        </p:spPr>
+        <p:txBody>
+          <a:bodyPr wrap="none" rtlCol="0">
+            <a:spAutoFit/>
+          </a:bodyPr>
+          <a:lstStyle/>
+          <a:p>
+            <a:r>
+              <a:rPr kumimoji="1" lang="en-US" altLang="zh-CN" sz="500" dirty="0"/>
+              <a:t>7</a:t>
+            </a:r>
+            <a:endParaRPr kumimoji="1" lang="zh-CN" altLang="en-US" sz="500" dirty="0"/>
+          </a:p>
+        </p:txBody>
+      </p:sp>
+      <p:sp>
+        <p:nvSpPr>
+          <p:cNvPr id="89" name="文本框 88">
+            <a:extLst>
+              <a:ext uri="{FF2B5EF4-FFF2-40B4-BE49-F238E27FC236}">
+                <a16:creationId xmlns:a16="http://schemas.microsoft.com/office/drawing/2014/main" id="{731E521A-A124-AE2B-A0B2-7C0B9565D4F5}"/>
+              </a:ext>
+            </a:extLst>
+          </p:cNvPr>
+          <p:cNvSpPr txBox="1"/>
+          <p:nvPr/>
+        </p:nvSpPr>
+        <p:spPr>
+          <a:xfrm>
+            <a:off x="4951814" y="2778144"/>
+            <a:ext cx="218330" cy="169277"/>
+          </a:xfrm>
+          <a:prstGeom prst="rect">
+            <a:avLst/>
+          </a:prstGeom>
+          <a:noFill/>
+        </p:spPr>
+        <p:txBody>
+          <a:bodyPr wrap="none" rtlCol="0">
+            <a:spAutoFit/>
+          </a:bodyPr>
+          <a:lstStyle/>
+          <a:p>
+            <a:r>
+              <a:rPr kumimoji="1" lang="en-US" altLang="zh-CN" sz="500" dirty="0"/>
+              <a:t>8</a:t>
+            </a:r>
+            <a:endParaRPr kumimoji="1" lang="zh-CN" altLang="en-US" sz="500" dirty="0"/>
+          </a:p>
+        </p:txBody>
+      </p:sp>
+      <p:sp>
+        <p:nvSpPr>
+          <p:cNvPr id="90" name="文本框 89">
+            <a:extLst>
+              <a:ext uri="{FF2B5EF4-FFF2-40B4-BE49-F238E27FC236}">
+                <a16:creationId xmlns:a16="http://schemas.microsoft.com/office/drawing/2014/main" id="{0356A238-2B12-829A-2987-238B098DEF3F}"/>
+              </a:ext>
+            </a:extLst>
+          </p:cNvPr>
+          <p:cNvSpPr txBox="1"/>
+          <p:nvPr/>
+        </p:nvSpPr>
+        <p:spPr>
+          <a:xfrm>
+            <a:off x="4920883" y="2491564"/>
+            <a:ext cx="218330" cy="169277"/>
+          </a:xfrm>
+          <a:prstGeom prst="rect">
+            <a:avLst/>
+          </a:prstGeom>
+          <a:noFill/>
+        </p:spPr>
+        <p:txBody>
+          <a:bodyPr wrap="none" rtlCol="0">
+            <a:spAutoFit/>
+          </a:bodyPr>
+          <a:lstStyle/>
+          <a:p>
+            <a:r>
+              <a:rPr kumimoji="1" lang="en-US" altLang="zh-CN" sz="500" dirty="0"/>
+              <a:t>9</a:t>
+            </a:r>
+            <a:endParaRPr kumimoji="1" lang="zh-CN" altLang="en-US" sz="500" dirty="0"/>
+          </a:p>
+        </p:txBody>
+      </p:sp>
+    </p:spTree>
+    <p:extLst>
+      <p:ext uri="{BB962C8B-B14F-4D97-AF65-F5344CB8AC3E}">
+        <p14:creationId xmlns:p14="http://schemas.microsoft.com/office/powerpoint/2010/main" val="1837027062"/>
       </p:ext>
     </p:extLst>
   </p:cSld>

--- a/演示文稿1.pptx
+++ b/演示文稿1.pptx
@@ -31,6 +31,7 @@
     <p:sldId id="280" r:id="rId25"/>
     <p:sldId id="282" r:id="rId26"/>
     <p:sldId id="283" r:id="rId27"/>
+    <p:sldId id="284" r:id="rId28"/>
   </p:sldIdLst>
   <p:sldSz cx="12192000" cy="6858000"/>
   <p:notesSz cx="6858000" cy="9144000"/>
@@ -28782,7 +28783,7 @@
         <p:spPr>
           <a:xfrm>
             <a:off x="4422049" y="4158914"/>
-            <a:ext cx="1935145" cy="253916"/>
+            <a:ext cx="1943161" cy="253916"/>
           </a:xfrm>
           <a:prstGeom prst="rect">
             <a:avLst/>
@@ -28797,7 +28798,7 @@
           <a:p>
             <a:r>
               <a:rPr lang="zh-CN" altLang="en-US" sz="1050" dirty="0"/>
-              <a:t>石河子、大煤顶部砂岩含水层</a:t>
+              <a:t>石盒子、大煤顶部砂岩含水层</a:t>
             </a:r>
           </a:p>
         </p:txBody>
@@ -29170,7 +29171,7 @@
         <p:spPr>
           <a:xfrm>
             <a:off x="4422049" y="4998500"/>
-            <a:ext cx="1069524" cy="253916"/>
+            <a:ext cx="1345240" cy="253916"/>
           </a:xfrm>
           <a:prstGeom prst="rect">
             <a:avLst/>
@@ -29207,6 +29208,14 @@
               <a:rPr lang="en-US" altLang="zh-CN" sz="1050" dirty="0"/>
               <a:t>8</a:t>
             </a:r>
+            <a:r>
+              <a:rPr lang="zh-CN" altLang="en-US" sz="1050" dirty="0"/>
+              <a:t>、</a:t>
+            </a:r>
+            <a:r>
+              <a:rPr lang="en-US" altLang="zh-CN" sz="1050" dirty="0"/>
+              <a:t>10</a:t>
+            </a:r>
           </a:p>
         </p:txBody>
       </p:sp>
@@ -29395,10 +29404,258 @@
           </a:fontRef>
         </p:style>
       </p:cxnSp>
+      <p:sp>
+        <p:nvSpPr>
+          <p:cNvPr id="31" name="矩形 30">
+            <a:extLst>
+              <a:ext uri="{FF2B5EF4-FFF2-40B4-BE49-F238E27FC236}">
+                <a16:creationId xmlns:a16="http://schemas.microsoft.com/office/drawing/2014/main" id="{5BF92FBF-C061-02EC-C5D9-5EA3A5DCF337}"/>
+              </a:ext>
+            </a:extLst>
+          </p:cNvPr>
+          <p:cNvSpPr/>
+          <p:nvPr/>
+        </p:nvSpPr>
+        <p:spPr>
+          <a:xfrm>
+            <a:off x="4196418" y="5447760"/>
+            <a:ext cx="225631" cy="114751"/>
+          </a:xfrm>
+          <a:prstGeom prst="rect">
+            <a:avLst/>
+          </a:prstGeom>
+          <a:solidFill>
+            <a:srgbClr val="8571DC"/>
+          </a:solidFill>
+        </p:spPr>
+        <p:style>
+          <a:lnRef idx="2">
+            <a:schemeClr val="accent1">
+              <a:shade val="15000"/>
+            </a:schemeClr>
+          </a:lnRef>
+          <a:fillRef idx="1">
+            <a:schemeClr val="accent1"/>
+          </a:fillRef>
+          <a:effectRef idx="0">
+            <a:schemeClr val="accent1"/>
+          </a:effectRef>
+          <a:fontRef idx="minor">
+            <a:schemeClr val="lt1"/>
+          </a:fontRef>
+        </p:style>
+        <p:txBody>
+          <a:bodyPr rtlCol="0" anchor="ctr"/>
+          <a:lstStyle/>
+          <a:p>
+            <a:pPr algn="ctr"/>
+            <a:endParaRPr kumimoji="1" lang="zh-CN" altLang="en-US"/>
+          </a:p>
+        </p:txBody>
+      </p:sp>
+      <p:sp>
+        <p:nvSpPr>
+          <p:cNvPr id="32" name="文本框 31">
+            <a:extLst>
+              <a:ext uri="{FF2B5EF4-FFF2-40B4-BE49-F238E27FC236}">
+                <a16:creationId xmlns:a16="http://schemas.microsoft.com/office/drawing/2014/main" id="{8494E546-A8EB-7684-0693-6FD7D2117154}"/>
+              </a:ext>
+            </a:extLst>
+          </p:cNvPr>
+          <p:cNvSpPr txBox="1"/>
+          <p:nvPr/>
+        </p:nvSpPr>
+        <p:spPr>
+          <a:xfrm>
+            <a:off x="4422049" y="5391491"/>
+            <a:ext cx="1531188" cy="253916"/>
+          </a:xfrm>
+          <a:prstGeom prst="rect">
+            <a:avLst/>
+          </a:prstGeom>
+          <a:noFill/>
+        </p:spPr>
+        <p:txBody>
+          <a:bodyPr wrap="none" rtlCol="0">
+            <a:spAutoFit/>
+          </a:bodyPr>
+          <a:lstStyle/>
+          <a:p>
+            <a:r>
+              <a:rPr lang="zh-CN" altLang="en-US" sz="1050" dirty="0"/>
+              <a:t>大青、本溪灰岩含水层</a:t>
+            </a:r>
+          </a:p>
+        </p:txBody>
+      </p:sp>
     </p:spTree>
     <p:extLst>
       <p:ext uri="{BB962C8B-B14F-4D97-AF65-F5344CB8AC3E}">
         <p14:creationId xmlns:p14="http://schemas.microsoft.com/office/powerpoint/2010/main" val="1349491288"/>
+      </p:ext>
+    </p:extLst>
+  </p:cSld>
+  <p:clrMapOvr>
+    <a:masterClrMapping/>
+  </p:clrMapOvr>
+</p:sld>
+</file>
+
+<file path=ppt/slides/slide27.xml><?xml version="1.0" encoding="utf-8"?>
+<p:sld xmlns:a="http://schemas.openxmlformats.org/drawingml/2006/main" xmlns:r="http://schemas.openxmlformats.org/officeDocument/2006/relationships" xmlns:p="http://schemas.openxmlformats.org/presentationml/2006/main">
+  <p:cSld>
+    <p:spTree>
+      <p:nvGrpSpPr>
+        <p:cNvPr id="1" name=""/>
+        <p:cNvGrpSpPr/>
+        <p:nvPr/>
+      </p:nvGrpSpPr>
+      <p:grpSpPr>
+        <a:xfrm>
+          <a:off x="0" y="0"/>
+          <a:ext cx="0" cy="0"/>
+          <a:chOff x="0" y="0"/>
+          <a:chExt cx="0" cy="0"/>
+        </a:xfrm>
+      </p:grpSpPr>
+      <p:pic>
+        <p:nvPicPr>
+          <p:cNvPr id="4" name="图片 3">
+            <a:extLst>
+              <a:ext uri="{FF2B5EF4-FFF2-40B4-BE49-F238E27FC236}">
+                <a16:creationId xmlns:a16="http://schemas.microsoft.com/office/drawing/2014/main" id="{F5921C69-7F91-BE5D-7AC5-31048822494F}"/>
+              </a:ext>
+            </a:extLst>
+          </p:cNvPr>
+          <p:cNvPicPr>
+            <a:picLocks noChangeAspect="1"/>
+          </p:cNvPicPr>
+          <p:nvPr/>
+        </p:nvPicPr>
+        <p:blipFill>
+          <a:blip r:embed="rId2"/>
+          <a:stretch>
+            <a:fillRect/>
+          </a:stretch>
+        </p:blipFill>
+        <p:spPr>
+          <a:xfrm>
+            <a:off x="464128" y="0"/>
+            <a:ext cx="7772400" cy="4651979"/>
+          </a:xfrm>
+          <a:prstGeom prst="rect">
+            <a:avLst/>
+          </a:prstGeom>
+        </p:spPr>
+      </p:pic>
+      <p:cxnSp>
+        <p:nvCxnSpPr>
+          <p:cNvPr id="6" name="直线箭头连接符 5">
+            <a:extLst>
+              <a:ext uri="{FF2B5EF4-FFF2-40B4-BE49-F238E27FC236}">
+                <a16:creationId xmlns:a16="http://schemas.microsoft.com/office/drawing/2014/main" id="{7615DD78-78C1-1ED7-1BE1-A20C5104A09C}"/>
+              </a:ext>
+            </a:extLst>
+          </p:cNvPr>
+          <p:cNvCxnSpPr/>
+          <p:nvPr/>
+        </p:nvCxnSpPr>
+        <p:spPr>
+          <a:xfrm>
+            <a:off x="5070764" y="4156364"/>
+            <a:ext cx="807522" cy="1140031"/>
+          </a:xfrm>
+          <a:prstGeom prst="straightConnector1">
+            <a:avLst/>
+          </a:prstGeom>
+          <a:ln>
+            <a:tailEnd type="triangle"/>
+          </a:ln>
+        </p:spPr>
+        <p:style>
+          <a:lnRef idx="2">
+            <a:schemeClr val="accent2"/>
+          </a:lnRef>
+          <a:fillRef idx="0">
+            <a:schemeClr val="accent2"/>
+          </a:fillRef>
+          <a:effectRef idx="1">
+            <a:schemeClr val="accent2"/>
+          </a:effectRef>
+          <a:fontRef idx="minor">
+            <a:schemeClr val="tx1"/>
+          </a:fontRef>
+        </p:style>
+      </p:cxnSp>
+      <p:pic>
+        <p:nvPicPr>
+          <p:cNvPr id="7" name="图片 6">
+            <a:extLst>
+              <a:ext uri="{FF2B5EF4-FFF2-40B4-BE49-F238E27FC236}">
+                <a16:creationId xmlns:a16="http://schemas.microsoft.com/office/drawing/2014/main" id="{CF8FBFFA-1BD7-DC9A-5BB6-AF8FD951FC09}"/>
+              </a:ext>
+            </a:extLst>
+          </p:cNvPr>
+          <p:cNvPicPr>
+            <a:picLocks noChangeAspect="1"/>
+          </p:cNvPicPr>
+          <p:nvPr/>
+        </p:nvPicPr>
+        <p:blipFill>
+          <a:blip r:embed="rId3"/>
+          <a:stretch>
+            <a:fillRect/>
+          </a:stretch>
+        </p:blipFill>
+        <p:spPr>
+          <a:xfrm>
+            <a:off x="5997039" y="5189473"/>
+            <a:ext cx="1267196" cy="1239036"/>
+          </a:xfrm>
+          <a:prstGeom prst="rect">
+            <a:avLst/>
+          </a:prstGeom>
+        </p:spPr>
+      </p:pic>
+      <p:sp>
+        <p:nvSpPr>
+          <p:cNvPr id="8" name="文本框 7">
+            <a:extLst>
+              <a:ext uri="{FF2B5EF4-FFF2-40B4-BE49-F238E27FC236}">
+                <a16:creationId xmlns:a16="http://schemas.microsoft.com/office/drawing/2014/main" id="{59CF09D1-79C0-0EBA-9DAA-D5782DD6890C}"/>
+              </a:ext>
+            </a:extLst>
+          </p:cNvPr>
+          <p:cNvSpPr txBox="1"/>
+          <p:nvPr/>
+        </p:nvSpPr>
+        <p:spPr>
+          <a:xfrm>
+            <a:off x="5695890" y="4835687"/>
+            <a:ext cx="800219" cy="276999"/>
+          </a:xfrm>
+          <a:prstGeom prst="rect">
+            <a:avLst/>
+          </a:prstGeom>
+          <a:noFill/>
+        </p:spPr>
+        <p:txBody>
+          <a:bodyPr wrap="none" rtlCol="0">
+            <a:spAutoFit/>
+          </a:bodyPr>
+          <a:lstStyle/>
+          <a:p>
+            <a:r>
+              <a:rPr kumimoji="1" lang="zh-CN" altLang="en-US" sz="1200" dirty="0"/>
+              <a:t>局部展示</a:t>
+            </a:r>
+          </a:p>
+        </p:txBody>
+      </p:sp>
+    </p:spTree>
+    <p:extLst>
+      <p:ext uri="{BB962C8B-B14F-4D97-AF65-F5344CB8AC3E}">
+        <p14:creationId xmlns:p14="http://schemas.microsoft.com/office/powerpoint/2010/main" val="2125428922"/>
       </p:ext>
     </p:extLst>
   </p:cSld>
